--- a/Slutredovisning.pptx
+++ b/Slutredovisning.pptx
@@ -7,6 +7,10 @@
   <p:sldIdLst>
     <p:sldId id="256" r:id="rId2"/>
     <p:sldId id="257" r:id="rId3"/>
+    <p:sldId id="258" r:id="rId4"/>
+    <p:sldId id="259" r:id="rId5"/>
+    <p:sldId id="260" r:id="rId6"/>
+    <p:sldId id="261" r:id="rId7"/>
   </p:sldIdLst>
   <p:sldSz cx="12192000" cy="6858000"/>
   <p:notesSz cx="6858000" cy="9144000"/>
@@ -278,7 +282,7 @@
           <a:p>
             <a:fld id="{72EA7947-E287-4738-8C82-07CE4F01EF03}" type="datetime2">
               <a:rPr lang="en-US" smtClean="0"/>
-              <a:t>Monday, January 10, 2022</a:t>
+              <a:t>Tuesday, January 11, 2022</a:t>
             </a:fld>
             <a:endParaRPr lang="en-US" dirty="0"/>
           </a:p>
@@ -1314,7 +1318,7 @@
           <a:p>
             <a:fld id="{EE2EBD84-71F4-4271-8C46-0D47C0A9B12E}" type="datetime2">
               <a:rPr lang="en-US" smtClean="0"/>
-              <a:t>Monday, January 10, 2022</a:t>
+              <a:t>Tuesday, January 11, 2022</a:t>
             </a:fld>
             <a:endParaRPr lang="en-US"/>
           </a:p>
@@ -1525,7 +1529,7 @@
           <a:p>
             <a:fld id="{ABAE0CE1-F450-4107-B2CB-17B18F8A3F4A}" type="datetime2">
               <a:rPr lang="en-US" smtClean="0"/>
-              <a:t>Monday, January 10, 2022</a:t>
+              <a:t>Tuesday, January 11, 2022</a:t>
             </a:fld>
             <a:endParaRPr lang="en-US"/>
           </a:p>
@@ -2190,7 +2194,7 @@
           <a:p>
             <a:fld id="{6FE8C025-CD7A-4966-867E-81CF82B15267}" type="datetime2">
               <a:rPr lang="en-US" smtClean="0"/>
-              <a:t>Monday, January 10, 2022</a:t>
+              <a:t>Tuesday, January 11, 2022</a:t>
             </a:fld>
             <a:endParaRPr lang="en-US"/>
           </a:p>
@@ -2810,7 +2814,7 @@
           <a:p>
             <a:fld id="{FE809929-0719-4517-94D6-FDF7F99E70F6}" type="datetime2">
               <a:rPr lang="en-US" smtClean="0"/>
-              <a:t>Monday, January 10, 2022</a:t>
+              <a:t>Tuesday, January 11, 2022</a:t>
             </a:fld>
             <a:endParaRPr lang="en-US"/>
           </a:p>
@@ -3928,7 +3932,7 @@
           <a:p>
             <a:fld id="{20E95673-5512-4AAA-9AEB-E00C61EC65D5}" type="datetime2">
               <a:rPr lang="en-US" smtClean="0"/>
-              <a:t>Monday, January 10, 2022</a:t>
+              <a:t>Tuesday, January 11, 2022</a:t>
             </a:fld>
             <a:endParaRPr lang="en-US"/>
           </a:p>
@@ -4475,7 +4479,7 @@
           <a:p>
             <a:fld id="{C13138FA-2E87-4873-8BBA-13E447C9A99A}" type="datetime2">
               <a:rPr lang="en-US" smtClean="0"/>
-              <a:t>Monday, January 10, 2022</a:t>
+              <a:t>Tuesday, January 11, 2022</a:t>
             </a:fld>
             <a:endParaRPr lang="en-US"/>
           </a:p>
@@ -4636,7 +4640,7 @@
           <a:p>
             <a:fld id="{D75BB40A-97BD-4BFB-B639-0BFF95FDE8B7}" type="datetime2">
               <a:rPr lang="en-US" smtClean="0"/>
-              <a:t>Monday, January 10, 2022</a:t>
+              <a:t>Tuesday, January 11, 2022</a:t>
             </a:fld>
             <a:endParaRPr lang="en-US"/>
           </a:p>
@@ -5671,7 +5675,7 @@
           <a:p>
             <a:fld id="{9EE9E0E3-ECF6-4CFE-8698-AEFEBCECC3C0}" type="datetime2">
               <a:rPr lang="en-US" smtClean="0"/>
-              <a:t>Monday, January 10, 2022</a:t>
+              <a:t>Tuesday, January 11, 2022</a:t>
             </a:fld>
             <a:endParaRPr lang="en-US"/>
           </a:p>
@@ -6317,7 +6321,7 @@
           <a:p>
             <a:fld id="{251462FC-960E-4740-921F-B36862979F21}" type="datetime2">
               <a:rPr lang="en-US" smtClean="0"/>
-              <a:t>Monday, January 10, 2022</a:t>
+              <a:t>Tuesday, January 11, 2022</a:t>
             </a:fld>
             <a:endParaRPr lang="en-US"/>
           </a:p>
@@ -7081,7 +7085,7 @@
           <a:p>
             <a:fld id="{E50BC9E2-CB44-4C05-9BB5-496C18A241E0}" type="datetime2">
               <a:rPr lang="en-US" smtClean="0"/>
-              <a:t>Monday, January 10, 2022</a:t>
+              <a:t>Tuesday, January 11, 2022</a:t>
             </a:fld>
             <a:endParaRPr lang="en-US"/>
           </a:p>
@@ -7334,7 +7338,7 @@
           <a:p>
             <a:fld id="{246CB39B-5F4C-4A7E-9BE3-AAFD45576D16}" type="datetime2">
               <a:rPr lang="en-US" smtClean="0"/>
-              <a:t>Monday, January 10, 2022</a:t>
+              <a:t>Tuesday, January 11, 2022</a:t>
             </a:fld>
             <a:endParaRPr lang="en-US" dirty="0"/>
           </a:p>
@@ -7796,7 +7800,7 @@
       </p:grpSpPr>
       <p:sp useBgFill="1">
         <p:nvSpPr>
-          <p:cNvPr id="9" name="Rectangle 8">
+          <p:cNvPr id="22" name="Rectangle 21">
             <a:extLst>
               <a:ext uri="{FF2B5EF4-FFF2-40B4-BE49-F238E27FC236}">
                 <a16:creationId xmlns:a16="http://schemas.microsoft.com/office/drawing/2014/main" id="{1DB043B4-68C6-45B9-82AC-A5800EADB8DB}"/>
@@ -7870,432 +7874,6 @@
           </a:p>
         </p:txBody>
       </p:sp>
-      <p:sp>
-        <p:nvSpPr>
-          <p:cNvPr id="2" name="Rubrik 1">
-            <a:extLst>
-              <a:ext uri="{FF2B5EF4-FFF2-40B4-BE49-F238E27FC236}">
-                <a16:creationId xmlns:a16="http://schemas.microsoft.com/office/drawing/2014/main" id="{59C3846E-9504-4B21-98F6-C256A4CD63B7}"/>
-              </a:ext>
-            </a:extLst>
-          </p:cNvPr>
-          <p:cNvSpPr>
-            <a:spLocks noGrp="1"/>
-          </p:cNvSpPr>
-          <p:nvPr>
-            <p:ph type="ctrTitle"/>
-          </p:nvPr>
-        </p:nvSpPr>
-        <p:spPr>
-          <a:xfrm>
-            <a:off x="550864" y="1051551"/>
-            <a:ext cx="3565524" cy="2384898"/>
-          </a:xfrm>
-        </p:spPr>
-        <p:txBody>
-          <a:bodyPr anchor="b">
-            <a:normAutofit/>
-          </a:bodyPr>
-          <a:lstStyle/>
-          <a:p>
-            <a:r>
-              <a:rPr lang="sv-SE" sz="4800" dirty="0" err="1"/>
-              <a:t>Sustainable</a:t>
-            </a:r>
-            <a:r>
-              <a:rPr lang="sv-SE" sz="4800" dirty="0"/>
-              <a:t> Forms</a:t>
-            </a:r>
-          </a:p>
-        </p:txBody>
-      </p:sp>
-      <p:sp>
-        <p:nvSpPr>
-          <p:cNvPr id="3" name="Underrubrik 2">
-            <a:extLst>
-              <a:ext uri="{FF2B5EF4-FFF2-40B4-BE49-F238E27FC236}">
-                <a16:creationId xmlns:a16="http://schemas.microsoft.com/office/drawing/2014/main" id="{4D5CA438-76A3-4BFB-99AD-4F3A1033151D}"/>
-              </a:ext>
-            </a:extLst>
-          </p:cNvPr>
-          <p:cNvSpPr>
-            <a:spLocks noGrp="1"/>
-          </p:cNvSpPr>
-          <p:nvPr>
-            <p:ph type="subTitle" idx="1"/>
-          </p:nvPr>
-        </p:nvSpPr>
-        <p:spPr>
-          <a:xfrm>
-            <a:off x="550863" y="3569008"/>
-            <a:ext cx="3565525" cy="1731656"/>
-          </a:xfrm>
-        </p:spPr>
-        <p:txBody>
-          <a:bodyPr>
-            <a:normAutofit/>
-          </a:bodyPr>
-          <a:lstStyle/>
-          <a:p>
-            <a:pPr>
-              <a:lnSpc>
-                <a:spcPct val="90000"/>
-              </a:lnSpc>
-            </a:pPr>
-            <a:r>
-              <a:rPr lang="sv-SE" sz="2000" dirty="0">
-                <a:solidFill>
-                  <a:schemeClr val="tx1">
-                    <a:alpha val="60000"/>
-                  </a:schemeClr>
-                </a:solidFill>
-              </a:rPr>
-              <a:t>Webbaserat rapporteringsverktyg utvecklat på uppdrag av Helsingborg Convention and Event Bureau</a:t>
-            </a:r>
-          </a:p>
-        </p:txBody>
-      </p:sp>
-      <p:grpSp>
-        <p:nvGrpSpPr>
-          <p:cNvPr id="11" name="Group 10">
-            <a:extLst>
-              <a:ext uri="{FF2B5EF4-FFF2-40B4-BE49-F238E27FC236}">
-                <a16:creationId xmlns:a16="http://schemas.microsoft.com/office/drawing/2014/main" id="{4592A8CB-0B0A-43A5-86F4-712B0C469671}"/>
-              </a:ext>
-              <a:ext uri="{C183D7F6-B498-43B3-948B-1728B52AA6E4}">
-                <adec:decorative xmlns:adec="http://schemas.microsoft.com/office/drawing/2017/decorative" val="1"/>
-              </a:ext>
-            </a:extLst>
-          </p:cNvPr>
-          <p:cNvGrpSpPr>
-            <a:grpSpLocks noGrp="1" noUngrp="1" noRot="1" noChangeAspect="1" noMove="1" noResize="1"/>
-          </p:cNvGrpSpPr>
-          <p:nvPr>
-            <p:extLst>
-              <p:ext uri="{386F3935-93C4-4BCD-93E2-E3B085C9AB24}">
-                <p16:designElem xmlns:p16="http://schemas.microsoft.com/office/powerpoint/2015/main" val="1"/>
-              </p:ext>
-            </p:extLst>
-          </p:nvPr>
-        </p:nvGrpSpPr>
-        <p:grpSpPr>
-          <a:xfrm>
-            <a:off x="341850" y="444676"/>
-            <a:ext cx="667802" cy="631474"/>
-            <a:chOff x="10478914" y="1506691"/>
-            <a:chExt cx="667802" cy="631474"/>
-          </a:xfrm>
-        </p:grpSpPr>
-        <p:sp>
-          <p:nvSpPr>
-            <p:cNvPr id="12" name="Freeform: Shape 11">
-              <a:extLst>
-                <a:ext uri="{FF2B5EF4-FFF2-40B4-BE49-F238E27FC236}">
-                  <a16:creationId xmlns:a16="http://schemas.microsoft.com/office/drawing/2014/main" id="{4C63B2AC-3D19-416D-A37F-2DDA8A36513D}"/>
-                </a:ext>
-                <a:ext uri="{C183D7F6-B498-43B3-948B-1728B52AA6E4}">
-                  <adec:decorative xmlns:adec="http://schemas.microsoft.com/office/drawing/2017/decorative" val="1"/>
-                </a:ext>
-              </a:extLst>
-            </p:cNvPr>
-            <p:cNvSpPr>
-              <a:spLocks noChangeAspect="1"/>
-            </p:cNvSpPr>
-            <p:nvPr>
-              <p:extLst>
-                <p:ext uri="{386F3935-93C4-4BCD-93E2-E3B085C9AB24}">
-                  <p16:designElem xmlns:p16="http://schemas.microsoft.com/office/powerpoint/2015/main" val="1"/>
-                </p:ext>
-              </p:extLst>
-            </p:nvPr>
-          </p:nvSpPr>
-          <p:spPr>
-            <a:xfrm rot="8100000">
-              <a:off x="10606715" y="1506691"/>
-              <a:ext cx="540001" cy="631474"/>
-            </a:xfrm>
-            <a:custGeom>
-              <a:avLst/>
-              <a:gdLst>
-                <a:gd name="connsiteX0" fmla="*/ 540000 w 1080000"/>
-                <a:gd name="connsiteY0" fmla="*/ 0 h 1262947"/>
-                <a:gd name="connsiteX1" fmla="*/ 1080000 w 1080000"/>
-                <a:gd name="connsiteY1" fmla="*/ 931034 h 1262947"/>
-                <a:gd name="connsiteX2" fmla="*/ 1064374 w 1080000"/>
-                <a:gd name="connsiteY2" fmla="*/ 931034 h 1262947"/>
-                <a:gd name="connsiteX3" fmla="*/ 1069029 w 1080000"/>
-                <a:gd name="connsiteY3" fmla="*/ 938533 h 1262947"/>
-                <a:gd name="connsiteX4" fmla="*/ 1080000 w 1080000"/>
-                <a:gd name="connsiteY4" fmla="*/ 992947 h 1262947"/>
-                <a:gd name="connsiteX5" fmla="*/ 540000 w 1080000"/>
-                <a:gd name="connsiteY5" fmla="*/ 1262947 h 1262947"/>
-                <a:gd name="connsiteX6" fmla="*/ 0 w 1080000"/>
-                <a:gd name="connsiteY6" fmla="*/ 992947 h 1262947"/>
-                <a:gd name="connsiteX7" fmla="*/ 10971 w 1080000"/>
-                <a:gd name="connsiteY7" fmla="*/ 938533 h 1262947"/>
-                <a:gd name="connsiteX8" fmla="*/ 15626 w 1080000"/>
-                <a:gd name="connsiteY8" fmla="*/ 931034 h 1262947"/>
-                <a:gd name="connsiteX9" fmla="*/ 0 w 1080000"/>
-                <a:gd name="connsiteY9" fmla="*/ 931034 h 1262947"/>
-                <a:gd name="connsiteX0" fmla="*/ 540000 w 1080000"/>
-                <a:gd name="connsiteY0" fmla="*/ 0 h 1262947"/>
-                <a:gd name="connsiteX1" fmla="*/ 1080000 w 1080000"/>
-                <a:gd name="connsiteY1" fmla="*/ 931034 h 1262947"/>
-                <a:gd name="connsiteX2" fmla="*/ 1064374 w 1080000"/>
-                <a:gd name="connsiteY2" fmla="*/ 931034 h 1262947"/>
-                <a:gd name="connsiteX3" fmla="*/ 1069029 w 1080000"/>
-                <a:gd name="connsiteY3" fmla="*/ 938533 h 1262947"/>
-                <a:gd name="connsiteX4" fmla="*/ 1080000 w 1080000"/>
-                <a:gd name="connsiteY4" fmla="*/ 992947 h 1262947"/>
-                <a:gd name="connsiteX5" fmla="*/ 540000 w 1080000"/>
-                <a:gd name="connsiteY5" fmla="*/ 1262947 h 1262947"/>
-                <a:gd name="connsiteX6" fmla="*/ 0 w 1080000"/>
-                <a:gd name="connsiteY6" fmla="*/ 992947 h 1262947"/>
-                <a:gd name="connsiteX7" fmla="*/ 10971 w 1080000"/>
-                <a:gd name="connsiteY7" fmla="*/ 938533 h 1262947"/>
-                <a:gd name="connsiteX8" fmla="*/ 15626 w 1080000"/>
-                <a:gd name="connsiteY8" fmla="*/ 931034 h 1262947"/>
-                <a:gd name="connsiteX9" fmla="*/ 540000 w 1080000"/>
-                <a:gd name="connsiteY9" fmla="*/ 0 h 1262947"/>
-                <a:gd name="connsiteX0" fmla="*/ 540000 w 1080000"/>
-                <a:gd name="connsiteY0" fmla="*/ 0 h 1262947"/>
-                <a:gd name="connsiteX1" fmla="*/ 1064374 w 1080000"/>
-                <a:gd name="connsiteY1" fmla="*/ 931034 h 1262947"/>
-                <a:gd name="connsiteX2" fmla="*/ 1069029 w 1080000"/>
-                <a:gd name="connsiteY2" fmla="*/ 938533 h 1262947"/>
-                <a:gd name="connsiteX3" fmla="*/ 1080000 w 1080000"/>
-                <a:gd name="connsiteY3" fmla="*/ 992947 h 1262947"/>
-                <a:gd name="connsiteX4" fmla="*/ 540000 w 1080000"/>
-                <a:gd name="connsiteY4" fmla="*/ 1262947 h 1262947"/>
-                <a:gd name="connsiteX5" fmla="*/ 0 w 1080000"/>
-                <a:gd name="connsiteY5" fmla="*/ 992947 h 1262947"/>
-                <a:gd name="connsiteX6" fmla="*/ 10971 w 1080000"/>
-                <a:gd name="connsiteY6" fmla="*/ 938533 h 1262947"/>
-                <a:gd name="connsiteX7" fmla="*/ 15626 w 1080000"/>
-                <a:gd name="connsiteY7" fmla="*/ 931034 h 1262947"/>
-                <a:gd name="connsiteX8" fmla="*/ 540000 w 1080000"/>
-                <a:gd name="connsiteY8" fmla="*/ 0 h 1262947"/>
-              </a:gdLst>
-              <a:ahLst/>
-              <a:cxnLst>
-                <a:cxn ang="0">
-                  <a:pos x="connsiteX0" y="connsiteY0"/>
-                </a:cxn>
-                <a:cxn ang="0">
-                  <a:pos x="connsiteX1" y="connsiteY1"/>
-                </a:cxn>
-                <a:cxn ang="0">
-                  <a:pos x="connsiteX2" y="connsiteY2"/>
-                </a:cxn>
-                <a:cxn ang="0">
-                  <a:pos x="connsiteX3" y="connsiteY3"/>
-                </a:cxn>
-                <a:cxn ang="0">
-                  <a:pos x="connsiteX4" y="connsiteY4"/>
-                </a:cxn>
-                <a:cxn ang="0">
-                  <a:pos x="connsiteX5" y="connsiteY5"/>
-                </a:cxn>
-                <a:cxn ang="0">
-                  <a:pos x="connsiteX6" y="connsiteY6"/>
-                </a:cxn>
-                <a:cxn ang="0">
-                  <a:pos x="connsiteX7" y="connsiteY7"/>
-                </a:cxn>
-                <a:cxn ang="0">
-                  <a:pos x="connsiteX8" y="connsiteY8"/>
-                </a:cxn>
-              </a:cxnLst>
-              <a:rect l="l" t="t" r="r" b="b"/>
-              <a:pathLst>
-                <a:path w="1080000" h="1262947">
-                  <a:moveTo>
-                    <a:pt x="540000" y="0"/>
-                  </a:moveTo>
-                  <a:lnTo>
-                    <a:pt x="1064374" y="931034"/>
-                  </a:lnTo>
-                  <a:lnTo>
-                    <a:pt x="1069029" y="938533"/>
-                  </a:lnTo>
-                  <a:cubicBezTo>
-                    <a:pt x="1076223" y="956109"/>
-                    <a:pt x="1080000" y="974307"/>
-                    <a:pt x="1080000" y="992947"/>
-                  </a:cubicBezTo>
-                  <a:cubicBezTo>
-                    <a:pt x="1080000" y="1142064"/>
-                    <a:pt x="838234" y="1262947"/>
-                    <a:pt x="540000" y="1262947"/>
-                  </a:cubicBezTo>
-                  <a:cubicBezTo>
-                    <a:pt x="241766" y="1262947"/>
-                    <a:pt x="0" y="1142064"/>
-                    <a:pt x="0" y="992947"/>
-                  </a:cubicBezTo>
-                  <a:cubicBezTo>
-                    <a:pt x="0" y="974307"/>
-                    <a:pt x="3778" y="956109"/>
-                    <a:pt x="10971" y="938533"/>
-                  </a:cubicBezTo>
-                  <a:lnTo>
-                    <a:pt x="15626" y="931034"/>
-                  </a:lnTo>
-                  <a:lnTo>
-                    <a:pt x="540000" y="0"/>
-                  </a:lnTo>
-                  <a:close/>
-                </a:path>
-              </a:pathLst>
-            </a:custGeom>
-            <a:gradFill>
-              <a:gsLst>
-                <a:gs pos="60000">
-                  <a:schemeClr val="bg2">
-                    <a:lumMod val="90000"/>
-                    <a:lumOff val="10000"/>
-                  </a:schemeClr>
-                </a:gs>
-                <a:gs pos="30000">
-                  <a:schemeClr val="bg2">
-                    <a:lumMod val="90000"/>
-                    <a:lumOff val="10000"/>
-                  </a:schemeClr>
-                </a:gs>
-                <a:gs pos="40000">
-                  <a:schemeClr val="bg2">
-                    <a:lumMod val="80000"/>
-                    <a:lumOff val="20000"/>
-                  </a:schemeClr>
-                </a:gs>
-                <a:gs pos="100000">
-                  <a:schemeClr val="bg2"/>
-                </a:gs>
-              </a:gsLst>
-              <a:lin ang="600000" scaled="0"/>
-            </a:gradFill>
-            <a:ln>
-              <a:noFill/>
-            </a:ln>
-            <a:effectLst>
-              <a:innerShdw blurRad="101600" dist="50800" dir="7320000">
-                <a:schemeClr val="accent1">
-                  <a:lumMod val="60000"/>
-                  <a:lumOff val="40000"/>
-                  <a:alpha val="20000"/>
-                </a:schemeClr>
-              </a:innerShdw>
-            </a:effectLst>
-          </p:spPr>
-          <p:style>
-            <a:lnRef idx="2">
-              <a:schemeClr val="accent1">
-                <a:shade val="50000"/>
-              </a:schemeClr>
-            </a:lnRef>
-            <a:fillRef idx="1">
-              <a:schemeClr val="accent1"/>
-            </a:fillRef>
-            <a:effectRef idx="0">
-              <a:schemeClr val="accent1"/>
-            </a:effectRef>
-            <a:fontRef idx="minor">
-              <a:schemeClr val="lt1"/>
-            </a:fontRef>
-          </p:style>
-          <p:txBody>
-            <a:bodyPr rot="0" spcFirstLastPara="0" vertOverflow="overflow" horzOverflow="overflow" vert="horz" wrap="square" lIns="91440" tIns="45720" rIns="91440" bIns="45720" numCol="1" spcCol="0" rtlCol="0" fromWordArt="0" anchor="ctr" anchorCtr="0" forceAA="0" compatLnSpc="1">
-              <a:prstTxWarp prst="textNoShape">
-                <a:avLst/>
-              </a:prstTxWarp>
-              <a:noAutofit/>
-            </a:bodyPr>
-            <a:lstStyle/>
-            <a:p>
-              <a:pPr algn="ctr"/>
-              <a:endParaRPr lang="en-US"/>
-            </a:p>
-          </p:txBody>
-        </p:sp>
-        <p:sp>
-          <p:nvSpPr>
-            <p:cNvPr id="13" name="Oval 12">
-              <a:extLst>
-                <a:ext uri="{FF2B5EF4-FFF2-40B4-BE49-F238E27FC236}">
-                  <a16:creationId xmlns:a16="http://schemas.microsoft.com/office/drawing/2014/main" id="{8A474391-1271-45F9-A39C-8641371ABC34}"/>
-                </a:ext>
-                <a:ext uri="{C183D7F6-B498-43B3-948B-1728B52AA6E4}">
-                  <adec:decorative xmlns:adec="http://schemas.microsoft.com/office/drawing/2017/decorative" val="1"/>
-                </a:ext>
-              </a:extLst>
-            </p:cNvPr>
-            <p:cNvSpPr/>
-            <p:nvPr>
-              <p:extLst>
-                <p:ext uri="{386F3935-93C4-4BCD-93E2-E3B085C9AB24}">
-                  <p16:designElem xmlns:p16="http://schemas.microsoft.com/office/powerpoint/2015/main" val="1"/>
-                </p:ext>
-              </p:extLst>
-            </p:nvPr>
-          </p:nvSpPr>
-          <p:spPr>
-            <a:xfrm rot="13500000">
-              <a:off x="10613915" y="1424627"/>
-              <a:ext cx="270000" cy="540001"/>
-            </a:xfrm>
-            <a:prstGeom prst="ellipse">
-              <a:avLst/>
-            </a:prstGeom>
-            <a:solidFill>
-              <a:schemeClr val="bg2">
-                <a:lumMod val="90000"/>
-                <a:lumOff val="10000"/>
-              </a:schemeClr>
-            </a:solidFill>
-            <a:ln>
-              <a:noFill/>
-            </a:ln>
-            <a:effectLst>
-              <a:innerShdw blurRad="1270000" dist="2540000">
-                <a:schemeClr val="accent1">
-                  <a:lumMod val="60000"/>
-                  <a:lumOff val="40000"/>
-                  <a:alpha val="0"/>
-                </a:schemeClr>
-              </a:innerShdw>
-            </a:effectLst>
-          </p:spPr>
-          <p:style>
-            <a:lnRef idx="2">
-              <a:schemeClr val="accent1">
-                <a:shade val="50000"/>
-              </a:schemeClr>
-            </a:lnRef>
-            <a:fillRef idx="1">
-              <a:schemeClr val="accent1"/>
-            </a:fillRef>
-            <a:effectRef idx="0">
-              <a:schemeClr val="accent1"/>
-            </a:effectRef>
-            <a:fontRef idx="minor">
-              <a:schemeClr val="lt1"/>
-            </a:fontRef>
-          </p:style>
-          <p:txBody>
-            <a:bodyPr rot="0" spcFirstLastPara="0" vertOverflow="overflow" horzOverflow="overflow" vert="horz" wrap="square" lIns="91440" tIns="45720" rIns="91440" bIns="45720" numCol="1" spcCol="0" rtlCol="0" fromWordArt="0" anchor="ctr" anchorCtr="0" forceAA="0" compatLnSpc="1">
-              <a:prstTxWarp prst="textNoShape">
-                <a:avLst/>
-              </a:prstTxWarp>
-              <a:noAutofit/>
-            </a:bodyPr>
-            <a:lstStyle/>
-            <a:p>
-              <a:pPr algn="ctr"/>
-              <a:endParaRPr lang="en-US"/>
-            </a:p>
-          </p:txBody>
-        </p:sp>
-      </p:grpSp>
       <p:pic>
         <p:nvPicPr>
           <p:cNvPr id="4" name="Picture 3" descr="Light bulb on green grass">
@@ -8312,13 +7890,13 @@
         </p:nvPicPr>
         <p:blipFill rotWithShape="1">
           <a:blip r:embed="rId2"/>
-          <a:srcRect l="17387" r="10114" b="-1"/>
+          <a:srcRect t="2472" b="13258"/>
           <a:stretch/>
         </p:blipFill>
         <p:spPr>
           <a:xfrm>
-            <a:off x="4743450" y="10"/>
-            <a:ext cx="7448551" cy="6857990"/>
+            <a:off x="20" y="1"/>
+            <a:ext cx="12191980" cy="6858000"/>
           </a:xfrm>
           <a:custGeom>
             <a:avLst/>
@@ -8327,15 +7905,15 @@
             <a:cxnLst/>
             <a:rect l="l" t="t" r="r" b="b"/>
             <a:pathLst>
-              <a:path w="7448551" h="6858000">
+              <a:path w="12192000" h="6858000">
                 <a:moveTo>
                   <a:pt x="0" y="0"/>
                 </a:moveTo>
                 <a:lnTo>
-                  <a:pt x="7448551" y="0"/>
+                  <a:pt x="12192000" y="0"/>
                 </a:lnTo>
                 <a:lnTo>
-                  <a:pt x="7448551" y="6858000"/>
+                  <a:pt x="12192000" y="6858000"/>
                 </a:lnTo>
                 <a:lnTo>
                   <a:pt x="0" y="6858000"/>
@@ -8348,10 +7926,10 @@
       </p:pic>
       <p:sp>
         <p:nvSpPr>
-          <p:cNvPr id="15" name="Rectangle 14">
+          <p:cNvPr id="24" name="Rectangle 23">
             <a:extLst>
               <a:ext uri="{FF2B5EF4-FFF2-40B4-BE49-F238E27FC236}">
-                <a16:creationId xmlns:a16="http://schemas.microsoft.com/office/drawing/2014/main" id="{41AC6C06-99FE-4BA1-BC82-8406A424CD67}"/>
+                <a16:creationId xmlns:a16="http://schemas.microsoft.com/office/drawing/2014/main" id="{3C64A91D-E535-4C24-A0E3-96A3810E3FDC}"/>
               </a:ext>
               <a:ext uri="{C183D7F6-B498-43B3-948B-1728B52AA6E4}">
                 <adec:decorative xmlns:adec="http://schemas.microsoft.com/office/drawing/2017/decorative" val="1"/>
@@ -8424,10 +8002,10 @@
       </p:sp>
       <p:sp>
         <p:nvSpPr>
-          <p:cNvPr id="17" name="Oval 16">
+          <p:cNvPr id="26" name="Rectangle 25">
             <a:extLst>
               <a:ext uri="{FF2B5EF4-FFF2-40B4-BE49-F238E27FC236}">
-                <a16:creationId xmlns:a16="http://schemas.microsoft.com/office/drawing/2014/main" id="{7AEC842D-C905-4DEA-B1C3-CA51995C572A}"/>
+                <a16:creationId xmlns:a16="http://schemas.microsoft.com/office/drawing/2014/main" id="{26FC4867-BA3E-4F8E-AB23-684F34DF3D31}"/>
               </a:ext>
               <a:ext uri="{C183D7F6-B498-43B3-948B-1728B52AA6E4}">
                 <adec:decorative xmlns:adec="http://schemas.microsoft.com/office/drawing/2017/decorative" val="1"/>
@@ -8446,43 +8024,32 @@
           </p:nvPr>
         </p:nvSpPr>
         <p:spPr>
-          <a:xfrm>
-            <a:off x="4121219" y="5433223"/>
-            <a:ext cx="360000" cy="360000"/>
+          <a:xfrm rot="10800000">
+            <a:off x="0" y="-3"/>
+            <a:ext cx="9000000" cy="6857998"/>
           </a:xfrm>
-          <a:prstGeom prst="ellipse">
+          <a:prstGeom prst="rect">
             <a:avLst/>
           </a:prstGeom>
           <a:gradFill flip="none" rotWithShape="1">
             <a:gsLst>
-              <a:gs pos="100000">
+              <a:gs pos="50000">
                 <a:schemeClr val="bg2">
-                  <a:lumMod val="50000"/>
-                  <a:lumOff val="50000"/>
+                  <a:alpha val="60000"/>
                 </a:schemeClr>
               </a:gs>
-              <a:gs pos="60000">
-                <a:schemeClr val="bg2"/>
+              <a:gs pos="0">
+                <a:schemeClr val="bg2">
+                  <a:alpha val="0"/>
+                </a:schemeClr>
               </a:gs>
             </a:gsLst>
-            <a:path path="circle">
-              <a:fillToRect l="100000" b="100000"/>
-            </a:path>
-            <a:tileRect t="-100000" r="-100000"/>
+            <a:lin ang="0" scaled="0"/>
+            <a:tileRect/>
           </a:gradFill>
           <a:ln>
             <a:noFill/>
           </a:ln>
-          <a:effectLst>
-            <a:innerShdw blurRad="127000" dist="63500" dir="2700000">
-              <a:schemeClr val="accent1">
-                <a:lumMod val="60000"/>
-                <a:lumOff val="40000"/>
-                <a:alpha val="20000"/>
-              </a:schemeClr>
-            </a:innerShdw>
-            <a:softEdge rad="0"/>
-          </a:effectLst>
         </p:spPr>
         <p:style>
           <a:lnRef idx="2">
@@ -8501,16 +8068,91 @@
           </a:fontRef>
         </p:style>
         <p:txBody>
-          <a:bodyPr rot="0" spcFirstLastPara="0" vertOverflow="overflow" horzOverflow="overflow" vert="horz" wrap="square" lIns="91440" tIns="45720" rIns="91440" bIns="45720" numCol="1" spcCol="0" rtlCol="0" fromWordArt="0" anchor="ctr" anchorCtr="0" forceAA="0" compatLnSpc="1">
-            <a:prstTxWarp prst="textNoShape">
-              <a:avLst/>
-            </a:prstTxWarp>
-            <a:noAutofit/>
-          </a:bodyPr>
+          <a:bodyPr rtlCol="0" anchor="ctr"/>
           <a:lstStyle/>
           <a:p>
             <a:pPr algn="ctr"/>
             <a:endParaRPr lang="en-US"/>
+          </a:p>
+        </p:txBody>
+      </p:sp>
+      <p:sp>
+        <p:nvSpPr>
+          <p:cNvPr id="2" name="Rubrik 1">
+            <a:extLst>
+              <a:ext uri="{FF2B5EF4-FFF2-40B4-BE49-F238E27FC236}">
+                <a16:creationId xmlns:a16="http://schemas.microsoft.com/office/drawing/2014/main" id="{59C3846E-9504-4B21-98F6-C256A4CD63B7}"/>
+              </a:ext>
+            </a:extLst>
+          </p:cNvPr>
+          <p:cNvSpPr>
+            <a:spLocks noGrp="1"/>
+          </p:cNvSpPr>
+          <p:nvPr>
+            <p:ph type="ctrTitle"/>
+          </p:nvPr>
+        </p:nvSpPr>
+        <p:spPr>
+          <a:xfrm>
+            <a:off x="550863" y="549275"/>
+            <a:ext cx="5437187" cy="2986234"/>
+          </a:xfrm>
+        </p:spPr>
+        <p:txBody>
+          <a:bodyPr anchor="b">
+            <a:normAutofit/>
+          </a:bodyPr>
+          <a:lstStyle/>
+          <a:p>
+            <a:r>
+              <a:rPr lang="sv-SE" err="1"/>
+              <a:t>Sustainable</a:t>
+            </a:r>
+            <a:r>
+              <a:rPr lang="sv-SE"/>
+              <a:t> Forms</a:t>
+            </a:r>
+          </a:p>
+        </p:txBody>
+      </p:sp>
+      <p:sp>
+        <p:nvSpPr>
+          <p:cNvPr id="3" name="Underrubrik 2">
+            <a:extLst>
+              <a:ext uri="{FF2B5EF4-FFF2-40B4-BE49-F238E27FC236}">
+                <a16:creationId xmlns:a16="http://schemas.microsoft.com/office/drawing/2014/main" id="{4D5CA438-76A3-4BFB-99AD-4F3A1033151D}"/>
+              </a:ext>
+            </a:extLst>
+          </p:cNvPr>
+          <p:cNvSpPr>
+            <a:spLocks noGrp="1"/>
+          </p:cNvSpPr>
+          <p:nvPr>
+            <p:ph type="subTitle" idx="1"/>
+          </p:nvPr>
+        </p:nvSpPr>
+        <p:spPr>
+          <a:xfrm>
+            <a:off x="550863" y="3827610"/>
+            <a:ext cx="5437187" cy="2265216"/>
+          </a:xfrm>
+        </p:spPr>
+        <p:txBody>
+          <a:bodyPr>
+            <a:normAutofit/>
+          </a:bodyPr>
+          <a:lstStyle/>
+          <a:p>
+            <a:r>
+              <a:rPr lang="sv-SE">
+                <a:solidFill>
+                  <a:schemeClr val="tx1">
+                    <a:alpha val="60000"/>
+                  </a:schemeClr>
+                </a:solidFill>
+              </a:rPr>
+              <a:t>Webbaserat rapporteringsverktyg utvecklat på uppdrag av Helsingborg Convention and Event Bureau</a:t>
+            </a:r>
           </a:p>
         </p:txBody>
       </p:sp>
@@ -9887,6 +9529,5585 @@
 </p:sld>
 </file>
 
+<file path=ppt/slides/slide3.xml><?xml version="1.0" encoding="utf-8"?>
+<p:sld xmlns:a="http://schemas.openxmlformats.org/drawingml/2006/main" xmlns:r="http://schemas.openxmlformats.org/officeDocument/2006/relationships" xmlns:p="http://schemas.openxmlformats.org/presentationml/2006/main">
+  <p:cSld>
+    <p:bg>
+      <p:bgPr>
+        <a:solidFill>
+          <a:schemeClr val="bg2"/>
+        </a:solidFill>
+        <a:effectLst/>
+      </p:bgPr>
+    </p:bg>
+    <p:spTree>
+      <p:nvGrpSpPr>
+        <p:cNvPr id="1" name=""/>
+        <p:cNvGrpSpPr/>
+        <p:nvPr/>
+      </p:nvGrpSpPr>
+      <p:grpSpPr>
+        <a:xfrm>
+          <a:off x="0" y="0"/>
+          <a:ext cx="0" cy="0"/>
+          <a:chOff x="0" y="0"/>
+          <a:chExt cx="0" cy="0"/>
+        </a:xfrm>
+      </p:grpSpPr>
+      <p:sp>
+        <p:nvSpPr>
+          <p:cNvPr id="8" name="Freeform: Shape 7">
+            <a:extLst>
+              <a:ext uri="{FF2B5EF4-FFF2-40B4-BE49-F238E27FC236}">
+                <a16:creationId xmlns:a16="http://schemas.microsoft.com/office/drawing/2014/main" id="{82184FF4-7029-4ED7-813A-192E60608764}"/>
+              </a:ext>
+              <a:ext uri="{C183D7F6-B498-43B3-948B-1728B52AA6E4}">
+                <adec:decorative xmlns:adec="http://schemas.microsoft.com/office/drawing/2017/decorative" val="1"/>
+              </a:ext>
+            </a:extLst>
+          </p:cNvPr>
+          <p:cNvSpPr>
+            <a:spLocks noGrp="1" noRot="1" noChangeAspect="1" noMove="1" noResize="1" noEditPoints="1" noAdjustHandles="1" noChangeArrowheads="1" noChangeShapeType="1" noTextEdit="1"/>
+          </p:cNvSpPr>
+          <p:nvPr>
+            <p:extLst>
+              <p:ext uri="{386F3935-93C4-4BCD-93E2-E3B085C9AB24}">
+                <p16:designElem xmlns:p16="http://schemas.microsoft.com/office/powerpoint/2015/main" val="1"/>
+              </p:ext>
+            </p:extLst>
+          </p:nvPr>
+        </p:nvSpPr>
+        <p:spPr>
+          <a:xfrm rot="2700000">
+            <a:off x="612445" y="481888"/>
+            <a:ext cx="1080000" cy="1262947"/>
+          </a:xfrm>
+          <a:custGeom>
+            <a:avLst/>
+            <a:gdLst/>
+            <a:ahLst/>
+            <a:cxnLst/>
+            <a:rect l="l" t="t" r="r" b="b"/>
+            <a:pathLst>
+              <a:path w="1080000" h="1262947">
+                <a:moveTo>
+                  <a:pt x="540000" y="0"/>
+                </a:moveTo>
+                <a:lnTo>
+                  <a:pt x="1064374" y="931034"/>
+                </a:lnTo>
+                <a:lnTo>
+                  <a:pt x="1069029" y="938533"/>
+                </a:lnTo>
+                <a:cubicBezTo>
+                  <a:pt x="1076223" y="956109"/>
+                  <a:pt x="1080000" y="974307"/>
+                  <a:pt x="1080000" y="992947"/>
+                </a:cubicBezTo>
+                <a:cubicBezTo>
+                  <a:pt x="1080000" y="1142064"/>
+                  <a:pt x="838234" y="1262947"/>
+                  <a:pt x="540000" y="1262947"/>
+                </a:cubicBezTo>
+                <a:cubicBezTo>
+                  <a:pt x="241766" y="1262947"/>
+                  <a:pt x="0" y="1142064"/>
+                  <a:pt x="0" y="992947"/>
+                </a:cubicBezTo>
+                <a:cubicBezTo>
+                  <a:pt x="0" y="974307"/>
+                  <a:pt x="3778" y="956109"/>
+                  <a:pt x="10971" y="938533"/>
+                </a:cubicBezTo>
+                <a:lnTo>
+                  <a:pt x="15626" y="931034"/>
+                </a:lnTo>
+                <a:lnTo>
+                  <a:pt x="540000" y="0"/>
+                </a:lnTo>
+                <a:close/>
+              </a:path>
+            </a:pathLst>
+          </a:custGeom>
+          <a:gradFill>
+            <a:gsLst>
+              <a:gs pos="60000">
+                <a:schemeClr val="bg2">
+                  <a:lumMod val="90000"/>
+                  <a:lumOff val="10000"/>
+                </a:schemeClr>
+              </a:gs>
+              <a:gs pos="30000">
+                <a:schemeClr val="bg2">
+                  <a:lumMod val="90000"/>
+                  <a:lumOff val="10000"/>
+                </a:schemeClr>
+              </a:gs>
+              <a:gs pos="40000">
+                <a:schemeClr val="bg2">
+                  <a:lumMod val="75000"/>
+                  <a:lumOff val="25000"/>
+                </a:schemeClr>
+              </a:gs>
+              <a:gs pos="100000">
+                <a:schemeClr val="bg2"/>
+              </a:gs>
+            </a:gsLst>
+            <a:lin ang="600000" scaled="0"/>
+          </a:gradFill>
+          <a:ln>
+            <a:noFill/>
+          </a:ln>
+          <a:effectLst>
+            <a:innerShdw blurRad="254000" dist="101600" dir="2700000">
+              <a:schemeClr val="accent1">
+                <a:lumMod val="60000"/>
+                <a:lumOff val="40000"/>
+                <a:alpha val="40000"/>
+              </a:schemeClr>
+            </a:innerShdw>
+          </a:effectLst>
+        </p:spPr>
+        <p:style>
+          <a:lnRef idx="2">
+            <a:schemeClr val="accent1">
+              <a:shade val="50000"/>
+            </a:schemeClr>
+          </a:lnRef>
+          <a:fillRef idx="1">
+            <a:schemeClr val="accent1"/>
+          </a:fillRef>
+          <a:effectRef idx="0">
+            <a:schemeClr val="accent1"/>
+          </a:effectRef>
+          <a:fontRef idx="minor">
+            <a:schemeClr val="lt1"/>
+          </a:fontRef>
+        </p:style>
+        <p:txBody>
+          <a:bodyPr rot="0" spcFirstLastPara="0" vertOverflow="overflow" horzOverflow="overflow" vert="horz" wrap="square" lIns="91440" tIns="45720" rIns="91440" bIns="45720" numCol="1" spcCol="0" rtlCol="0" fromWordArt="0" anchor="ctr" anchorCtr="0" forceAA="0" compatLnSpc="1">
+            <a:prstTxWarp prst="textNoShape">
+              <a:avLst/>
+            </a:prstTxWarp>
+            <a:noAutofit/>
+          </a:bodyPr>
+          <a:lstStyle/>
+          <a:p>
+            <a:pPr algn="ctr"/>
+            <a:endParaRPr lang="en-US"/>
+          </a:p>
+        </p:txBody>
+      </p:sp>
+      <p:sp>
+        <p:nvSpPr>
+          <p:cNvPr id="10" name="Oval 9">
+            <a:extLst>
+              <a:ext uri="{FF2B5EF4-FFF2-40B4-BE49-F238E27FC236}">
+                <a16:creationId xmlns:a16="http://schemas.microsoft.com/office/drawing/2014/main" id="{AAA7AB09-557C-41AD-9113-FF9F68FA1035}"/>
+              </a:ext>
+              <a:ext uri="{C183D7F6-B498-43B3-948B-1728B52AA6E4}">
+                <adec:decorative xmlns:adec="http://schemas.microsoft.com/office/drawing/2017/decorative" val="1"/>
+              </a:ext>
+            </a:extLst>
+          </p:cNvPr>
+          <p:cNvSpPr>
+            <a:spLocks noGrp="1" noRot="1" noChangeAspect="1" noMove="1" noResize="1" noEditPoints="1" noAdjustHandles="1" noChangeArrowheads="1" noChangeShapeType="1" noTextEdit="1"/>
+          </p:cNvSpPr>
+          <p:nvPr>
+            <p:extLst>
+              <p:ext uri="{386F3935-93C4-4BCD-93E2-E3B085C9AB24}">
+                <p16:designElem xmlns:p16="http://schemas.microsoft.com/office/powerpoint/2015/main" val="1"/>
+              </p:ext>
+            </p:extLst>
+          </p:nvPr>
+        </p:nvSpPr>
+        <p:spPr>
+          <a:xfrm rot="8100000">
+            <a:off x="626845" y="828962"/>
+            <a:ext cx="540000" cy="1080000"/>
+          </a:xfrm>
+          <a:prstGeom prst="ellipse">
+            <a:avLst/>
+          </a:prstGeom>
+          <a:gradFill>
+            <a:gsLst>
+              <a:gs pos="100000">
+                <a:schemeClr val="bg2">
+                  <a:lumMod val="90000"/>
+                  <a:lumOff val="10000"/>
+                </a:schemeClr>
+              </a:gs>
+              <a:gs pos="50000">
+                <a:schemeClr val="bg2">
+                  <a:lumMod val="95000"/>
+                  <a:lumOff val="5000"/>
+                </a:schemeClr>
+              </a:gs>
+            </a:gsLst>
+            <a:lin ang="5400000" scaled="0"/>
+          </a:gradFill>
+          <a:ln>
+            <a:noFill/>
+          </a:ln>
+          <a:effectLst>
+            <a:innerShdw blurRad="1270000" dist="2540000">
+              <a:schemeClr val="accent1">
+                <a:lumMod val="60000"/>
+                <a:lumOff val="40000"/>
+                <a:alpha val="0"/>
+              </a:schemeClr>
+            </a:innerShdw>
+          </a:effectLst>
+        </p:spPr>
+        <p:style>
+          <a:lnRef idx="2">
+            <a:schemeClr val="accent1">
+              <a:shade val="50000"/>
+            </a:schemeClr>
+          </a:lnRef>
+          <a:fillRef idx="1">
+            <a:schemeClr val="accent1"/>
+          </a:fillRef>
+          <a:effectRef idx="0">
+            <a:schemeClr val="accent1"/>
+          </a:effectRef>
+          <a:fontRef idx="minor">
+            <a:schemeClr val="lt1"/>
+          </a:fontRef>
+        </p:style>
+        <p:txBody>
+          <a:bodyPr rot="0" spcFirstLastPara="0" vertOverflow="overflow" horzOverflow="overflow" vert="horz" wrap="square" lIns="91440" tIns="45720" rIns="91440" bIns="45720" numCol="1" spcCol="0" rtlCol="0" fromWordArt="0" anchor="ctr" anchorCtr="0" forceAA="0" compatLnSpc="1">
+            <a:prstTxWarp prst="textNoShape">
+              <a:avLst/>
+            </a:prstTxWarp>
+            <a:noAutofit/>
+          </a:bodyPr>
+          <a:lstStyle/>
+          <a:p>
+            <a:pPr algn="ctr"/>
+            <a:endParaRPr lang="en-US"/>
+          </a:p>
+        </p:txBody>
+      </p:sp>
+      <p:sp>
+        <p:nvSpPr>
+          <p:cNvPr id="12" name="Oval 11">
+            <a:extLst>
+              <a:ext uri="{FF2B5EF4-FFF2-40B4-BE49-F238E27FC236}">
+                <a16:creationId xmlns:a16="http://schemas.microsoft.com/office/drawing/2014/main" id="{EF99ECAA-1F11-4937-BBA6-51935AB44C9D}"/>
+              </a:ext>
+              <a:ext uri="{C183D7F6-B498-43B3-948B-1728B52AA6E4}">
+                <adec:decorative xmlns:adec="http://schemas.microsoft.com/office/drawing/2017/decorative" val="1"/>
+              </a:ext>
+            </a:extLst>
+          </p:cNvPr>
+          <p:cNvSpPr>
+            <a:spLocks noGrp="1" noRot="1" noChangeAspect="1" noMove="1" noResize="1" noEditPoints="1" noAdjustHandles="1" noChangeArrowheads="1" noChangeShapeType="1" noTextEdit="1"/>
+          </p:cNvSpPr>
+          <p:nvPr>
+            <p:extLst>
+              <p:ext uri="{386F3935-93C4-4BCD-93E2-E3B085C9AB24}">
+                <p16:designElem xmlns:p16="http://schemas.microsoft.com/office/powerpoint/2015/main" val="1"/>
+              </p:ext>
+            </p:extLst>
+          </p:nvPr>
+        </p:nvSpPr>
+        <p:spPr>
+          <a:xfrm>
+            <a:off x="1800802" y="2472855"/>
+            <a:ext cx="360000" cy="360000"/>
+          </a:xfrm>
+          <a:prstGeom prst="ellipse">
+            <a:avLst/>
+          </a:prstGeom>
+          <a:gradFill flip="none" rotWithShape="1">
+            <a:gsLst>
+              <a:gs pos="100000">
+                <a:schemeClr val="bg2">
+                  <a:lumMod val="50000"/>
+                  <a:lumOff val="50000"/>
+                </a:schemeClr>
+              </a:gs>
+              <a:gs pos="60000">
+                <a:schemeClr val="bg2"/>
+              </a:gs>
+            </a:gsLst>
+            <a:path path="circle">
+              <a:fillToRect l="100000" b="100000"/>
+            </a:path>
+            <a:tileRect t="-100000" r="-100000"/>
+          </a:gradFill>
+          <a:ln>
+            <a:noFill/>
+          </a:ln>
+          <a:effectLst>
+            <a:innerShdw blurRad="127000" dist="63500" dir="2700000">
+              <a:schemeClr val="accent1">
+                <a:lumMod val="60000"/>
+                <a:lumOff val="40000"/>
+                <a:alpha val="20000"/>
+              </a:schemeClr>
+            </a:innerShdw>
+            <a:softEdge rad="0"/>
+          </a:effectLst>
+        </p:spPr>
+        <p:style>
+          <a:lnRef idx="2">
+            <a:schemeClr val="accent1">
+              <a:shade val="50000"/>
+            </a:schemeClr>
+          </a:lnRef>
+          <a:fillRef idx="1">
+            <a:schemeClr val="accent1"/>
+          </a:fillRef>
+          <a:effectRef idx="0">
+            <a:schemeClr val="accent1"/>
+          </a:effectRef>
+          <a:fontRef idx="minor">
+            <a:schemeClr val="lt1"/>
+          </a:fontRef>
+        </p:style>
+        <p:txBody>
+          <a:bodyPr rot="0" spcFirstLastPara="0" vertOverflow="overflow" horzOverflow="overflow" vert="horz" wrap="square" lIns="91440" tIns="45720" rIns="91440" bIns="45720" numCol="1" spcCol="0" rtlCol="0" fromWordArt="0" anchor="ctr" anchorCtr="0" forceAA="0" compatLnSpc="1">
+            <a:prstTxWarp prst="textNoShape">
+              <a:avLst/>
+            </a:prstTxWarp>
+            <a:noAutofit/>
+          </a:bodyPr>
+          <a:lstStyle/>
+          <a:p>
+            <a:pPr algn="ctr"/>
+            <a:endParaRPr lang="en-US"/>
+          </a:p>
+        </p:txBody>
+      </p:sp>
+      <p:grpSp>
+        <p:nvGrpSpPr>
+          <p:cNvPr id="14" name="Group 13">
+            <a:extLst>
+              <a:ext uri="{FF2B5EF4-FFF2-40B4-BE49-F238E27FC236}">
+                <a16:creationId xmlns:a16="http://schemas.microsoft.com/office/drawing/2014/main" id="{79DE9FAB-6BBA-4CFE-B67D-77B47F01ECA4}"/>
+              </a:ext>
+              <a:ext uri="{C183D7F6-B498-43B3-948B-1728B52AA6E4}">
+                <adec:decorative xmlns:adec="http://schemas.microsoft.com/office/drawing/2017/decorative" val="1"/>
+              </a:ext>
+            </a:extLst>
+          </p:cNvPr>
+          <p:cNvGrpSpPr>
+            <a:grpSpLocks noGrp="1" noUngrp="1" noRot="1" noChangeAspect="1" noMove="1" noResize="1"/>
+          </p:cNvGrpSpPr>
+          <p:nvPr>
+            <p:extLst>
+              <p:ext uri="{386F3935-93C4-4BCD-93E2-E3B085C9AB24}">
+                <p16:designElem xmlns:p16="http://schemas.microsoft.com/office/powerpoint/2015/main" val="1"/>
+              </p:ext>
+            </p:extLst>
+          </p:nvPr>
+        </p:nvGrpSpPr>
+        <p:grpSpPr>
+          <a:xfrm>
+            <a:off x="1329952" y="4524379"/>
+            <a:ext cx="1980001" cy="1363916"/>
+            <a:chOff x="4879602" y="3781429"/>
+            <a:chExt cx="1980001" cy="1363916"/>
+          </a:xfrm>
+        </p:grpSpPr>
+        <p:sp>
+          <p:nvSpPr>
+            <p:cNvPr id="15" name="Freeform: Shape 14">
+              <a:extLst>
+                <a:ext uri="{FF2B5EF4-FFF2-40B4-BE49-F238E27FC236}">
+                  <a16:creationId xmlns:a16="http://schemas.microsoft.com/office/drawing/2014/main" id="{79FAC916-D9BB-4794-81B4-7C47C67E850D}"/>
+                </a:ext>
+                <a:ext uri="{C183D7F6-B498-43B3-948B-1728B52AA6E4}">
+                  <adec:decorative xmlns:adec="http://schemas.microsoft.com/office/drawing/2017/decorative" val="1"/>
+                </a:ext>
+              </a:extLst>
+            </p:cNvPr>
+            <p:cNvSpPr>
+              <a:spLocks noChangeAspect="1"/>
+            </p:cNvSpPr>
+            <p:nvPr>
+              <p:extLst>
+                <p:ext uri="{386F3935-93C4-4BCD-93E2-E3B085C9AB24}">
+                  <p16:designElem xmlns:p16="http://schemas.microsoft.com/office/powerpoint/2015/main" val="1"/>
+                </p:ext>
+              </p:extLst>
+            </p:nvPr>
+          </p:nvSpPr>
+          <p:spPr>
+            <a:xfrm rot="18900000" flipV="1">
+              <a:off x="5005634" y="4191206"/>
+              <a:ext cx="1853969" cy="926985"/>
+            </a:xfrm>
+            <a:custGeom>
+              <a:avLst/>
+              <a:gdLst>
+                <a:gd name="connsiteX0" fmla="*/ 1329373 w 2658746"/>
+                <a:gd name="connsiteY0" fmla="*/ 0 h 1329373"/>
+                <a:gd name="connsiteX1" fmla="*/ 2658746 w 2658746"/>
+                <a:gd name="connsiteY1" fmla="*/ 1329373 h 1329373"/>
+                <a:gd name="connsiteX2" fmla="*/ 1994059 w 2658746"/>
+                <a:gd name="connsiteY2" fmla="*/ 1329373 h 1329373"/>
+                <a:gd name="connsiteX3" fmla="*/ 1329373 w 2658746"/>
+                <a:gd name="connsiteY3" fmla="*/ 664687 h 1329373"/>
+                <a:gd name="connsiteX4" fmla="*/ 664687 w 2658746"/>
+                <a:gd name="connsiteY4" fmla="*/ 1329373 h 1329373"/>
+                <a:gd name="connsiteX5" fmla="*/ 0 w 2658746"/>
+                <a:gd name="connsiteY5" fmla="*/ 1329373 h 1329373"/>
+                <a:gd name="connsiteX6" fmla="*/ 1329373 w 2658746"/>
+                <a:gd name="connsiteY6" fmla="*/ 0 h 1329373"/>
+              </a:gdLst>
+              <a:ahLst/>
+              <a:cxnLst>
+                <a:cxn ang="0">
+                  <a:pos x="connsiteX0" y="connsiteY0"/>
+                </a:cxn>
+                <a:cxn ang="0">
+                  <a:pos x="connsiteX1" y="connsiteY1"/>
+                </a:cxn>
+                <a:cxn ang="0">
+                  <a:pos x="connsiteX2" y="connsiteY2"/>
+                </a:cxn>
+                <a:cxn ang="0">
+                  <a:pos x="connsiteX3" y="connsiteY3"/>
+                </a:cxn>
+                <a:cxn ang="0">
+                  <a:pos x="connsiteX4" y="connsiteY4"/>
+                </a:cxn>
+                <a:cxn ang="0">
+                  <a:pos x="connsiteX5" y="connsiteY5"/>
+                </a:cxn>
+                <a:cxn ang="0">
+                  <a:pos x="connsiteX6" y="connsiteY6"/>
+                </a:cxn>
+              </a:cxnLst>
+              <a:rect l="l" t="t" r="r" b="b"/>
+              <a:pathLst>
+                <a:path w="2658746" h="1329373">
+                  <a:moveTo>
+                    <a:pt x="1329373" y="0"/>
+                  </a:moveTo>
+                  <a:cubicBezTo>
+                    <a:pt x="2063565" y="0"/>
+                    <a:pt x="2658746" y="595181"/>
+                    <a:pt x="2658746" y="1329373"/>
+                  </a:cubicBezTo>
+                  <a:lnTo>
+                    <a:pt x="1994059" y="1329373"/>
+                  </a:lnTo>
+                  <a:cubicBezTo>
+                    <a:pt x="1994059" y="962277"/>
+                    <a:pt x="1696469" y="664687"/>
+                    <a:pt x="1329373" y="664687"/>
+                  </a:cubicBezTo>
+                  <a:cubicBezTo>
+                    <a:pt x="962277" y="664687"/>
+                    <a:pt x="664687" y="962277"/>
+                    <a:pt x="664687" y="1329373"/>
+                  </a:cubicBezTo>
+                  <a:lnTo>
+                    <a:pt x="0" y="1329373"/>
+                  </a:lnTo>
+                  <a:cubicBezTo>
+                    <a:pt x="0" y="595181"/>
+                    <a:pt x="595181" y="0"/>
+                    <a:pt x="1329373" y="0"/>
+                  </a:cubicBezTo>
+                  <a:close/>
+                </a:path>
+              </a:pathLst>
+            </a:custGeom>
+            <a:solidFill>
+              <a:schemeClr val="bg2"/>
+            </a:solidFill>
+            <a:ln>
+              <a:noFill/>
+            </a:ln>
+            <a:effectLst>
+              <a:innerShdw blurRad="254000" dist="50800" dir="16200000">
+                <a:schemeClr val="accent1">
+                  <a:lumMod val="40000"/>
+                  <a:lumOff val="60000"/>
+                  <a:alpha val="40000"/>
+                </a:schemeClr>
+              </a:innerShdw>
+            </a:effectLst>
+          </p:spPr>
+          <p:style>
+            <a:lnRef idx="2">
+              <a:schemeClr val="accent1">
+                <a:shade val="50000"/>
+              </a:schemeClr>
+            </a:lnRef>
+            <a:fillRef idx="1">
+              <a:schemeClr val="accent1"/>
+            </a:fillRef>
+            <a:effectRef idx="0">
+              <a:schemeClr val="accent1"/>
+            </a:effectRef>
+            <a:fontRef idx="minor">
+              <a:schemeClr val="lt1"/>
+            </a:fontRef>
+          </p:style>
+          <p:txBody>
+            <a:bodyPr rtlCol="0" anchor="ctr"/>
+            <a:lstStyle/>
+            <a:p>
+              <a:pPr algn="ctr"/>
+              <a:endParaRPr lang="en-US"/>
+            </a:p>
+          </p:txBody>
+        </p:sp>
+        <p:sp>
+          <p:nvSpPr>
+            <p:cNvPr id="16" name="Freeform: Shape 15">
+              <a:extLst>
+                <a:ext uri="{FF2B5EF4-FFF2-40B4-BE49-F238E27FC236}">
+                  <a16:creationId xmlns:a16="http://schemas.microsoft.com/office/drawing/2014/main" id="{B5CA2231-7A65-4D16-8400-A210CC41DB73}"/>
+                </a:ext>
+                <a:ext uri="{C183D7F6-B498-43B3-948B-1728B52AA6E4}">
+                  <adec:decorative xmlns:adec="http://schemas.microsoft.com/office/drawing/2017/decorative" val="1"/>
+                </a:ext>
+              </a:extLst>
+            </p:cNvPr>
+            <p:cNvSpPr>
+              <a:spLocks noChangeAspect="1"/>
+            </p:cNvSpPr>
+            <p:nvPr>
+              <p:extLst>
+                <p:ext uri="{386F3935-93C4-4BCD-93E2-E3B085C9AB24}">
+                  <p16:designElem xmlns:p16="http://schemas.microsoft.com/office/powerpoint/2015/main" val="1"/>
+                </p:ext>
+              </p:extLst>
+            </p:nvPr>
+          </p:nvSpPr>
+          <p:spPr>
+            <a:xfrm rot="18900000" flipV="1">
+              <a:off x="4957101" y="4052255"/>
+              <a:ext cx="1853969" cy="1093090"/>
+            </a:xfrm>
+            <a:custGeom>
+              <a:avLst/>
+              <a:gdLst>
+                <a:gd name="connsiteX0" fmla="*/ 1329373 w 2658746"/>
+                <a:gd name="connsiteY0" fmla="*/ 0 h 1329373"/>
+                <a:gd name="connsiteX1" fmla="*/ 2658746 w 2658746"/>
+                <a:gd name="connsiteY1" fmla="*/ 1329373 h 1329373"/>
+                <a:gd name="connsiteX2" fmla="*/ 1994059 w 2658746"/>
+                <a:gd name="connsiteY2" fmla="*/ 1329373 h 1329373"/>
+                <a:gd name="connsiteX3" fmla="*/ 1329373 w 2658746"/>
+                <a:gd name="connsiteY3" fmla="*/ 664687 h 1329373"/>
+                <a:gd name="connsiteX4" fmla="*/ 664687 w 2658746"/>
+                <a:gd name="connsiteY4" fmla="*/ 1329373 h 1329373"/>
+                <a:gd name="connsiteX5" fmla="*/ 0 w 2658746"/>
+                <a:gd name="connsiteY5" fmla="*/ 1329373 h 1329373"/>
+                <a:gd name="connsiteX6" fmla="*/ 1329373 w 2658746"/>
+                <a:gd name="connsiteY6" fmla="*/ 0 h 1329373"/>
+              </a:gdLst>
+              <a:ahLst/>
+              <a:cxnLst>
+                <a:cxn ang="0">
+                  <a:pos x="connsiteX0" y="connsiteY0"/>
+                </a:cxn>
+                <a:cxn ang="0">
+                  <a:pos x="connsiteX1" y="connsiteY1"/>
+                </a:cxn>
+                <a:cxn ang="0">
+                  <a:pos x="connsiteX2" y="connsiteY2"/>
+                </a:cxn>
+                <a:cxn ang="0">
+                  <a:pos x="connsiteX3" y="connsiteY3"/>
+                </a:cxn>
+                <a:cxn ang="0">
+                  <a:pos x="connsiteX4" y="connsiteY4"/>
+                </a:cxn>
+                <a:cxn ang="0">
+                  <a:pos x="connsiteX5" y="connsiteY5"/>
+                </a:cxn>
+                <a:cxn ang="0">
+                  <a:pos x="connsiteX6" y="connsiteY6"/>
+                </a:cxn>
+              </a:cxnLst>
+              <a:rect l="l" t="t" r="r" b="b"/>
+              <a:pathLst>
+                <a:path w="2658746" h="1329373">
+                  <a:moveTo>
+                    <a:pt x="1329373" y="0"/>
+                  </a:moveTo>
+                  <a:cubicBezTo>
+                    <a:pt x="2063565" y="0"/>
+                    <a:pt x="2658746" y="595181"/>
+                    <a:pt x="2658746" y="1329373"/>
+                  </a:cubicBezTo>
+                  <a:lnTo>
+                    <a:pt x="1994059" y="1329373"/>
+                  </a:lnTo>
+                  <a:cubicBezTo>
+                    <a:pt x="1994059" y="962277"/>
+                    <a:pt x="1696469" y="664687"/>
+                    <a:pt x="1329373" y="664687"/>
+                  </a:cubicBezTo>
+                  <a:cubicBezTo>
+                    <a:pt x="962277" y="664687"/>
+                    <a:pt x="664687" y="962277"/>
+                    <a:pt x="664687" y="1329373"/>
+                  </a:cubicBezTo>
+                  <a:lnTo>
+                    <a:pt x="0" y="1329373"/>
+                  </a:lnTo>
+                  <a:cubicBezTo>
+                    <a:pt x="0" y="595181"/>
+                    <a:pt x="595181" y="0"/>
+                    <a:pt x="1329373" y="0"/>
+                  </a:cubicBezTo>
+                  <a:close/>
+                </a:path>
+              </a:pathLst>
+            </a:custGeom>
+            <a:solidFill>
+              <a:schemeClr val="bg2">
+                <a:lumMod val="50000"/>
+                <a:lumOff val="50000"/>
+                <a:alpha val="40000"/>
+              </a:schemeClr>
+            </a:solidFill>
+            <a:ln>
+              <a:noFill/>
+            </a:ln>
+            <a:effectLst>
+              <a:softEdge rad="190500"/>
+            </a:effectLst>
+          </p:spPr>
+          <p:style>
+            <a:lnRef idx="2">
+              <a:schemeClr val="accent1">
+                <a:shade val="50000"/>
+              </a:schemeClr>
+            </a:lnRef>
+            <a:fillRef idx="1">
+              <a:schemeClr val="accent1"/>
+            </a:fillRef>
+            <a:effectRef idx="0">
+              <a:schemeClr val="accent1"/>
+            </a:effectRef>
+            <a:fontRef idx="minor">
+              <a:schemeClr val="lt1"/>
+            </a:fontRef>
+          </p:style>
+          <p:txBody>
+            <a:bodyPr rtlCol="0" anchor="ctr"/>
+            <a:lstStyle/>
+            <a:p>
+              <a:pPr algn="ctr"/>
+              <a:endParaRPr lang="en-US">
+                <a:solidFill>
+                  <a:schemeClr val="tx1"/>
+                </a:solidFill>
+              </a:endParaRPr>
+            </a:p>
+          </p:txBody>
+        </p:sp>
+        <p:sp>
+          <p:nvSpPr>
+            <p:cNvPr id="17" name="Oval 16">
+              <a:extLst>
+                <a:ext uri="{FF2B5EF4-FFF2-40B4-BE49-F238E27FC236}">
+                  <a16:creationId xmlns:a16="http://schemas.microsoft.com/office/drawing/2014/main" id="{4B089C8C-B82B-4704-88E2-E857A5E21529}"/>
+                </a:ext>
+                <a:ext uri="{C183D7F6-B498-43B3-948B-1728B52AA6E4}">
+                  <adec:decorative xmlns:adec="http://schemas.microsoft.com/office/drawing/2017/decorative" val="1"/>
+                </a:ext>
+              </a:extLst>
+            </p:cNvPr>
+            <p:cNvSpPr/>
+            <p:nvPr>
+              <p:extLst>
+                <p:ext uri="{386F3935-93C4-4BCD-93E2-E3B085C9AB24}">
+                  <p16:designElem xmlns:p16="http://schemas.microsoft.com/office/powerpoint/2015/main" val="1"/>
+                </p:ext>
+              </p:extLst>
+            </p:nvPr>
+          </p:nvSpPr>
+          <p:spPr>
+            <a:xfrm rot="13500000" flipV="1">
+              <a:off x="6040374" y="3601683"/>
+              <a:ext cx="107098" cy="466589"/>
+            </a:xfrm>
+            <a:prstGeom prst="ellipse">
+              <a:avLst/>
+            </a:prstGeom>
+            <a:solidFill>
+              <a:schemeClr val="bg2">
+                <a:lumMod val="90000"/>
+                <a:lumOff val="10000"/>
+              </a:schemeClr>
+            </a:solidFill>
+            <a:ln>
+              <a:noFill/>
+            </a:ln>
+            <a:effectLst>
+              <a:innerShdw blurRad="63500" dist="2540000">
+                <a:schemeClr val="accent1">
+                  <a:lumMod val="60000"/>
+                  <a:lumOff val="40000"/>
+                  <a:alpha val="0"/>
+                </a:schemeClr>
+              </a:innerShdw>
+            </a:effectLst>
+          </p:spPr>
+          <p:style>
+            <a:lnRef idx="2">
+              <a:schemeClr val="accent1">
+                <a:shade val="50000"/>
+              </a:schemeClr>
+            </a:lnRef>
+            <a:fillRef idx="1">
+              <a:schemeClr val="accent1"/>
+            </a:fillRef>
+            <a:effectRef idx="0">
+              <a:schemeClr val="accent1"/>
+            </a:effectRef>
+            <a:fontRef idx="minor">
+              <a:schemeClr val="lt1"/>
+            </a:fontRef>
+          </p:style>
+          <p:txBody>
+            <a:bodyPr rot="0" spcFirstLastPara="0" vertOverflow="overflow" horzOverflow="overflow" vert="horz" wrap="square" lIns="91440" tIns="45720" rIns="91440" bIns="45720" numCol="1" spcCol="0" rtlCol="0" fromWordArt="0" anchor="ctr" anchorCtr="0" forceAA="0" compatLnSpc="1">
+              <a:prstTxWarp prst="textNoShape">
+                <a:avLst/>
+              </a:prstTxWarp>
+              <a:noAutofit/>
+            </a:bodyPr>
+            <a:lstStyle/>
+            <a:p>
+              <a:pPr algn="ctr"/>
+              <a:endParaRPr lang="en-US"/>
+            </a:p>
+          </p:txBody>
+        </p:sp>
+        <p:sp>
+          <p:nvSpPr>
+            <p:cNvPr id="18" name="Oval 17">
+              <a:extLst>
+                <a:ext uri="{FF2B5EF4-FFF2-40B4-BE49-F238E27FC236}">
+                  <a16:creationId xmlns:a16="http://schemas.microsoft.com/office/drawing/2014/main" id="{434B90C8-5B4D-456E-AD99-80EF748FDD72}"/>
+                </a:ext>
+                <a:ext uri="{C183D7F6-B498-43B3-948B-1728B52AA6E4}">
+                  <adec:decorative xmlns:adec="http://schemas.microsoft.com/office/drawing/2017/decorative" val="1"/>
+                </a:ext>
+              </a:extLst>
+            </p:cNvPr>
+            <p:cNvSpPr/>
+            <p:nvPr>
+              <p:extLst>
+                <p:ext uri="{386F3935-93C4-4BCD-93E2-E3B085C9AB24}">
+                  <p16:designElem xmlns:p16="http://schemas.microsoft.com/office/powerpoint/2015/main" val="1"/>
+                </p:ext>
+              </p:extLst>
+            </p:nvPr>
+          </p:nvSpPr>
+          <p:spPr>
+            <a:xfrm rot="13500000" flipV="1">
+              <a:off x="5059348" y="4582709"/>
+              <a:ext cx="107098" cy="466589"/>
+            </a:xfrm>
+            <a:prstGeom prst="ellipse">
+              <a:avLst/>
+            </a:prstGeom>
+            <a:solidFill>
+              <a:schemeClr val="bg2">
+                <a:lumMod val="90000"/>
+                <a:lumOff val="10000"/>
+              </a:schemeClr>
+            </a:solidFill>
+            <a:ln>
+              <a:noFill/>
+            </a:ln>
+            <a:effectLst>
+              <a:innerShdw blurRad="63500" dist="2540000">
+                <a:schemeClr val="accent1">
+                  <a:lumMod val="60000"/>
+                  <a:lumOff val="40000"/>
+                  <a:alpha val="0"/>
+                </a:schemeClr>
+              </a:innerShdw>
+            </a:effectLst>
+          </p:spPr>
+          <p:style>
+            <a:lnRef idx="2">
+              <a:schemeClr val="accent1">
+                <a:shade val="50000"/>
+              </a:schemeClr>
+            </a:lnRef>
+            <a:fillRef idx="1">
+              <a:schemeClr val="accent1"/>
+            </a:fillRef>
+            <a:effectRef idx="0">
+              <a:schemeClr val="accent1"/>
+            </a:effectRef>
+            <a:fontRef idx="minor">
+              <a:schemeClr val="lt1"/>
+            </a:fontRef>
+          </p:style>
+          <p:txBody>
+            <a:bodyPr rot="0" spcFirstLastPara="0" vertOverflow="overflow" horzOverflow="overflow" vert="horz" wrap="square" lIns="91440" tIns="45720" rIns="91440" bIns="45720" numCol="1" spcCol="0" rtlCol="0" fromWordArt="0" anchor="ctr" anchorCtr="0" forceAA="0" compatLnSpc="1">
+              <a:prstTxWarp prst="textNoShape">
+                <a:avLst/>
+              </a:prstTxWarp>
+              <a:noAutofit/>
+            </a:bodyPr>
+            <a:lstStyle/>
+            <a:p>
+              <a:pPr algn="ctr"/>
+              <a:endParaRPr lang="en-US"/>
+            </a:p>
+          </p:txBody>
+        </p:sp>
+      </p:grpSp>
+      <p:sp useBgFill="1">
+        <p:nvSpPr>
+          <p:cNvPr id="20" name="Rectangle 19">
+            <a:extLst>
+              <a:ext uri="{FF2B5EF4-FFF2-40B4-BE49-F238E27FC236}">
+                <a16:creationId xmlns:a16="http://schemas.microsoft.com/office/drawing/2014/main" id="{1DB043B4-68C6-45B9-82AC-A5800EADB8DB}"/>
+              </a:ext>
+              <a:ext uri="{C183D7F6-B498-43B3-948B-1728B52AA6E4}">
+                <adec:decorative xmlns:adec="http://schemas.microsoft.com/office/drawing/2017/decorative" val="1"/>
+              </a:ext>
+            </a:extLst>
+          </p:cNvPr>
+          <p:cNvSpPr>
+            <a:spLocks noGrp="1" noRot="1" noChangeAspect="1" noMove="1" noResize="1" noEditPoints="1" noAdjustHandles="1" noChangeArrowheads="1" noChangeShapeType="1" noTextEdit="1"/>
+          </p:cNvSpPr>
+          <p:nvPr>
+            <p:extLst>
+              <p:ext uri="{386F3935-93C4-4BCD-93E2-E3B085C9AB24}">
+                <p16:designElem xmlns:p16="http://schemas.microsoft.com/office/powerpoint/2015/main" val="1"/>
+              </p:ext>
+            </p:extLst>
+          </p:nvPr>
+        </p:nvSpPr>
+        <p:spPr>
+          <a:xfrm>
+            <a:off x="0" y="0"/>
+            <a:ext cx="12192000" cy="6858000"/>
+          </a:xfrm>
+          <a:prstGeom prst="rect">
+            <a:avLst/>
+          </a:prstGeom>
+          <a:ln w="12700" cap="flat" cmpd="sng" algn="ctr">
+            <a:noFill/>
+            <a:prstDash val="solid"/>
+            <a:miter lim="800000"/>
+          </a:ln>
+          <a:effectLst/>
+          <a:extLst>
+            <a:ext uri="{91240B29-F687-4F45-9708-019B960494DF}">
+              <a14:hiddenLine xmlns:a14="http://schemas.microsoft.com/office/drawing/2010/main" w="12700" cap="flat" cmpd="sng" algn="ctr">
+                <a:solidFill>
+                  <a:schemeClr val="accent1">
+                    <a:shade val="50000"/>
+                  </a:schemeClr>
+                </a:solidFill>
+                <a:prstDash val="solid"/>
+                <a:miter lim="800000"/>
+              </a14:hiddenLine>
+            </a:ext>
+          </a:extLst>
+        </p:spPr>
+        <p:style>
+          <a:lnRef idx="2">
+            <a:schemeClr val="accent1">
+              <a:shade val="50000"/>
+            </a:schemeClr>
+          </a:lnRef>
+          <a:fillRef idx="1">
+            <a:schemeClr val="accent1"/>
+          </a:fillRef>
+          <a:effectRef idx="0">
+            <a:schemeClr val="accent1"/>
+          </a:effectRef>
+          <a:fontRef idx="minor">
+            <a:schemeClr val="lt1"/>
+          </a:fontRef>
+        </p:style>
+        <p:txBody>
+          <a:bodyPr rtlCol="0" anchor="ctr"/>
+          <a:lstStyle/>
+          <a:p>
+            <a:pPr algn="ctr"/>
+            <a:endParaRPr lang="en-US"/>
+          </a:p>
+        </p:txBody>
+      </p:sp>
+      <p:pic>
+        <p:nvPicPr>
+          <p:cNvPr id="4" name="Picture 3" descr="Labyrint">
+            <a:extLst>
+              <a:ext uri="{FF2B5EF4-FFF2-40B4-BE49-F238E27FC236}">
+                <a16:creationId xmlns:a16="http://schemas.microsoft.com/office/drawing/2014/main" id="{5670F050-89D6-4081-B649-EA396C09C8D8}"/>
+              </a:ext>
+            </a:extLst>
+          </p:cNvPr>
+          <p:cNvPicPr>
+            <a:picLocks noChangeAspect="1"/>
+          </p:cNvPicPr>
+          <p:nvPr/>
+        </p:nvPicPr>
+        <p:blipFill rotWithShape="1">
+          <a:blip r:embed="rId2"/>
+          <a:srcRect t="15730"/>
+          <a:stretch/>
+        </p:blipFill>
+        <p:spPr>
+          <a:xfrm>
+            <a:off x="20" y="1"/>
+            <a:ext cx="12191980" cy="6858000"/>
+          </a:xfrm>
+          <a:custGeom>
+            <a:avLst/>
+            <a:gdLst/>
+            <a:ahLst/>
+            <a:cxnLst/>
+            <a:rect l="l" t="t" r="r" b="b"/>
+            <a:pathLst>
+              <a:path w="12192000" h="6858000">
+                <a:moveTo>
+                  <a:pt x="0" y="0"/>
+                </a:moveTo>
+                <a:lnTo>
+                  <a:pt x="12192000" y="0"/>
+                </a:lnTo>
+                <a:lnTo>
+                  <a:pt x="12192000" y="6858000"/>
+                </a:lnTo>
+                <a:lnTo>
+                  <a:pt x="0" y="6858000"/>
+                </a:lnTo>
+                <a:close/>
+              </a:path>
+            </a:pathLst>
+          </a:custGeom>
+        </p:spPr>
+      </p:pic>
+      <p:sp>
+        <p:nvSpPr>
+          <p:cNvPr id="22" name="Rectangle 21">
+            <a:extLst>
+              <a:ext uri="{FF2B5EF4-FFF2-40B4-BE49-F238E27FC236}">
+                <a16:creationId xmlns:a16="http://schemas.microsoft.com/office/drawing/2014/main" id="{AD4EA4DF-0E7C-4098-86F6-7D0ACAEFC0BF}"/>
+              </a:ext>
+              <a:ext uri="{C183D7F6-B498-43B3-948B-1728B52AA6E4}">
+                <adec:decorative xmlns:adec="http://schemas.microsoft.com/office/drawing/2017/decorative" val="1"/>
+              </a:ext>
+            </a:extLst>
+          </p:cNvPr>
+          <p:cNvSpPr>
+            <a:spLocks noGrp="1" noRot="1" noChangeAspect="1" noMove="1" noResize="1" noEditPoints="1" noAdjustHandles="1" noChangeArrowheads="1" noChangeShapeType="1" noTextEdit="1"/>
+          </p:cNvSpPr>
+          <p:nvPr>
+            <p:extLst>
+              <p:ext uri="{386F3935-93C4-4BCD-93E2-E3B085C9AB24}">
+                <p16:designElem xmlns:p16="http://schemas.microsoft.com/office/powerpoint/2015/main" val="1"/>
+              </p:ext>
+            </p:extLst>
+          </p:nvPr>
+        </p:nvSpPr>
+        <p:spPr>
+          <a:xfrm rot="10800000">
+            <a:off x="0" y="0"/>
+            <a:ext cx="7859713" cy="6857998"/>
+          </a:xfrm>
+          <a:prstGeom prst="rect">
+            <a:avLst/>
+          </a:prstGeom>
+          <a:gradFill flip="none" rotWithShape="1">
+            <a:gsLst>
+              <a:gs pos="50000">
+                <a:schemeClr val="bg2">
+                  <a:alpha val="60000"/>
+                </a:schemeClr>
+              </a:gs>
+              <a:gs pos="0">
+                <a:schemeClr val="bg2">
+                  <a:alpha val="0"/>
+                </a:schemeClr>
+              </a:gs>
+            </a:gsLst>
+            <a:lin ang="0" scaled="0"/>
+            <a:tileRect/>
+          </a:gradFill>
+          <a:ln>
+            <a:noFill/>
+          </a:ln>
+        </p:spPr>
+        <p:style>
+          <a:lnRef idx="2">
+            <a:schemeClr val="accent1">
+              <a:shade val="50000"/>
+            </a:schemeClr>
+          </a:lnRef>
+          <a:fillRef idx="1">
+            <a:schemeClr val="accent1"/>
+          </a:fillRef>
+          <a:effectRef idx="0">
+            <a:schemeClr val="accent1"/>
+          </a:effectRef>
+          <a:fontRef idx="minor">
+            <a:schemeClr val="lt1"/>
+          </a:fontRef>
+        </p:style>
+        <p:txBody>
+          <a:bodyPr rtlCol="0" anchor="ctr"/>
+          <a:lstStyle/>
+          <a:p>
+            <a:pPr algn="ctr"/>
+            <a:endParaRPr lang="en-US"/>
+          </a:p>
+        </p:txBody>
+      </p:sp>
+      <p:sp>
+        <p:nvSpPr>
+          <p:cNvPr id="2" name="Rubrik 1">
+            <a:extLst>
+              <a:ext uri="{FF2B5EF4-FFF2-40B4-BE49-F238E27FC236}">
+                <a16:creationId xmlns:a16="http://schemas.microsoft.com/office/drawing/2014/main" id="{0427B57D-221F-7B4F-AFE9-4C5E23E52B03}"/>
+              </a:ext>
+            </a:extLst>
+          </p:cNvPr>
+          <p:cNvSpPr>
+            <a:spLocks noGrp="1"/>
+          </p:cNvSpPr>
+          <p:nvPr>
+            <p:ph type="title"/>
+          </p:nvPr>
+        </p:nvSpPr>
+        <p:spPr>
+          <a:xfrm>
+            <a:off x="550864" y="549275"/>
+            <a:ext cx="3565524" cy="2887174"/>
+          </a:xfrm>
+        </p:spPr>
+        <p:txBody>
+          <a:bodyPr vert="horz" wrap="square" lIns="0" tIns="0" rIns="0" bIns="0" rtlCol="0" anchor="b" anchorCtr="0">
+            <a:normAutofit/>
+          </a:bodyPr>
+          <a:lstStyle/>
+          <a:p>
+            <a:r>
+              <a:rPr lang="en-US" kern="1200">
+                <a:solidFill>
+                  <a:schemeClr val="tx1"/>
+                </a:solidFill>
+                <a:latin typeface="+mj-lt"/>
+                <a:ea typeface="+mj-ea"/>
+                <a:cs typeface="+mj-cs"/>
+              </a:rPr>
+              <a:t>Delproblem och hur vi löste de</a:t>
+            </a:r>
+          </a:p>
+        </p:txBody>
+      </p:sp>
+      <p:sp>
+        <p:nvSpPr>
+          <p:cNvPr id="24" name="Rectangle 23">
+            <a:extLst>
+              <a:ext uri="{FF2B5EF4-FFF2-40B4-BE49-F238E27FC236}">
+                <a16:creationId xmlns:a16="http://schemas.microsoft.com/office/drawing/2014/main" id="{FE05BC49-0F00-4C85-9AF5-A0CC5B39C8D2}"/>
+              </a:ext>
+              <a:ext uri="{C183D7F6-B498-43B3-948B-1728B52AA6E4}">
+                <adec:decorative xmlns:adec="http://schemas.microsoft.com/office/drawing/2017/decorative" val="1"/>
+              </a:ext>
+            </a:extLst>
+          </p:cNvPr>
+          <p:cNvSpPr>
+            <a:spLocks noGrp="1" noRot="1" noChangeAspect="1" noMove="1" noResize="1" noEditPoints="1" noAdjustHandles="1" noChangeArrowheads="1" noChangeShapeType="1" noTextEdit="1"/>
+          </p:cNvSpPr>
+          <p:nvPr>
+            <p:extLst>
+              <p:ext uri="{386F3935-93C4-4BCD-93E2-E3B085C9AB24}">
+                <p16:designElem xmlns:p16="http://schemas.microsoft.com/office/powerpoint/2015/main" val="1"/>
+              </p:ext>
+            </p:extLst>
+          </p:nvPr>
+        </p:nvSpPr>
+        <p:spPr>
+          <a:xfrm>
+            <a:off x="0" y="5773729"/>
+            <a:ext cx="12192000" cy="1084271"/>
+          </a:xfrm>
+          <a:prstGeom prst="rect">
+            <a:avLst/>
+          </a:prstGeom>
+          <a:gradFill flip="none" rotWithShape="1">
+            <a:gsLst>
+              <a:gs pos="90000">
+                <a:schemeClr val="bg2">
+                  <a:alpha val="60000"/>
+                </a:schemeClr>
+              </a:gs>
+              <a:gs pos="28000">
+                <a:schemeClr val="bg2">
+                  <a:alpha val="0"/>
+                </a:schemeClr>
+              </a:gs>
+            </a:gsLst>
+            <a:lin ang="5400000" scaled="0"/>
+            <a:tileRect/>
+          </a:gradFill>
+          <a:ln>
+            <a:noFill/>
+          </a:ln>
+        </p:spPr>
+        <p:style>
+          <a:lnRef idx="2">
+            <a:schemeClr val="accent1">
+              <a:shade val="50000"/>
+            </a:schemeClr>
+          </a:lnRef>
+          <a:fillRef idx="1">
+            <a:schemeClr val="accent1"/>
+          </a:fillRef>
+          <a:effectRef idx="0">
+            <a:schemeClr val="accent1"/>
+          </a:effectRef>
+          <a:fontRef idx="minor">
+            <a:schemeClr val="lt1"/>
+          </a:fontRef>
+        </p:style>
+        <p:txBody>
+          <a:bodyPr rtlCol="0" anchor="ctr"/>
+          <a:lstStyle/>
+          <a:p>
+            <a:pPr algn="ctr"/>
+            <a:endParaRPr lang="en-US"/>
+          </a:p>
+        </p:txBody>
+      </p:sp>
+    </p:spTree>
+    <p:extLst>
+      <p:ext uri="{BB962C8B-B14F-4D97-AF65-F5344CB8AC3E}">
+        <p14:creationId xmlns:p14="http://schemas.microsoft.com/office/powerpoint/2010/main" val="1312073611"/>
+      </p:ext>
+    </p:extLst>
+  </p:cSld>
+  <p:clrMapOvr>
+    <a:masterClrMapping/>
+  </p:clrMapOvr>
+</p:sld>
+</file>
+
+<file path=ppt/slides/slide4.xml><?xml version="1.0" encoding="utf-8"?>
+<p:sld xmlns:a="http://schemas.openxmlformats.org/drawingml/2006/main" xmlns:r="http://schemas.openxmlformats.org/officeDocument/2006/relationships" xmlns:p="http://schemas.openxmlformats.org/presentationml/2006/main">
+  <p:cSld>
+    <p:bg>
+      <p:bgPr>
+        <a:solidFill>
+          <a:schemeClr val="bg2"/>
+        </a:solidFill>
+        <a:effectLst/>
+      </p:bgPr>
+    </p:bg>
+    <p:spTree>
+      <p:nvGrpSpPr>
+        <p:cNvPr id="1" name=""/>
+        <p:cNvGrpSpPr/>
+        <p:nvPr/>
+      </p:nvGrpSpPr>
+      <p:grpSpPr>
+        <a:xfrm>
+          <a:off x="0" y="0"/>
+          <a:ext cx="0" cy="0"/>
+          <a:chOff x="0" y="0"/>
+          <a:chExt cx="0" cy="0"/>
+        </a:xfrm>
+      </p:grpSpPr>
+      <p:sp>
+        <p:nvSpPr>
+          <p:cNvPr id="9" name="Freeform: Shape 8">
+            <a:extLst>
+              <a:ext uri="{FF2B5EF4-FFF2-40B4-BE49-F238E27FC236}">
+                <a16:creationId xmlns:a16="http://schemas.microsoft.com/office/drawing/2014/main" id="{82184FF4-7029-4ED7-813A-192E60608764}"/>
+              </a:ext>
+              <a:ext uri="{C183D7F6-B498-43B3-948B-1728B52AA6E4}">
+                <adec:decorative xmlns:adec="http://schemas.microsoft.com/office/drawing/2017/decorative" val="1"/>
+              </a:ext>
+            </a:extLst>
+          </p:cNvPr>
+          <p:cNvSpPr>
+            <a:spLocks noGrp="1" noRot="1" noChangeAspect="1" noMove="1" noResize="1" noEditPoints="1" noAdjustHandles="1" noChangeArrowheads="1" noChangeShapeType="1" noTextEdit="1"/>
+          </p:cNvSpPr>
+          <p:nvPr>
+            <p:extLst>
+              <p:ext uri="{386F3935-93C4-4BCD-93E2-E3B085C9AB24}">
+                <p16:designElem xmlns:p16="http://schemas.microsoft.com/office/powerpoint/2015/main" val="1"/>
+              </p:ext>
+            </p:extLst>
+          </p:nvPr>
+        </p:nvSpPr>
+        <p:spPr>
+          <a:xfrm rot="2700000">
+            <a:off x="612445" y="481888"/>
+            <a:ext cx="1080000" cy="1262947"/>
+          </a:xfrm>
+          <a:custGeom>
+            <a:avLst/>
+            <a:gdLst/>
+            <a:ahLst/>
+            <a:cxnLst/>
+            <a:rect l="l" t="t" r="r" b="b"/>
+            <a:pathLst>
+              <a:path w="1080000" h="1262947">
+                <a:moveTo>
+                  <a:pt x="540000" y="0"/>
+                </a:moveTo>
+                <a:lnTo>
+                  <a:pt x="1064374" y="931034"/>
+                </a:lnTo>
+                <a:lnTo>
+                  <a:pt x="1069029" y="938533"/>
+                </a:lnTo>
+                <a:cubicBezTo>
+                  <a:pt x="1076223" y="956109"/>
+                  <a:pt x="1080000" y="974307"/>
+                  <a:pt x="1080000" y="992947"/>
+                </a:cubicBezTo>
+                <a:cubicBezTo>
+                  <a:pt x="1080000" y="1142064"/>
+                  <a:pt x="838234" y="1262947"/>
+                  <a:pt x="540000" y="1262947"/>
+                </a:cubicBezTo>
+                <a:cubicBezTo>
+                  <a:pt x="241766" y="1262947"/>
+                  <a:pt x="0" y="1142064"/>
+                  <a:pt x="0" y="992947"/>
+                </a:cubicBezTo>
+                <a:cubicBezTo>
+                  <a:pt x="0" y="974307"/>
+                  <a:pt x="3778" y="956109"/>
+                  <a:pt x="10971" y="938533"/>
+                </a:cubicBezTo>
+                <a:lnTo>
+                  <a:pt x="15626" y="931034"/>
+                </a:lnTo>
+                <a:lnTo>
+                  <a:pt x="540000" y="0"/>
+                </a:lnTo>
+                <a:close/>
+              </a:path>
+            </a:pathLst>
+          </a:custGeom>
+          <a:gradFill>
+            <a:gsLst>
+              <a:gs pos="60000">
+                <a:schemeClr val="bg2">
+                  <a:lumMod val="90000"/>
+                  <a:lumOff val="10000"/>
+                </a:schemeClr>
+              </a:gs>
+              <a:gs pos="30000">
+                <a:schemeClr val="bg2">
+                  <a:lumMod val="90000"/>
+                  <a:lumOff val="10000"/>
+                </a:schemeClr>
+              </a:gs>
+              <a:gs pos="40000">
+                <a:schemeClr val="bg2">
+                  <a:lumMod val="75000"/>
+                  <a:lumOff val="25000"/>
+                </a:schemeClr>
+              </a:gs>
+              <a:gs pos="100000">
+                <a:schemeClr val="bg2"/>
+              </a:gs>
+            </a:gsLst>
+            <a:lin ang="600000" scaled="0"/>
+          </a:gradFill>
+          <a:ln>
+            <a:noFill/>
+          </a:ln>
+          <a:effectLst>
+            <a:innerShdw blurRad="254000" dist="101600" dir="2700000">
+              <a:schemeClr val="accent1">
+                <a:lumMod val="60000"/>
+                <a:lumOff val="40000"/>
+                <a:alpha val="40000"/>
+              </a:schemeClr>
+            </a:innerShdw>
+          </a:effectLst>
+        </p:spPr>
+        <p:style>
+          <a:lnRef idx="2">
+            <a:schemeClr val="accent1">
+              <a:shade val="50000"/>
+            </a:schemeClr>
+          </a:lnRef>
+          <a:fillRef idx="1">
+            <a:schemeClr val="accent1"/>
+          </a:fillRef>
+          <a:effectRef idx="0">
+            <a:schemeClr val="accent1"/>
+          </a:effectRef>
+          <a:fontRef idx="minor">
+            <a:schemeClr val="lt1"/>
+          </a:fontRef>
+        </p:style>
+        <p:txBody>
+          <a:bodyPr rot="0" spcFirstLastPara="0" vertOverflow="overflow" horzOverflow="overflow" vert="horz" wrap="square" lIns="91440" tIns="45720" rIns="91440" bIns="45720" numCol="1" spcCol="0" rtlCol="0" fromWordArt="0" anchor="ctr" anchorCtr="0" forceAA="0" compatLnSpc="1">
+            <a:prstTxWarp prst="textNoShape">
+              <a:avLst/>
+            </a:prstTxWarp>
+            <a:noAutofit/>
+          </a:bodyPr>
+          <a:lstStyle/>
+          <a:p>
+            <a:pPr algn="ctr"/>
+            <a:endParaRPr lang="en-US"/>
+          </a:p>
+        </p:txBody>
+      </p:sp>
+      <p:sp>
+        <p:nvSpPr>
+          <p:cNvPr id="11" name="Oval 10">
+            <a:extLst>
+              <a:ext uri="{FF2B5EF4-FFF2-40B4-BE49-F238E27FC236}">
+                <a16:creationId xmlns:a16="http://schemas.microsoft.com/office/drawing/2014/main" id="{AAA7AB09-557C-41AD-9113-FF9F68FA1035}"/>
+              </a:ext>
+              <a:ext uri="{C183D7F6-B498-43B3-948B-1728B52AA6E4}">
+                <adec:decorative xmlns:adec="http://schemas.microsoft.com/office/drawing/2017/decorative" val="1"/>
+              </a:ext>
+            </a:extLst>
+          </p:cNvPr>
+          <p:cNvSpPr>
+            <a:spLocks noGrp="1" noRot="1" noChangeAspect="1" noMove="1" noResize="1" noEditPoints="1" noAdjustHandles="1" noChangeArrowheads="1" noChangeShapeType="1" noTextEdit="1"/>
+          </p:cNvSpPr>
+          <p:nvPr>
+            <p:extLst>
+              <p:ext uri="{386F3935-93C4-4BCD-93E2-E3B085C9AB24}">
+                <p16:designElem xmlns:p16="http://schemas.microsoft.com/office/powerpoint/2015/main" val="1"/>
+              </p:ext>
+            </p:extLst>
+          </p:nvPr>
+        </p:nvSpPr>
+        <p:spPr>
+          <a:xfrm rot="8100000">
+            <a:off x="626845" y="828962"/>
+            <a:ext cx="540000" cy="1080000"/>
+          </a:xfrm>
+          <a:prstGeom prst="ellipse">
+            <a:avLst/>
+          </a:prstGeom>
+          <a:gradFill>
+            <a:gsLst>
+              <a:gs pos="100000">
+                <a:schemeClr val="bg2">
+                  <a:lumMod val="90000"/>
+                  <a:lumOff val="10000"/>
+                </a:schemeClr>
+              </a:gs>
+              <a:gs pos="50000">
+                <a:schemeClr val="bg2">
+                  <a:lumMod val="95000"/>
+                  <a:lumOff val="5000"/>
+                </a:schemeClr>
+              </a:gs>
+            </a:gsLst>
+            <a:lin ang="5400000" scaled="0"/>
+          </a:gradFill>
+          <a:ln>
+            <a:noFill/>
+          </a:ln>
+          <a:effectLst>
+            <a:innerShdw blurRad="1270000" dist="2540000">
+              <a:schemeClr val="accent1">
+                <a:lumMod val="60000"/>
+                <a:lumOff val="40000"/>
+                <a:alpha val="0"/>
+              </a:schemeClr>
+            </a:innerShdw>
+          </a:effectLst>
+        </p:spPr>
+        <p:style>
+          <a:lnRef idx="2">
+            <a:schemeClr val="accent1">
+              <a:shade val="50000"/>
+            </a:schemeClr>
+          </a:lnRef>
+          <a:fillRef idx="1">
+            <a:schemeClr val="accent1"/>
+          </a:fillRef>
+          <a:effectRef idx="0">
+            <a:schemeClr val="accent1"/>
+          </a:effectRef>
+          <a:fontRef idx="minor">
+            <a:schemeClr val="lt1"/>
+          </a:fontRef>
+        </p:style>
+        <p:txBody>
+          <a:bodyPr rot="0" spcFirstLastPara="0" vertOverflow="overflow" horzOverflow="overflow" vert="horz" wrap="square" lIns="91440" tIns="45720" rIns="91440" bIns="45720" numCol="1" spcCol="0" rtlCol="0" fromWordArt="0" anchor="ctr" anchorCtr="0" forceAA="0" compatLnSpc="1">
+            <a:prstTxWarp prst="textNoShape">
+              <a:avLst/>
+            </a:prstTxWarp>
+            <a:noAutofit/>
+          </a:bodyPr>
+          <a:lstStyle/>
+          <a:p>
+            <a:pPr algn="ctr"/>
+            <a:endParaRPr lang="en-US"/>
+          </a:p>
+        </p:txBody>
+      </p:sp>
+      <p:sp>
+        <p:nvSpPr>
+          <p:cNvPr id="13" name="Oval 12">
+            <a:extLst>
+              <a:ext uri="{FF2B5EF4-FFF2-40B4-BE49-F238E27FC236}">
+                <a16:creationId xmlns:a16="http://schemas.microsoft.com/office/drawing/2014/main" id="{EF99ECAA-1F11-4937-BBA6-51935AB44C9D}"/>
+              </a:ext>
+              <a:ext uri="{C183D7F6-B498-43B3-948B-1728B52AA6E4}">
+                <adec:decorative xmlns:adec="http://schemas.microsoft.com/office/drawing/2017/decorative" val="1"/>
+              </a:ext>
+            </a:extLst>
+          </p:cNvPr>
+          <p:cNvSpPr>
+            <a:spLocks noGrp="1" noRot="1" noChangeAspect="1" noMove="1" noResize="1" noEditPoints="1" noAdjustHandles="1" noChangeArrowheads="1" noChangeShapeType="1" noTextEdit="1"/>
+          </p:cNvSpPr>
+          <p:nvPr>
+            <p:extLst>
+              <p:ext uri="{386F3935-93C4-4BCD-93E2-E3B085C9AB24}">
+                <p16:designElem xmlns:p16="http://schemas.microsoft.com/office/powerpoint/2015/main" val="1"/>
+              </p:ext>
+            </p:extLst>
+          </p:nvPr>
+        </p:nvSpPr>
+        <p:spPr>
+          <a:xfrm>
+            <a:off x="1800802" y="2472855"/>
+            <a:ext cx="360000" cy="360000"/>
+          </a:xfrm>
+          <a:prstGeom prst="ellipse">
+            <a:avLst/>
+          </a:prstGeom>
+          <a:gradFill flip="none" rotWithShape="1">
+            <a:gsLst>
+              <a:gs pos="100000">
+                <a:schemeClr val="bg2">
+                  <a:lumMod val="50000"/>
+                  <a:lumOff val="50000"/>
+                </a:schemeClr>
+              </a:gs>
+              <a:gs pos="60000">
+                <a:schemeClr val="bg2"/>
+              </a:gs>
+            </a:gsLst>
+            <a:path path="circle">
+              <a:fillToRect l="100000" b="100000"/>
+            </a:path>
+            <a:tileRect t="-100000" r="-100000"/>
+          </a:gradFill>
+          <a:ln>
+            <a:noFill/>
+          </a:ln>
+          <a:effectLst>
+            <a:innerShdw blurRad="127000" dist="63500" dir="2700000">
+              <a:schemeClr val="accent1">
+                <a:lumMod val="60000"/>
+                <a:lumOff val="40000"/>
+                <a:alpha val="20000"/>
+              </a:schemeClr>
+            </a:innerShdw>
+            <a:softEdge rad="0"/>
+          </a:effectLst>
+        </p:spPr>
+        <p:style>
+          <a:lnRef idx="2">
+            <a:schemeClr val="accent1">
+              <a:shade val="50000"/>
+            </a:schemeClr>
+          </a:lnRef>
+          <a:fillRef idx="1">
+            <a:schemeClr val="accent1"/>
+          </a:fillRef>
+          <a:effectRef idx="0">
+            <a:schemeClr val="accent1"/>
+          </a:effectRef>
+          <a:fontRef idx="minor">
+            <a:schemeClr val="lt1"/>
+          </a:fontRef>
+        </p:style>
+        <p:txBody>
+          <a:bodyPr rot="0" spcFirstLastPara="0" vertOverflow="overflow" horzOverflow="overflow" vert="horz" wrap="square" lIns="91440" tIns="45720" rIns="91440" bIns="45720" numCol="1" spcCol="0" rtlCol="0" fromWordArt="0" anchor="ctr" anchorCtr="0" forceAA="0" compatLnSpc="1">
+            <a:prstTxWarp prst="textNoShape">
+              <a:avLst/>
+            </a:prstTxWarp>
+            <a:noAutofit/>
+          </a:bodyPr>
+          <a:lstStyle/>
+          <a:p>
+            <a:pPr algn="ctr"/>
+            <a:endParaRPr lang="en-US"/>
+          </a:p>
+        </p:txBody>
+      </p:sp>
+      <p:grpSp>
+        <p:nvGrpSpPr>
+          <p:cNvPr id="15" name="Group 14">
+            <a:extLst>
+              <a:ext uri="{FF2B5EF4-FFF2-40B4-BE49-F238E27FC236}">
+                <a16:creationId xmlns:a16="http://schemas.microsoft.com/office/drawing/2014/main" id="{79DE9FAB-6BBA-4CFE-B67D-77B47F01ECA4}"/>
+              </a:ext>
+              <a:ext uri="{C183D7F6-B498-43B3-948B-1728B52AA6E4}">
+                <adec:decorative xmlns:adec="http://schemas.microsoft.com/office/drawing/2017/decorative" val="1"/>
+              </a:ext>
+            </a:extLst>
+          </p:cNvPr>
+          <p:cNvGrpSpPr>
+            <a:grpSpLocks noGrp="1" noUngrp="1" noRot="1" noChangeAspect="1" noMove="1" noResize="1"/>
+          </p:cNvGrpSpPr>
+          <p:nvPr>
+            <p:extLst>
+              <p:ext uri="{386F3935-93C4-4BCD-93E2-E3B085C9AB24}">
+                <p16:designElem xmlns:p16="http://schemas.microsoft.com/office/powerpoint/2015/main" val="1"/>
+              </p:ext>
+            </p:extLst>
+          </p:nvPr>
+        </p:nvGrpSpPr>
+        <p:grpSpPr>
+          <a:xfrm>
+            <a:off x="1329952" y="4524379"/>
+            <a:ext cx="1980001" cy="1363916"/>
+            <a:chOff x="4879602" y="3781429"/>
+            <a:chExt cx="1980001" cy="1363916"/>
+          </a:xfrm>
+        </p:grpSpPr>
+        <p:sp>
+          <p:nvSpPr>
+            <p:cNvPr id="16" name="Freeform: Shape 15">
+              <a:extLst>
+                <a:ext uri="{FF2B5EF4-FFF2-40B4-BE49-F238E27FC236}">
+                  <a16:creationId xmlns:a16="http://schemas.microsoft.com/office/drawing/2014/main" id="{79FAC916-D9BB-4794-81B4-7C47C67E850D}"/>
+                </a:ext>
+                <a:ext uri="{C183D7F6-B498-43B3-948B-1728B52AA6E4}">
+                  <adec:decorative xmlns:adec="http://schemas.microsoft.com/office/drawing/2017/decorative" val="1"/>
+                </a:ext>
+              </a:extLst>
+            </p:cNvPr>
+            <p:cNvSpPr>
+              <a:spLocks noChangeAspect="1"/>
+            </p:cNvSpPr>
+            <p:nvPr>
+              <p:extLst>
+                <p:ext uri="{386F3935-93C4-4BCD-93E2-E3B085C9AB24}">
+                  <p16:designElem xmlns:p16="http://schemas.microsoft.com/office/powerpoint/2015/main" val="1"/>
+                </p:ext>
+              </p:extLst>
+            </p:nvPr>
+          </p:nvSpPr>
+          <p:spPr>
+            <a:xfrm rot="18900000" flipV="1">
+              <a:off x="5005634" y="4191206"/>
+              <a:ext cx="1853969" cy="926985"/>
+            </a:xfrm>
+            <a:custGeom>
+              <a:avLst/>
+              <a:gdLst>
+                <a:gd name="connsiteX0" fmla="*/ 1329373 w 2658746"/>
+                <a:gd name="connsiteY0" fmla="*/ 0 h 1329373"/>
+                <a:gd name="connsiteX1" fmla="*/ 2658746 w 2658746"/>
+                <a:gd name="connsiteY1" fmla="*/ 1329373 h 1329373"/>
+                <a:gd name="connsiteX2" fmla="*/ 1994059 w 2658746"/>
+                <a:gd name="connsiteY2" fmla="*/ 1329373 h 1329373"/>
+                <a:gd name="connsiteX3" fmla="*/ 1329373 w 2658746"/>
+                <a:gd name="connsiteY3" fmla="*/ 664687 h 1329373"/>
+                <a:gd name="connsiteX4" fmla="*/ 664687 w 2658746"/>
+                <a:gd name="connsiteY4" fmla="*/ 1329373 h 1329373"/>
+                <a:gd name="connsiteX5" fmla="*/ 0 w 2658746"/>
+                <a:gd name="connsiteY5" fmla="*/ 1329373 h 1329373"/>
+                <a:gd name="connsiteX6" fmla="*/ 1329373 w 2658746"/>
+                <a:gd name="connsiteY6" fmla="*/ 0 h 1329373"/>
+              </a:gdLst>
+              <a:ahLst/>
+              <a:cxnLst>
+                <a:cxn ang="0">
+                  <a:pos x="connsiteX0" y="connsiteY0"/>
+                </a:cxn>
+                <a:cxn ang="0">
+                  <a:pos x="connsiteX1" y="connsiteY1"/>
+                </a:cxn>
+                <a:cxn ang="0">
+                  <a:pos x="connsiteX2" y="connsiteY2"/>
+                </a:cxn>
+                <a:cxn ang="0">
+                  <a:pos x="connsiteX3" y="connsiteY3"/>
+                </a:cxn>
+                <a:cxn ang="0">
+                  <a:pos x="connsiteX4" y="connsiteY4"/>
+                </a:cxn>
+                <a:cxn ang="0">
+                  <a:pos x="connsiteX5" y="connsiteY5"/>
+                </a:cxn>
+                <a:cxn ang="0">
+                  <a:pos x="connsiteX6" y="connsiteY6"/>
+                </a:cxn>
+              </a:cxnLst>
+              <a:rect l="l" t="t" r="r" b="b"/>
+              <a:pathLst>
+                <a:path w="2658746" h="1329373">
+                  <a:moveTo>
+                    <a:pt x="1329373" y="0"/>
+                  </a:moveTo>
+                  <a:cubicBezTo>
+                    <a:pt x="2063565" y="0"/>
+                    <a:pt x="2658746" y="595181"/>
+                    <a:pt x="2658746" y="1329373"/>
+                  </a:cubicBezTo>
+                  <a:lnTo>
+                    <a:pt x="1994059" y="1329373"/>
+                  </a:lnTo>
+                  <a:cubicBezTo>
+                    <a:pt x="1994059" y="962277"/>
+                    <a:pt x="1696469" y="664687"/>
+                    <a:pt x="1329373" y="664687"/>
+                  </a:cubicBezTo>
+                  <a:cubicBezTo>
+                    <a:pt x="962277" y="664687"/>
+                    <a:pt x="664687" y="962277"/>
+                    <a:pt x="664687" y="1329373"/>
+                  </a:cubicBezTo>
+                  <a:lnTo>
+                    <a:pt x="0" y="1329373"/>
+                  </a:lnTo>
+                  <a:cubicBezTo>
+                    <a:pt x="0" y="595181"/>
+                    <a:pt x="595181" y="0"/>
+                    <a:pt x="1329373" y="0"/>
+                  </a:cubicBezTo>
+                  <a:close/>
+                </a:path>
+              </a:pathLst>
+            </a:custGeom>
+            <a:solidFill>
+              <a:schemeClr val="bg2"/>
+            </a:solidFill>
+            <a:ln>
+              <a:noFill/>
+            </a:ln>
+            <a:effectLst>
+              <a:innerShdw blurRad="254000" dist="50800" dir="16200000">
+                <a:schemeClr val="accent1">
+                  <a:lumMod val="40000"/>
+                  <a:lumOff val="60000"/>
+                  <a:alpha val="40000"/>
+                </a:schemeClr>
+              </a:innerShdw>
+            </a:effectLst>
+          </p:spPr>
+          <p:style>
+            <a:lnRef idx="2">
+              <a:schemeClr val="accent1">
+                <a:shade val="50000"/>
+              </a:schemeClr>
+            </a:lnRef>
+            <a:fillRef idx="1">
+              <a:schemeClr val="accent1"/>
+            </a:fillRef>
+            <a:effectRef idx="0">
+              <a:schemeClr val="accent1"/>
+            </a:effectRef>
+            <a:fontRef idx="minor">
+              <a:schemeClr val="lt1"/>
+            </a:fontRef>
+          </p:style>
+          <p:txBody>
+            <a:bodyPr rtlCol="0" anchor="ctr"/>
+            <a:lstStyle/>
+            <a:p>
+              <a:pPr algn="ctr"/>
+              <a:endParaRPr lang="en-US"/>
+            </a:p>
+          </p:txBody>
+        </p:sp>
+        <p:sp>
+          <p:nvSpPr>
+            <p:cNvPr id="17" name="Freeform: Shape 16">
+              <a:extLst>
+                <a:ext uri="{FF2B5EF4-FFF2-40B4-BE49-F238E27FC236}">
+                  <a16:creationId xmlns:a16="http://schemas.microsoft.com/office/drawing/2014/main" id="{B5CA2231-7A65-4D16-8400-A210CC41DB73}"/>
+                </a:ext>
+                <a:ext uri="{C183D7F6-B498-43B3-948B-1728B52AA6E4}">
+                  <adec:decorative xmlns:adec="http://schemas.microsoft.com/office/drawing/2017/decorative" val="1"/>
+                </a:ext>
+              </a:extLst>
+            </p:cNvPr>
+            <p:cNvSpPr>
+              <a:spLocks noChangeAspect="1"/>
+            </p:cNvSpPr>
+            <p:nvPr>
+              <p:extLst>
+                <p:ext uri="{386F3935-93C4-4BCD-93E2-E3B085C9AB24}">
+                  <p16:designElem xmlns:p16="http://schemas.microsoft.com/office/powerpoint/2015/main" val="1"/>
+                </p:ext>
+              </p:extLst>
+            </p:nvPr>
+          </p:nvSpPr>
+          <p:spPr>
+            <a:xfrm rot="18900000" flipV="1">
+              <a:off x="4957101" y="4052255"/>
+              <a:ext cx="1853969" cy="1093090"/>
+            </a:xfrm>
+            <a:custGeom>
+              <a:avLst/>
+              <a:gdLst>
+                <a:gd name="connsiteX0" fmla="*/ 1329373 w 2658746"/>
+                <a:gd name="connsiteY0" fmla="*/ 0 h 1329373"/>
+                <a:gd name="connsiteX1" fmla="*/ 2658746 w 2658746"/>
+                <a:gd name="connsiteY1" fmla="*/ 1329373 h 1329373"/>
+                <a:gd name="connsiteX2" fmla="*/ 1994059 w 2658746"/>
+                <a:gd name="connsiteY2" fmla="*/ 1329373 h 1329373"/>
+                <a:gd name="connsiteX3" fmla="*/ 1329373 w 2658746"/>
+                <a:gd name="connsiteY3" fmla="*/ 664687 h 1329373"/>
+                <a:gd name="connsiteX4" fmla="*/ 664687 w 2658746"/>
+                <a:gd name="connsiteY4" fmla="*/ 1329373 h 1329373"/>
+                <a:gd name="connsiteX5" fmla="*/ 0 w 2658746"/>
+                <a:gd name="connsiteY5" fmla="*/ 1329373 h 1329373"/>
+                <a:gd name="connsiteX6" fmla="*/ 1329373 w 2658746"/>
+                <a:gd name="connsiteY6" fmla="*/ 0 h 1329373"/>
+              </a:gdLst>
+              <a:ahLst/>
+              <a:cxnLst>
+                <a:cxn ang="0">
+                  <a:pos x="connsiteX0" y="connsiteY0"/>
+                </a:cxn>
+                <a:cxn ang="0">
+                  <a:pos x="connsiteX1" y="connsiteY1"/>
+                </a:cxn>
+                <a:cxn ang="0">
+                  <a:pos x="connsiteX2" y="connsiteY2"/>
+                </a:cxn>
+                <a:cxn ang="0">
+                  <a:pos x="connsiteX3" y="connsiteY3"/>
+                </a:cxn>
+                <a:cxn ang="0">
+                  <a:pos x="connsiteX4" y="connsiteY4"/>
+                </a:cxn>
+                <a:cxn ang="0">
+                  <a:pos x="connsiteX5" y="connsiteY5"/>
+                </a:cxn>
+                <a:cxn ang="0">
+                  <a:pos x="connsiteX6" y="connsiteY6"/>
+                </a:cxn>
+              </a:cxnLst>
+              <a:rect l="l" t="t" r="r" b="b"/>
+              <a:pathLst>
+                <a:path w="2658746" h="1329373">
+                  <a:moveTo>
+                    <a:pt x="1329373" y="0"/>
+                  </a:moveTo>
+                  <a:cubicBezTo>
+                    <a:pt x="2063565" y="0"/>
+                    <a:pt x="2658746" y="595181"/>
+                    <a:pt x="2658746" y="1329373"/>
+                  </a:cubicBezTo>
+                  <a:lnTo>
+                    <a:pt x="1994059" y="1329373"/>
+                  </a:lnTo>
+                  <a:cubicBezTo>
+                    <a:pt x="1994059" y="962277"/>
+                    <a:pt x="1696469" y="664687"/>
+                    <a:pt x="1329373" y="664687"/>
+                  </a:cubicBezTo>
+                  <a:cubicBezTo>
+                    <a:pt x="962277" y="664687"/>
+                    <a:pt x="664687" y="962277"/>
+                    <a:pt x="664687" y="1329373"/>
+                  </a:cubicBezTo>
+                  <a:lnTo>
+                    <a:pt x="0" y="1329373"/>
+                  </a:lnTo>
+                  <a:cubicBezTo>
+                    <a:pt x="0" y="595181"/>
+                    <a:pt x="595181" y="0"/>
+                    <a:pt x="1329373" y="0"/>
+                  </a:cubicBezTo>
+                  <a:close/>
+                </a:path>
+              </a:pathLst>
+            </a:custGeom>
+            <a:solidFill>
+              <a:schemeClr val="bg2">
+                <a:lumMod val="50000"/>
+                <a:lumOff val="50000"/>
+                <a:alpha val="40000"/>
+              </a:schemeClr>
+            </a:solidFill>
+            <a:ln>
+              <a:noFill/>
+            </a:ln>
+            <a:effectLst>
+              <a:softEdge rad="190500"/>
+            </a:effectLst>
+          </p:spPr>
+          <p:style>
+            <a:lnRef idx="2">
+              <a:schemeClr val="accent1">
+                <a:shade val="50000"/>
+              </a:schemeClr>
+            </a:lnRef>
+            <a:fillRef idx="1">
+              <a:schemeClr val="accent1"/>
+            </a:fillRef>
+            <a:effectRef idx="0">
+              <a:schemeClr val="accent1"/>
+            </a:effectRef>
+            <a:fontRef idx="minor">
+              <a:schemeClr val="lt1"/>
+            </a:fontRef>
+          </p:style>
+          <p:txBody>
+            <a:bodyPr rtlCol="0" anchor="ctr"/>
+            <a:lstStyle/>
+            <a:p>
+              <a:pPr algn="ctr"/>
+              <a:endParaRPr lang="en-US">
+                <a:solidFill>
+                  <a:schemeClr val="tx1"/>
+                </a:solidFill>
+              </a:endParaRPr>
+            </a:p>
+          </p:txBody>
+        </p:sp>
+        <p:sp>
+          <p:nvSpPr>
+            <p:cNvPr id="18" name="Oval 17">
+              <a:extLst>
+                <a:ext uri="{FF2B5EF4-FFF2-40B4-BE49-F238E27FC236}">
+                  <a16:creationId xmlns:a16="http://schemas.microsoft.com/office/drawing/2014/main" id="{4B089C8C-B82B-4704-88E2-E857A5E21529}"/>
+                </a:ext>
+                <a:ext uri="{C183D7F6-B498-43B3-948B-1728B52AA6E4}">
+                  <adec:decorative xmlns:adec="http://schemas.microsoft.com/office/drawing/2017/decorative" val="1"/>
+                </a:ext>
+              </a:extLst>
+            </p:cNvPr>
+            <p:cNvSpPr/>
+            <p:nvPr>
+              <p:extLst>
+                <p:ext uri="{386F3935-93C4-4BCD-93E2-E3B085C9AB24}">
+                  <p16:designElem xmlns:p16="http://schemas.microsoft.com/office/powerpoint/2015/main" val="1"/>
+                </p:ext>
+              </p:extLst>
+            </p:nvPr>
+          </p:nvSpPr>
+          <p:spPr>
+            <a:xfrm rot="13500000" flipV="1">
+              <a:off x="6040374" y="3601683"/>
+              <a:ext cx="107098" cy="466589"/>
+            </a:xfrm>
+            <a:prstGeom prst="ellipse">
+              <a:avLst/>
+            </a:prstGeom>
+            <a:solidFill>
+              <a:schemeClr val="bg2">
+                <a:lumMod val="90000"/>
+                <a:lumOff val="10000"/>
+              </a:schemeClr>
+            </a:solidFill>
+            <a:ln>
+              <a:noFill/>
+            </a:ln>
+            <a:effectLst>
+              <a:innerShdw blurRad="63500" dist="2540000">
+                <a:schemeClr val="accent1">
+                  <a:lumMod val="60000"/>
+                  <a:lumOff val="40000"/>
+                  <a:alpha val="0"/>
+                </a:schemeClr>
+              </a:innerShdw>
+            </a:effectLst>
+          </p:spPr>
+          <p:style>
+            <a:lnRef idx="2">
+              <a:schemeClr val="accent1">
+                <a:shade val="50000"/>
+              </a:schemeClr>
+            </a:lnRef>
+            <a:fillRef idx="1">
+              <a:schemeClr val="accent1"/>
+            </a:fillRef>
+            <a:effectRef idx="0">
+              <a:schemeClr val="accent1"/>
+            </a:effectRef>
+            <a:fontRef idx="minor">
+              <a:schemeClr val="lt1"/>
+            </a:fontRef>
+          </p:style>
+          <p:txBody>
+            <a:bodyPr rot="0" spcFirstLastPara="0" vertOverflow="overflow" horzOverflow="overflow" vert="horz" wrap="square" lIns="91440" tIns="45720" rIns="91440" bIns="45720" numCol="1" spcCol="0" rtlCol="0" fromWordArt="0" anchor="ctr" anchorCtr="0" forceAA="0" compatLnSpc="1">
+              <a:prstTxWarp prst="textNoShape">
+                <a:avLst/>
+              </a:prstTxWarp>
+              <a:noAutofit/>
+            </a:bodyPr>
+            <a:lstStyle/>
+            <a:p>
+              <a:pPr algn="ctr"/>
+              <a:endParaRPr lang="en-US"/>
+            </a:p>
+          </p:txBody>
+        </p:sp>
+        <p:sp>
+          <p:nvSpPr>
+            <p:cNvPr id="19" name="Oval 18">
+              <a:extLst>
+                <a:ext uri="{FF2B5EF4-FFF2-40B4-BE49-F238E27FC236}">
+                  <a16:creationId xmlns:a16="http://schemas.microsoft.com/office/drawing/2014/main" id="{434B90C8-5B4D-456E-AD99-80EF748FDD72}"/>
+                </a:ext>
+                <a:ext uri="{C183D7F6-B498-43B3-948B-1728B52AA6E4}">
+                  <adec:decorative xmlns:adec="http://schemas.microsoft.com/office/drawing/2017/decorative" val="1"/>
+                </a:ext>
+              </a:extLst>
+            </p:cNvPr>
+            <p:cNvSpPr/>
+            <p:nvPr>
+              <p:extLst>
+                <p:ext uri="{386F3935-93C4-4BCD-93E2-E3B085C9AB24}">
+                  <p16:designElem xmlns:p16="http://schemas.microsoft.com/office/powerpoint/2015/main" val="1"/>
+                </p:ext>
+              </p:extLst>
+            </p:nvPr>
+          </p:nvSpPr>
+          <p:spPr>
+            <a:xfrm rot="13500000" flipV="1">
+              <a:off x="5059348" y="4582709"/>
+              <a:ext cx="107098" cy="466589"/>
+            </a:xfrm>
+            <a:prstGeom prst="ellipse">
+              <a:avLst/>
+            </a:prstGeom>
+            <a:solidFill>
+              <a:schemeClr val="bg2">
+                <a:lumMod val="90000"/>
+                <a:lumOff val="10000"/>
+              </a:schemeClr>
+            </a:solidFill>
+            <a:ln>
+              <a:noFill/>
+            </a:ln>
+            <a:effectLst>
+              <a:innerShdw blurRad="63500" dist="2540000">
+                <a:schemeClr val="accent1">
+                  <a:lumMod val="60000"/>
+                  <a:lumOff val="40000"/>
+                  <a:alpha val="0"/>
+                </a:schemeClr>
+              </a:innerShdw>
+            </a:effectLst>
+          </p:spPr>
+          <p:style>
+            <a:lnRef idx="2">
+              <a:schemeClr val="accent1">
+                <a:shade val="50000"/>
+              </a:schemeClr>
+            </a:lnRef>
+            <a:fillRef idx="1">
+              <a:schemeClr val="accent1"/>
+            </a:fillRef>
+            <a:effectRef idx="0">
+              <a:schemeClr val="accent1"/>
+            </a:effectRef>
+            <a:fontRef idx="minor">
+              <a:schemeClr val="lt1"/>
+            </a:fontRef>
+          </p:style>
+          <p:txBody>
+            <a:bodyPr rot="0" spcFirstLastPara="0" vertOverflow="overflow" horzOverflow="overflow" vert="horz" wrap="square" lIns="91440" tIns="45720" rIns="91440" bIns="45720" numCol="1" spcCol="0" rtlCol="0" fromWordArt="0" anchor="ctr" anchorCtr="0" forceAA="0" compatLnSpc="1">
+              <a:prstTxWarp prst="textNoShape">
+                <a:avLst/>
+              </a:prstTxWarp>
+              <a:noAutofit/>
+            </a:bodyPr>
+            <a:lstStyle/>
+            <a:p>
+              <a:pPr algn="ctr"/>
+              <a:endParaRPr lang="en-US"/>
+            </a:p>
+          </p:txBody>
+        </p:sp>
+      </p:grpSp>
+      <p:sp useBgFill="1">
+        <p:nvSpPr>
+          <p:cNvPr id="21" name="Rectangle 20">
+            <a:extLst>
+              <a:ext uri="{FF2B5EF4-FFF2-40B4-BE49-F238E27FC236}">
+                <a16:creationId xmlns:a16="http://schemas.microsoft.com/office/drawing/2014/main" id="{1DB043B4-68C6-45B9-82AC-A5800EADB8DB}"/>
+              </a:ext>
+              <a:ext uri="{C183D7F6-B498-43B3-948B-1728B52AA6E4}">
+                <adec:decorative xmlns:adec="http://schemas.microsoft.com/office/drawing/2017/decorative" val="1"/>
+              </a:ext>
+            </a:extLst>
+          </p:cNvPr>
+          <p:cNvSpPr>
+            <a:spLocks noGrp="1" noRot="1" noChangeAspect="1" noMove="1" noResize="1" noEditPoints="1" noAdjustHandles="1" noChangeArrowheads="1" noChangeShapeType="1" noTextEdit="1"/>
+          </p:cNvSpPr>
+          <p:nvPr>
+            <p:extLst>
+              <p:ext uri="{386F3935-93C4-4BCD-93E2-E3B085C9AB24}">
+                <p16:designElem xmlns:p16="http://schemas.microsoft.com/office/powerpoint/2015/main" val="1"/>
+              </p:ext>
+            </p:extLst>
+          </p:nvPr>
+        </p:nvSpPr>
+        <p:spPr>
+          <a:xfrm>
+            <a:off x="0" y="0"/>
+            <a:ext cx="12192000" cy="6858000"/>
+          </a:xfrm>
+          <a:prstGeom prst="rect">
+            <a:avLst/>
+          </a:prstGeom>
+          <a:ln w="12700" cap="flat" cmpd="sng" algn="ctr">
+            <a:noFill/>
+            <a:prstDash val="solid"/>
+            <a:miter lim="800000"/>
+          </a:ln>
+          <a:effectLst/>
+          <a:extLst>
+            <a:ext uri="{91240B29-F687-4F45-9708-019B960494DF}">
+              <a14:hiddenLine xmlns:a14="http://schemas.microsoft.com/office/drawing/2010/main" w="12700" cap="flat" cmpd="sng" algn="ctr">
+                <a:solidFill>
+                  <a:schemeClr val="accent1">
+                    <a:shade val="50000"/>
+                  </a:schemeClr>
+                </a:solidFill>
+                <a:prstDash val="solid"/>
+                <a:miter lim="800000"/>
+              </a14:hiddenLine>
+            </a:ext>
+          </a:extLst>
+        </p:spPr>
+        <p:style>
+          <a:lnRef idx="2">
+            <a:schemeClr val="accent1">
+              <a:shade val="50000"/>
+            </a:schemeClr>
+          </a:lnRef>
+          <a:fillRef idx="1">
+            <a:schemeClr val="accent1"/>
+          </a:fillRef>
+          <a:effectRef idx="0">
+            <a:schemeClr val="accent1"/>
+          </a:effectRef>
+          <a:fontRef idx="minor">
+            <a:schemeClr val="lt1"/>
+          </a:fontRef>
+        </p:style>
+        <p:txBody>
+          <a:bodyPr rtlCol="0" anchor="ctr"/>
+          <a:lstStyle/>
+          <a:p>
+            <a:pPr algn="ctr"/>
+            <a:endParaRPr lang="en-US"/>
+          </a:p>
+        </p:txBody>
+      </p:sp>
+      <p:pic>
+        <p:nvPicPr>
+          <p:cNvPr id="5" name="Picture 4" descr="Person som skriver i anteckningar">
+            <a:extLst>
+              <a:ext uri="{FF2B5EF4-FFF2-40B4-BE49-F238E27FC236}">
+                <a16:creationId xmlns:a16="http://schemas.microsoft.com/office/drawing/2014/main" id="{9DAAAD32-D784-461A-ACAA-53F79F331895}"/>
+              </a:ext>
+            </a:extLst>
+          </p:cNvPr>
+          <p:cNvPicPr>
+            <a:picLocks noChangeAspect="1"/>
+          </p:cNvPicPr>
+          <p:nvPr/>
+        </p:nvPicPr>
+        <p:blipFill rotWithShape="1">
+          <a:blip r:embed="rId2"/>
+          <a:srcRect t="13177" b="15845"/>
+          <a:stretch/>
+        </p:blipFill>
+        <p:spPr>
+          <a:xfrm>
+            <a:off x="20" y="1"/>
+            <a:ext cx="12191980" cy="6858000"/>
+          </a:xfrm>
+          <a:custGeom>
+            <a:avLst/>
+            <a:gdLst/>
+            <a:ahLst/>
+            <a:cxnLst/>
+            <a:rect l="l" t="t" r="r" b="b"/>
+            <a:pathLst>
+              <a:path w="12192000" h="6858000">
+                <a:moveTo>
+                  <a:pt x="0" y="0"/>
+                </a:moveTo>
+                <a:lnTo>
+                  <a:pt x="12192000" y="0"/>
+                </a:lnTo>
+                <a:lnTo>
+                  <a:pt x="12192000" y="6858000"/>
+                </a:lnTo>
+                <a:lnTo>
+                  <a:pt x="0" y="6858000"/>
+                </a:lnTo>
+                <a:close/>
+              </a:path>
+            </a:pathLst>
+          </a:custGeom>
+        </p:spPr>
+      </p:pic>
+      <p:sp>
+        <p:nvSpPr>
+          <p:cNvPr id="23" name="Rectangle 22">
+            <a:extLst>
+              <a:ext uri="{FF2B5EF4-FFF2-40B4-BE49-F238E27FC236}">
+                <a16:creationId xmlns:a16="http://schemas.microsoft.com/office/drawing/2014/main" id="{AD4EA4DF-0E7C-4098-86F6-7D0ACAEFC0BF}"/>
+              </a:ext>
+              <a:ext uri="{C183D7F6-B498-43B3-948B-1728B52AA6E4}">
+                <adec:decorative xmlns:adec="http://schemas.microsoft.com/office/drawing/2017/decorative" val="1"/>
+              </a:ext>
+            </a:extLst>
+          </p:cNvPr>
+          <p:cNvSpPr>
+            <a:spLocks noGrp="1" noRot="1" noChangeAspect="1" noMove="1" noResize="1" noEditPoints="1" noAdjustHandles="1" noChangeArrowheads="1" noChangeShapeType="1" noTextEdit="1"/>
+          </p:cNvSpPr>
+          <p:nvPr>
+            <p:extLst>
+              <p:ext uri="{386F3935-93C4-4BCD-93E2-E3B085C9AB24}">
+                <p16:designElem xmlns:p16="http://schemas.microsoft.com/office/powerpoint/2015/main" val="1"/>
+              </p:ext>
+            </p:extLst>
+          </p:nvPr>
+        </p:nvSpPr>
+        <p:spPr>
+          <a:xfrm rot="10800000">
+            <a:off x="0" y="0"/>
+            <a:ext cx="7859713" cy="6857998"/>
+          </a:xfrm>
+          <a:prstGeom prst="rect">
+            <a:avLst/>
+          </a:prstGeom>
+          <a:gradFill flip="none" rotWithShape="1">
+            <a:gsLst>
+              <a:gs pos="50000">
+                <a:schemeClr val="bg2">
+                  <a:alpha val="60000"/>
+                </a:schemeClr>
+              </a:gs>
+              <a:gs pos="0">
+                <a:schemeClr val="bg2">
+                  <a:alpha val="0"/>
+                </a:schemeClr>
+              </a:gs>
+            </a:gsLst>
+            <a:lin ang="0" scaled="0"/>
+            <a:tileRect/>
+          </a:gradFill>
+          <a:ln>
+            <a:noFill/>
+          </a:ln>
+        </p:spPr>
+        <p:style>
+          <a:lnRef idx="2">
+            <a:schemeClr val="accent1">
+              <a:shade val="50000"/>
+            </a:schemeClr>
+          </a:lnRef>
+          <a:fillRef idx="1">
+            <a:schemeClr val="accent1"/>
+          </a:fillRef>
+          <a:effectRef idx="0">
+            <a:schemeClr val="accent1"/>
+          </a:effectRef>
+          <a:fontRef idx="minor">
+            <a:schemeClr val="lt1"/>
+          </a:fontRef>
+        </p:style>
+        <p:txBody>
+          <a:bodyPr rtlCol="0" anchor="ctr"/>
+          <a:lstStyle/>
+          <a:p>
+            <a:pPr algn="ctr"/>
+            <a:endParaRPr lang="en-US"/>
+          </a:p>
+        </p:txBody>
+      </p:sp>
+      <p:sp>
+        <p:nvSpPr>
+          <p:cNvPr id="2" name="Rubrik 1">
+            <a:extLst>
+              <a:ext uri="{FF2B5EF4-FFF2-40B4-BE49-F238E27FC236}">
+                <a16:creationId xmlns:a16="http://schemas.microsoft.com/office/drawing/2014/main" id="{DA437442-A422-754F-8FAF-34020C770B56}"/>
+              </a:ext>
+            </a:extLst>
+          </p:cNvPr>
+          <p:cNvSpPr>
+            <a:spLocks noGrp="1"/>
+          </p:cNvSpPr>
+          <p:nvPr>
+            <p:ph type="title"/>
+          </p:nvPr>
+        </p:nvSpPr>
+        <p:spPr>
+          <a:xfrm>
+            <a:off x="550864" y="549275"/>
+            <a:ext cx="3565524" cy="2887174"/>
+          </a:xfrm>
+        </p:spPr>
+        <p:txBody>
+          <a:bodyPr vert="horz" wrap="square" lIns="0" tIns="0" rIns="0" bIns="0" rtlCol="0" anchor="b" anchorCtr="0">
+            <a:normAutofit/>
+          </a:bodyPr>
+          <a:lstStyle/>
+          <a:p>
+            <a:r>
+              <a:rPr lang="en-US" kern="1200" dirty="0" err="1">
+                <a:solidFill>
+                  <a:schemeClr val="tx1"/>
+                </a:solidFill>
+                <a:latin typeface="+mj-lt"/>
+                <a:ea typeface="+mj-ea"/>
+                <a:cs typeface="+mj-cs"/>
+              </a:rPr>
+              <a:t>Utvärdering</a:t>
+            </a:r>
+            <a:r>
+              <a:rPr lang="en-US" kern="1200" dirty="0">
+                <a:solidFill>
+                  <a:schemeClr val="tx1"/>
+                </a:solidFill>
+                <a:latin typeface="+mj-lt"/>
+                <a:ea typeface="+mj-ea"/>
+                <a:cs typeface="+mj-cs"/>
+              </a:rPr>
+              <a:t> av </a:t>
+            </a:r>
+            <a:r>
+              <a:rPr lang="en-US" kern="1200" dirty="0" err="1">
+                <a:solidFill>
+                  <a:schemeClr val="tx1"/>
+                </a:solidFill>
+                <a:latin typeface="+mj-lt"/>
+                <a:ea typeface="+mj-ea"/>
+                <a:cs typeface="+mj-cs"/>
+              </a:rPr>
+              <a:t>processen</a:t>
+            </a:r>
+            <a:endParaRPr lang="en-US" kern="1200" dirty="0">
+              <a:solidFill>
+                <a:schemeClr val="tx1"/>
+              </a:solidFill>
+              <a:latin typeface="+mj-lt"/>
+              <a:ea typeface="+mj-ea"/>
+              <a:cs typeface="+mj-cs"/>
+            </a:endParaRPr>
+          </a:p>
+        </p:txBody>
+      </p:sp>
+      <p:sp>
+        <p:nvSpPr>
+          <p:cNvPr id="25" name="Rectangle 24">
+            <a:extLst>
+              <a:ext uri="{FF2B5EF4-FFF2-40B4-BE49-F238E27FC236}">
+                <a16:creationId xmlns:a16="http://schemas.microsoft.com/office/drawing/2014/main" id="{FE05BC49-0F00-4C85-9AF5-A0CC5B39C8D2}"/>
+              </a:ext>
+              <a:ext uri="{C183D7F6-B498-43B3-948B-1728B52AA6E4}">
+                <adec:decorative xmlns:adec="http://schemas.microsoft.com/office/drawing/2017/decorative" val="1"/>
+              </a:ext>
+            </a:extLst>
+          </p:cNvPr>
+          <p:cNvSpPr>
+            <a:spLocks noGrp="1" noRot="1" noChangeAspect="1" noMove="1" noResize="1" noEditPoints="1" noAdjustHandles="1" noChangeArrowheads="1" noChangeShapeType="1" noTextEdit="1"/>
+          </p:cNvSpPr>
+          <p:nvPr>
+            <p:extLst>
+              <p:ext uri="{386F3935-93C4-4BCD-93E2-E3B085C9AB24}">
+                <p16:designElem xmlns:p16="http://schemas.microsoft.com/office/powerpoint/2015/main" val="1"/>
+              </p:ext>
+            </p:extLst>
+          </p:nvPr>
+        </p:nvSpPr>
+        <p:spPr>
+          <a:xfrm>
+            <a:off x="0" y="5773729"/>
+            <a:ext cx="12192000" cy="1084271"/>
+          </a:xfrm>
+          <a:prstGeom prst="rect">
+            <a:avLst/>
+          </a:prstGeom>
+          <a:gradFill flip="none" rotWithShape="1">
+            <a:gsLst>
+              <a:gs pos="90000">
+                <a:schemeClr val="bg2">
+                  <a:alpha val="60000"/>
+                </a:schemeClr>
+              </a:gs>
+              <a:gs pos="28000">
+                <a:schemeClr val="bg2">
+                  <a:alpha val="0"/>
+                </a:schemeClr>
+              </a:gs>
+            </a:gsLst>
+            <a:lin ang="5400000" scaled="0"/>
+            <a:tileRect/>
+          </a:gradFill>
+          <a:ln>
+            <a:noFill/>
+          </a:ln>
+        </p:spPr>
+        <p:style>
+          <a:lnRef idx="2">
+            <a:schemeClr val="accent1">
+              <a:shade val="50000"/>
+            </a:schemeClr>
+          </a:lnRef>
+          <a:fillRef idx="1">
+            <a:schemeClr val="accent1"/>
+          </a:fillRef>
+          <a:effectRef idx="0">
+            <a:schemeClr val="accent1"/>
+          </a:effectRef>
+          <a:fontRef idx="minor">
+            <a:schemeClr val="lt1"/>
+          </a:fontRef>
+        </p:style>
+        <p:txBody>
+          <a:bodyPr rtlCol="0" anchor="ctr"/>
+          <a:lstStyle/>
+          <a:p>
+            <a:pPr algn="ctr"/>
+            <a:endParaRPr lang="en-US"/>
+          </a:p>
+        </p:txBody>
+      </p:sp>
+    </p:spTree>
+    <p:extLst>
+      <p:ext uri="{BB962C8B-B14F-4D97-AF65-F5344CB8AC3E}">
+        <p14:creationId xmlns:p14="http://schemas.microsoft.com/office/powerpoint/2010/main" val="1448564430"/>
+      </p:ext>
+    </p:extLst>
+  </p:cSld>
+  <p:clrMapOvr>
+    <a:masterClrMapping/>
+  </p:clrMapOvr>
+</p:sld>
+</file>
+
+<file path=ppt/slides/slide5.xml><?xml version="1.0" encoding="utf-8"?>
+<p:sld xmlns:a="http://schemas.openxmlformats.org/drawingml/2006/main" xmlns:r="http://schemas.openxmlformats.org/officeDocument/2006/relationships" xmlns:p="http://schemas.openxmlformats.org/presentationml/2006/main">
+  <p:cSld>
+    <p:bg>
+      <p:bgPr>
+        <a:solidFill>
+          <a:schemeClr val="bg2"/>
+        </a:solidFill>
+        <a:effectLst/>
+      </p:bgPr>
+    </p:bg>
+    <p:spTree>
+      <p:nvGrpSpPr>
+        <p:cNvPr id="1" name=""/>
+        <p:cNvGrpSpPr/>
+        <p:nvPr/>
+      </p:nvGrpSpPr>
+      <p:grpSpPr>
+        <a:xfrm>
+          <a:off x="0" y="0"/>
+          <a:ext cx="0" cy="0"/>
+          <a:chOff x="0" y="0"/>
+          <a:chExt cx="0" cy="0"/>
+        </a:xfrm>
+      </p:grpSpPr>
+      <p:sp>
+        <p:nvSpPr>
+          <p:cNvPr id="10" name="Freeform: Shape 9">
+            <a:extLst>
+              <a:ext uri="{FF2B5EF4-FFF2-40B4-BE49-F238E27FC236}">
+                <a16:creationId xmlns:a16="http://schemas.microsoft.com/office/drawing/2014/main" id="{82184FF4-7029-4ED7-813A-192E60608764}"/>
+              </a:ext>
+              <a:ext uri="{C183D7F6-B498-43B3-948B-1728B52AA6E4}">
+                <adec:decorative xmlns:adec="http://schemas.microsoft.com/office/drawing/2017/decorative" val="1"/>
+              </a:ext>
+            </a:extLst>
+          </p:cNvPr>
+          <p:cNvSpPr>
+            <a:spLocks noGrp="1" noRot="1" noChangeAspect="1" noMove="1" noResize="1" noEditPoints="1" noAdjustHandles="1" noChangeArrowheads="1" noChangeShapeType="1" noTextEdit="1"/>
+          </p:cNvSpPr>
+          <p:nvPr>
+            <p:extLst>
+              <p:ext uri="{386F3935-93C4-4BCD-93E2-E3B085C9AB24}">
+                <p16:designElem xmlns:p16="http://schemas.microsoft.com/office/powerpoint/2015/main" val="1"/>
+              </p:ext>
+            </p:extLst>
+          </p:nvPr>
+        </p:nvSpPr>
+        <p:spPr>
+          <a:xfrm rot="2700000">
+            <a:off x="612445" y="481888"/>
+            <a:ext cx="1080000" cy="1262947"/>
+          </a:xfrm>
+          <a:custGeom>
+            <a:avLst/>
+            <a:gdLst/>
+            <a:ahLst/>
+            <a:cxnLst/>
+            <a:rect l="l" t="t" r="r" b="b"/>
+            <a:pathLst>
+              <a:path w="1080000" h="1262947">
+                <a:moveTo>
+                  <a:pt x="540000" y="0"/>
+                </a:moveTo>
+                <a:lnTo>
+                  <a:pt x="1064374" y="931034"/>
+                </a:lnTo>
+                <a:lnTo>
+                  <a:pt x="1069029" y="938533"/>
+                </a:lnTo>
+                <a:cubicBezTo>
+                  <a:pt x="1076223" y="956109"/>
+                  <a:pt x="1080000" y="974307"/>
+                  <a:pt x="1080000" y="992947"/>
+                </a:cubicBezTo>
+                <a:cubicBezTo>
+                  <a:pt x="1080000" y="1142064"/>
+                  <a:pt x="838234" y="1262947"/>
+                  <a:pt x="540000" y="1262947"/>
+                </a:cubicBezTo>
+                <a:cubicBezTo>
+                  <a:pt x="241766" y="1262947"/>
+                  <a:pt x="0" y="1142064"/>
+                  <a:pt x="0" y="992947"/>
+                </a:cubicBezTo>
+                <a:cubicBezTo>
+                  <a:pt x="0" y="974307"/>
+                  <a:pt x="3778" y="956109"/>
+                  <a:pt x="10971" y="938533"/>
+                </a:cubicBezTo>
+                <a:lnTo>
+                  <a:pt x="15626" y="931034"/>
+                </a:lnTo>
+                <a:lnTo>
+                  <a:pt x="540000" y="0"/>
+                </a:lnTo>
+                <a:close/>
+              </a:path>
+            </a:pathLst>
+          </a:custGeom>
+          <a:gradFill>
+            <a:gsLst>
+              <a:gs pos="60000">
+                <a:schemeClr val="bg2">
+                  <a:lumMod val="90000"/>
+                  <a:lumOff val="10000"/>
+                </a:schemeClr>
+              </a:gs>
+              <a:gs pos="30000">
+                <a:schemeClr val="bg2">
+                  <a:lumMod val="90000"/>
+                  <a:lumOff val="10000"/>
+                </a:schemeClr>
+              </a:gs>
+              <a:gs pos="40000">
+                <a:schemeClr val="bg2">
+                  <a:lumMod val="75000"/>
+                  <a:lumOff val="25000"/>
+                </a:schemeClr>
+              </a:gs>
+              <a:gs pos="100000">
+                <a:schemeClr val="bg2"/>
+              </a:gs>
+            </a:gsLst>
+            <a:lin ang="600000" scaled="0"/>
+          </a:gradFill>
+          <a:ln>
+            <a:noFill/>
+          </a:ln>
+          <a:effectLst>
+            <a:innerShdw blurRad="254000" dist="101600" dir="2700000">
+              <a:schemeClr val="accent1">
+                <a:lumMod val="60000"/>
+                <a:lumOff val="40000"/>
+                <a:alpha val="40000"/>
+              </a:schemeClr>
+            </a:innerShdw>
+          </a:effectLst>
+        </p:spPr>
+        <p:style>
+          <a:lnRef idx="2">
+            <a:schemeClr val="accent1">
+              <a:shade val="50000"/>
+            </a:schemeClr>
+          </a:lnRef>
+          <a:fillRef idx="1">
+            <a:schemeClr val="accent1"/>
+          </a:fillRef>
+          <a:effectRef idx="0">
+            <a:schemeClr val="accent1"/>
+          </a:effectRef>
+          <a:fontRef idx="minor">
+            <a:schemeClr val="lt1"/>
+          </a:fontRef>
+        </p:style>
+        <p:txBody>
+          <a:bodyPr rot="0" spcFirstLastPara="0" vertOverflow="overflow" horzOverflow="overflow" vert="horz" wrap="square" lIns="91440" tIns="45720" rIns="91440" bIns="45720" numCol="1" spcCol="0" rtlCol="0" fromWordArt="0" anchor="ctr" anchorCtr="0" forceAA="0" compatLnSpc="1">
+            <a:prstTxWarp prst="textNoShape">
+              <a:avLst/>
+            </a:prstTxWarp>
+            <a:noAutofit/>
+          </a:bodyPr>
+          <a:lstStyle/>
+          <a:p>
+            <a:pPr algn="ctr"/>
+            <a:endParaRPr lang="en-US"/>
+          </a:p>
+        </p:txBody>
+      </p:sp>
+      <p:sp>
+        <p:nvSpPr>
+          <p:cNvPr id="12" name="Oval 11">
+            <a:extLst>
+              <a:ext uri="{FF2B5EF4-FFF2-40B4-BE49-F238E27FC236}">
+                <a16:creationId xmlns:a16="http://schemas.microsoft.com/office/drawing/2014/main" id="{AAA7AB09-557C-41AD-9113-FF9F68FA1035}"/>
+              </a:ext>
+              <a:ext uri="{C183D7F6-B498-43B3-948B-1728B52AA6E4}">
+                <adec:decorative xmlns:adec="http://schemas.microsoft.com/office/drawing/2017/decorative" val="1"/>
+              </a:ext>
+            </a:extLst>
+          </p:cNvPr>
+          <p:cNvSpPr>
+            <a:spLocks noGrp="1" noRot="1" noChangeAspect="1" noMove="1" noResize="1" noEditPoints="1" noAdjustHandles="1" noChangeArrowheads="1" noChangeShapeType="1" noTextEdit="1"/>
+          </p:cNvSpPr>
+          <p:nvPr>
+            <p:extLst>
+              <p:ext uri="{386F3935-93C4-4BCD-93E2-E3B085C9AB24}">
+                <p16:designElem xmlns:p16="http://schemas.microsoft.com/office/powerpoint/2015/main" val="1"/>
+              </p:ext>
+            </p:extLst>
+          </p:nvPr>
+        </p:nvSpPr>
+        <p:spPr>
+          <a:xfrm rot="8100000">
+            <a:off x="626845" y="828962"/>
+            <a:ext cx="540000" cy="1080000"/>
+          </a:xfrm>
+          <a:prstGeom prst="ellipse">
+            <a:avLst/>
+          </a:prstGeom>
+          <a:gradFill>
+            <a:gsLst>
+              <a:gs pos="100000">
+                <a:schemeClr val="bg2">
+                  <a:lumMod val="90000"/>
+                  <a:lumOff val="10000"/>
+                </a:schemeClr>
+              </a:gs>
+              <a:gs pos="50000">
+                <a:schemeClr val="bg2">
+                  <a:lumMod val="95000"/>
+                  <a:lumOff val="5000"/>
+                </a:schemeClr>
+              </a:gs>
+            </a:gsLst>
+            <a:lin ang="5400000" scaled="0"/>
+          </a:gradFill>
+          <a:ln>
+            <a:noFill/>
+          </a:ln>
+          <a:effectLst>
+            <a:innerShdw blurRad="1270000" dist="2540000">
+              <a:schemeClr val="accent1">
+                <a:lumMod val="60000"/>
+                <a:lumOff val="40000"/>
+                <a:alpha val="0"/>
+              </a:schemeClr>
+            </a:innerShdw>
+          </a:effectLst>
+        </p:spPr>
+        <p:style>
+          <a:lnRef idx="2">
+            <a:schemeClr val="accent1">
+              <a:shade val="50000"/>
+            </a:schemeClr>
+          </a:lnRef>
+          <a:fillRef idx="1">
+            <a:schemeClr val="accent1"/>
+          </a:fillRef>
+          <a:effectRef idx="0">
+            <a:schemeClr val="accent1"/>
+          </a:effectRef>
+          <a:fontRef idx="minor">
+            <a:schemeClr val="lt1"/>
+          </a:fontRef>
+        </p:style>
+        <p:txBody>
+          <a:bodyPr rot="0" spcFirstLastPara="0" vertOverflow="overflow" horzOverflow="overflow" vert="horz" wrap="square" lIns="91440" tIns="45720" rIns="91440" bIns="45720" numCol="1" spcCol="0" rtlCol="0" fromWordArt="0" anchor="ctr" anchorCtr="0" forceAA="0" compatLnSpc="1">
+            <a:prstTxWarp prst="textNoShape">
+              <a:avLst/>
+            </a:prstTxWarp>
+            <a:noAutofit/>
+          </a:bodyPr>
+          <a:lstStyle/>
+          <a:p>
+            <a:pPr algn="ctr"/>
+            <a:endParaRPr lang="en-US"/>
+          </a:p>
+        </p:txBody>
+      </p:sp>
+      <p:sp>
+        <p:nvSpPr>
+          <p:cNvPr id="14" name="Oval 13">
+            <a:extLst>
+              <a:ext uri="{FF2B5EF4-FFF2-40B4-BE49-F238E27FC236}">
+                <a16:creationId xmlns:a16="http://schemas.microsoft.com/office/drawing/2014/main" id="{EF99ECAA-1F11-4937-BBA6-51935AB44C9D}"/>
+              </a:ext>
+              <a:ext uri="{C183D7F6-B498-43B3-948B-1728B52AA6E4}">
+                <adec:decorative xmlns:adec="http://schemas.microsoft.com/office/drawing/2017/decorative" val="1"/>
+              </a:ext>
+            </a:extLst>
+          </p:cNvPr>
+          <p:cNvSpPr>
+            <a:spLocks noGrp="1" noRot="1" noChangeAspect="1" noMove="1" noResize="1" noEditPoints="1" noAdjustHandles="1" noChangeArrowheads="1" noChangeShapeType="1" noTextEdit="1"/>
+          </p:cNvSpPr>
+          <p:nvPr>
+            <p:extLst>
+              <p:ext uri="{386F3935-93C4-4BCD-93E2-E3B085C9AB24}">
+                <p16:designElem xmlns:p16="http://schemas.microsoft.com/office/powerpoint/2015/main" val="1"/>
+              </p:ext>
+            </p:extLst>
+          </p:nvPr>
+        </p:nvSpPr>
+        <p:spPr>
+          <a:xfrm>
+            <a:off x="1800802" y="2472855"/>
+            <a:ext cx="360000" cy="360000"/>
+          </a:xfrm>
+          <a:prstGeom prst="ellipse">
+            <a:avLst/>
+          </a:prstGeom>
+          <a:gradFill flip="none" rotWithShape="1">
+            <a:gsLst>
+              <a:gs pos="100000">
+                <a:schemeClr val="bg2">
+                  <a:lumMod val="50000"/>
+                  <a:lumOff val="50000"/>
+                </a:schemeClr>
+              </a:gs>
+              <a:gs pos="60000">
+                <a:schemeClr val="bg2"/>
+              </a:gs>
+            </a:gsLst>
+            <a:path path="circle">
+              <a:fillToRect l="100000" b="100000"/>
+            </a:path>
+            <a:tileRect t="-100000" r="-100000"/>
+          </a:gradFill>
+          <a:ln>
+            <a:noFill/>
+          </a:ln>
+          <a:effectLst>
+            <a:innerShdw blurRad="127000" dist="63500" dir="2700000">
+              <a:schemeClr val="accent1">
+                <a:lumMod val="60000"/>
+                <a:lumOff val="40000"/>
+                <a:alpha val="20000"/>
+              </a:schemeClr>
+            </a:innerShdw>
+            <a:softEdge rad="0"/>
+          </a:effectLst>
+        </p:spPr>
+        <p:style>
+          <a:lnRef idx="2">
+            <a:schemeClr val="accent1">
+              <a:shade val="50000"/>
+            </a:schemeClr>
+          </a:lnRef>
+          <a:fillRef idx="1">
+            <a:schemeClr val="accent1"/>
+          </a:fillRef>
+          <a:effectRef idx="0">
+            <a:schemeClr val="accent1"/>
+          </a:effectRef>
+          <a:fontRef idx="minor">
+            <a:schemeClr val="lt1"/>
+          </a:fontRef>
+        </p:style>
+        <p:txBody>
+          <a:bodyPr rot="0" spcFirstLastPara="0" vertOverflow="overflow" horzOverflow="overflow" vert="horz" wrap="square" lIns="91440" tIns="45720" rIns="91440" bIns="45720" numCol="1" spcCol="0" rtlCol="0" fromWordArt="0" anchor="ctr" anchorCtr="0" forceAA="0" compatLnSpc="1">
+            <a:prstTxWarp prst="textNoShape">
+              <a:avLst/>
+            </a:prstTxWarp>
+            <a:noAutofit/>
+          </a:bodyPr>
+          <a:lstStyle/>
+          <a:p>
+            <a:pPr algn="ctr"/>
+            <a:endParaRPr lang="en-US"/>
+          </a:p>
+        </p:txBody>
+      </p:sp>
+      <p:grpSp>
+        <p:nvGrpSpPr>
+          <p:cNvPr id="16" name="Group 15">
+            <a:extLst>
+              <a:ext uri="{FF2B5EF4-FFF2-40B4-BE49-F238E27FC236}">
+                <a16:creationId xmlns:a16="http://schemas.microsoft.com/office/drawing/2014/main" id="{79DE9FAB-6BBA-4CFE-B67D-77B47F01ECA4}"/>
+              </a:ext>
+              <a:ext uri="{C183D7F6-B498-43B3-948B-1728B52AA6E4}">
+                <adec:decorative xmlns:adec="http://schemas.microsoft.com/office/drawing/2017/decorative" val="1"/>
+              </a:ext>
+            </a:extLst>
+          </p:cNvPr>
+          <p:cNvGrpSpPr>
+            <a:grpSpLocks noGrp="1" noUngrp="1" noRot="1" noChangeAspect="1" noMove="1" noResize="1"/>
+          </p:cNvGrpSpPr>
+          <p:nvPr>
+            <p:extLst>
+              <p:ext uri="{386F3935-93C4-4BCD-93E2-E3B085C9AB24}">
+                <p16:designElem xmlns:p16="http://schemas.microsoft.com/office/powerpoint/2015/main" val="1"/>
+              </p:ext>
+            </p:extLst>
+          </p:nvPr>
+        </p:nvGrpSpPr>
+        <p:grpSpPr>
+          <a:xfrm>
+            <a:off x="1329952" y="4524379"/>
+            <a:ext cx="1980001" cy="1363916"/>
+            <a:chOff x="4879602" y="3781429"/>
+            <a:chExt cx="1980001" cy="1363916"/>
+          </a:xfrm>
+        </p:grpSpPr>
+        <p:sp>
+          <p:nvSpPr>
+            <p:cNvPr id="17" name="Freeform: Shape 16">
+              <a:extLst>
+                <a:ext uri="{FF2B5EF4-FFF2-40B4-BE49-F238E27FC236}">
+                  <a16:creationId xmlns:a16="http://schemas.microsoft.com/office/drawing/2014/main" id="{79FAC916-D9BB-4794-81B4-7C47C67E850D}"/>
+                </a:ext>
+                <a:ext uri="{C183D7F6-B498-43B3-948B-1728B52AA6E4}">
+                  <adec:decorative xmlns:adec="http://schemas.microsoft.com/office/drawing/2017/decorative" val="1"/>
+                </a:ext>
+              </a:extLst>
+            </p:cNvPr>
+            <p:cNvSpPr>
+              <a:spLocks noChangeAspect="1"/>
+            </p:cNvSpPr>
+            <p:nvPr>
+              <p:extLst>
+                <p:ext uri="{386F3935-93C4-4BCD-93E2-E3B085C9AB24}">
+                  <p16:designElem xmlns:p16="http://schemas.microsoft.com/office/powerpoint/2015/main" val="1"/>
+                </p:ext>
+              </p:extLst>
+            </p:nvPr>
+          </p:nvSpPr>
+          <p:spPr>
+            <a:xfrm rot="18900000" flipV="1">
+              <a:off x="5005634" y="4191206"/>
+              <a:ext cx="1853969" cy="926985"/>
+            </a:xfrm>
+            <a:custGeom>
+              <a:avLst/>
+              <a:gdLst>
+                <a:gd name="connsiteX0" fmla="*/ 1329373 w 2658746"/>
+                <a:gd name="connsiteY0" fmla="*/ 0 h 1329373"/>
+                <a:gd name="connsiteX1" fmla="*/ 2658746 w 2658746"/>
+                <a:gd name="connsiteY1" fmla="*/ 1329373 h 1329373"/>
+                <a:gd name="connsiteX2" fmla="*/ 1994059 w 2658746"/>
+                <a:gd name="connsiteY2" fmla="*/ 1329373 h 1329373"/>
+                <a:gd name="connsiteX3" fmla="*/ 1329373 w 2658746"/>
+                <a:gd name="connsiteY3" fmla="*/ 664687 h 1329373"/>
+                <a:gd name="connsiteX4" fmla="*/ 664687 w 2658746"/>
+                <a:gd name="connsiteY4" fmla="*/ 1329373 h 1329373"/>
+                <a:gd name="connsiteX5" fmla="*/ 0 w 2658746"/>
+                <a:gd name="connsiteY5" fmla="*/ 1329373 h 1329373"/>
+                <a:gd name="connsiteX6" fmla="*/ 1329373 w 2658746"/>
+                <a:gd name="connsiteY6" fmla="*/ 0 h 1329373"/>
+              </a:gdLst>
+              <a:ahLst/>
+              <a:cxnLst>
+                <a:cxn ang="0">
+                  <a:pos x="connsiteX0" y="connsiteY0"/>
+                </a:cxn>
+                <a:cxn ang="0">
+                  <a:pos x="connsiteX1" y="connsiteY1"/>
+                </a:cxn>
+                <a:cxn ang="0">
+                  <a:pos x="connsiteX2" y="connsiteY2"/>
+                </a:cxn>
+                <a:cxn ang="0">
+                  <a:pos x="connsiteX3" y="connsiteY3"/>
+                </a:cxn>
+                <a:cxn ang="0">
+                  <a:pos x="connsiteX4" y="connsiteY4"/>
+                </a:cxn>
+                <a:cxn ang="0">
+                  <a:pos x="connsiteX5" y="connsiteY5"/>
+                </a:cxn>
+                <a:cxn ang="0">
+                  <a:pos x="connsiteX6" y="connsiteY6"/>
+                </a:cxn>
+              </a:cxnLst>
+              <a:rect l="l" t="t" r="r" b="b"/>
+              <a:pathLst>
+                <a:path w="2658746" h="1329373">
+                  <a:moveTo>
+                    <a:pt x="1329373" y="0"/>
+                  </a:moveTo>
+                  <a:cubicBezTo>
+                    <a:pt x="2063565" y="0"/>
+                    <a:pt x="2658746" y="595181"/>
+                    <a:pt x="2658746" y="1329373"/>
+                  </a:cubicBezTo>
+                  <a:lnTo>
+                    <a:pt x="1994059" y="1329373"/>
+                  </a:lnTo>
+                  <a:cubicBezTo>
+                    <a:pt x="1994059" y="962277"/>
+                    <a:pt x="1696469" y="664687"/>
+                    <a:pt x="1329373" y="664687"/>
+                  </a:cubicBezTo>
+                  <a:cubicBezTo>
+                    <a:pt x="962277" y="664687"/>
+                    <a:pt x="664687" y="962277"/>
+                    <a:pt x="664687" y="1329373"/>
+                  </a:cubicBezTo>
+                  <a:lnTo>
+                    <a:pt x="0" y="1329373"/>
+                  </a:lnTo>
+                  <a:cubicBezTo>
+                    <a:pt x="0" y="595181"/>
+                    <a:pt x="595181" y="0"/>
+                    <a:pt x="1329373" y="0"/>
+                  </a:cubicBezTo>
+                  <a:close/>
+                </a:path>
+              </a:pathLst>
+            </a:custGeom>
+            <a:solidFill>
+              <a:schemeClr val="bg2"/>
+            </a:solidFill>
+            <a:ln>
+              <a:noFill/>
+            </a:ln>
+            <a:effectLst>
+              <a:innerShdw blurRad="254000" dist="50800" dir="16200000">
+                <a:schemeClr val="accent1">
+                  <a:lumMod val="40000"/>
+                  <a:lumOff val="60000"/>
+                  <a:alpha val="40000"/>
+                </a:schemeClr>
+              </a:innerShdw>
+            </a:effectLst>
+          </p:spPr>
+          <p:style>
+            <a:lnRef idx="2">
+              <a:schemeClr val="accent1">
+                <a:shade val="50000"/>
+              </a:schemeClr>
+            </a:lnRef>
+            <a:fillRef idx="1">
+              <a:schemeClr val="accent1"/>
+            </a:fillRef>
+            <a:effectRef idx="0">
+              <a:schemeClr val="accent1"/>
+            </a:effectRef>
+            <a:fontRef idx="minor">
+              <a:schemeClr val="lt1"/>
+            </a:fontRef>
+          </p:style>
+          <p:txBody>
+            <a:bodyPr rtlCol="0" anchor="ctr"/>
+            <a:lstStyle/>
+            <a:p>
+              <a:pPr algn="ctr"/>
+              <a:endParaRPr lang="en-US" dirty="0"/>
+            </a:p>
+          </p:txBody>
+        </p:sp>
+        <p:sp>
+          <p:nvSpPr>
+            <p:cNvPr id="18" name="Freeform: Shape 17">
+              <a:extLst>
+                <a:ext uri="{FF2B5EF4-FFF2-40B4-BE49-F238E27FC236}">
+                  <a16:creationId xmlns:a16="http://schemas.microsoft.com/office/drawing/2014/main" id="{B5CA2231-7A65-4D16-8400-A210CC41DB73}"/>
+                </a:ext>
+                <a:ext uri="{C183D7F6-B498-43B3-948B-1728B52AA6E4}">
+                  <adec:decorative xmlns:adec="http://schemas.microsoft.com/office/drawing/2017/decorative" val="1"/>
+                </a:ext>
+              </a:extLst>
+            </p:cNvPr>
+            <p:cNvSpPr>
+              <a:spLocks noChangeAspect="1"/>
+            </p:cNvSpPr>
+            <p:nvPr>
+              <p:extLst>
+                <p:ext uri="{386F3935-93C4-4BCD-93E2-E3B085C9AB24}">
+                  <p16:designElem xmlns:p16="http://schemas.microsoft.com/office/powerpoint/2015/main" val="1"/>
+                </p:ext>
+              </p:extLst>
+            </p:nvPr>
+          </p:nvSpPr>
+          <p:spPr>
+            <a:xfrm rot="18900000" flipV="1">
+              <a:off x="4957101" y="4052255"/>
+              <a:ext cx="1853969" cy="1093090"/>
+            </a:xfrm>
+            <a:custGeom>
+              <a:avLst/>
+              <a:gdLst>
+                <a:gd name="connsiteX0" fmla="*/ 1329373 w 2658746"/>
+                <a:gd name="connsiteY0" fmla="*/ 0 h 1329373"/>
+                <a:gd name="connsiteX1" fmla="*/ 2658746 w 2658746"/>
+                <a:gd name="connsiteY1" fmla="*/ 1329373 h 1329373"/>
+                <a:gd name="connsiteX2" fmla="*/ 1994059 w 2658746"/>
+                <a:gd name="connsiteY2" fmla="*/ 1329373 h 1329373"/>
+                <a:gd name="connsiteX3" fmla="*/ 1329373 w 2658746"/>
+                <a:gd name="connsiteY3" fmla="*/ 664687 h 1329373"/>
+                <a:gd name="connsiteX4" fmla="*/ 664687 w 2658746"/>
+                <a:gd name="connsiteY4" fmla="*/ 1329373 h 1329373"/>
+                <a:gd name="connsiteX5" fmla="*/ 0 w 2658746"/>
+                <a:gd name="connsiteY5" fmla="*/ 1329373 h 1329373"/>
+                <a:gd name="connsiteX6" fmla="*/ 1329373 w 2658746"/>
+                <a:gd name="connsiteY6" fmla="*/ 0 h 1329373"/>
+              </a:gdLst>
+              <a:ahLst/>
+              <a:cxnLst>
+                <a:cxn ang="0">
+                  <a:pos x="connsiteX0" y="connsiteY0"/>
+                </a:cxn>
+                <a:cxn ang="0">
+                  <a:pos x="connsiteX1" y="connsiteY1"/>
+                </a:cxn>
+                <a:cxn ang="0">
+                  <a:pos x="connsiteX2" y="connsiteY2"/>
+                </a:cxn>
+                <a:cxn ang="0">
+                  <a:pos x="connsiteX3" y="connsiteY3"/>
+                </a:cxn>
+                <a:cxn ang="0">
+                  <a:pos x="connsiteX4" y="connsiteY4"/>
+                </a:cxn>
+                <a:cxn ang="0">
+                  <a:pos x="connsiteX5" y="connsiteY5"/>
+                </a:cxn>
+                <a:cxn ang="0">
+                  <a:pos x="connsiteX6" y="connsiteY6"/>
+                </a:cxn>
+              </a:cxnLst>
+              <a:rect l="l" t="t" r="r" b="b"/>
+              <a:pathLst>
+                <a:path w="2658746" h="1329373">
+                  <a:moveTo>
+                    <a:pt x="1329373" y="0"/>
+                  </a:moveTo>
+                  <a:cubicBezTo>
+                    <a:pt x="2063565" y="0"/>
+                    <a:pt x="2658746" y="595181"/>
+                    <a:pt x="2658746" y="1329373"/>
+                  </a:cubicBezTo>
+                  <a:lnTo>
+                    <a:pt x="1994059" y="1329373"/>
+                  </a:lnTo>
+                  <a:cubicBezTo>
+                    <a:pt x="1994059" y="962277"/>
+                    <a:pt x="1696469" y="664687"/>
+                    <a:pt x="1329373" y="664687"/>
+                  </a:cubicBezTo>
+                  <a:cubicBezTo>
+                    <a:pt x="962277" y="664687"/>
+                    <a:pt x="664687" y="962277"/>
+                    <a:pt x="664687" y="1329373"/>
+                  </a:cubicBezTo>
+                  <a:lnTo>
+                    <a:pt x="0" y="1329373"/>
+                  </a:lnTo>
+                  <a:cubicBezTo>
+                    <a:pt x="0" y="595181"/>
+                    <a:pt x="595181" y="0"/>
+                    <a:pt x="1329373" y="0"/>
+                  </a:cubicBezTo>
+                  <a:close/>
+                </a:path>
+              </a:pathLst>
+            </a:custGeom>
+            <a:solidFill>
+              <a:schemeClr val="bg2">
+                <a:lumMod val="50000"/>
+                <a:lumOff val="50000"/>
+                <a:alpha val="40000"/>
+              </a:schemeClr>
+            </a:solidFill>
+            <a:ln>
+              <a:noFill/>
+            </a:ln>
+            <a:effectLst>
+              <a:softEdge rad="190500"/>
+            </a:effectLst>
+          </p:spPr>
+          <p:style>
+            <a:lnRef idx="2">
+              <a:schemeClr val="accent1">
+                <a:shade val="50000"/>
+              </a:schemeClr>
+            </a:lnRef>
+            <a:fillRef idx="1">
+              <a:schemeClr val="accent1"/>
+            </a:fillRef>
+            <a:effectRef idx="0">
+              <a:schemeClr val="accent1"/>
+            </a:effectRef>
+            <a:fontRef idx="minor">
+              <a:schemeClr val="lt1"/>
+            </a:fontRef>
+          </p:style>
+          <p:txBody>
+            <a:bodyPr rtlCol="0" anchor="ctr"/>
+            <a:lstStyle/>
+            <a:p>
+              <a:pPr algn="ctr"/>
+              <a:endParaRPr lang="en-US" dirty="0">
+                <a:solidFill>
+                  <a:schemeClr val="tx1"/>
+                </a:solidFill>
+              </a:endParaRPr>
+            </a:p>
+          </p:txBody>
+        </p:sp>
+        <p:sp>
+          <p:nvSpPr>
+            <p:cNvPr id="19" name="Oval 18">
+              <a:extLst>
+                <a:ext uri="{FF2B5EF4-FFF2-40B4-BE49-F238E27FC236}">
+                  <a16:creationId xmlns:a16="http://schemas.microsoft.com/office/drawing/2014/main" id="{4B089C8C-B82B-4704-88E2-E857A5E21529}"/>
+                </a:ext>
+                <a:ext uri="{C183D7F6-B498-43B3-948B-1728B52AA6E4}">
+                  <adec:decorative xmlns:adec="http://schemas.microsoft.com/office/drawing/2017/decorative" val="1"/>
+                </a:ext>
+              </a:extLst>
+            </p:cNvPr>
+            <p:cNvSpPr/>
+            <p:nvPr>
+              <p:extLst>
+                <p:ext uri="{386F3935-93C4-4BCD-93E2-E3B085C9AB24}">
+                  <p16:designElem xmlns:p16="http://schemas.microsoft.com/office/powerpoint/2015/main" val="1"/>
+                </p:ext>
+              </p:extLst>
+            </p:nvPr>
+          </p:nvSpPr>
+          <p:spPr>
+            <a:xfrm rot="13500000" flipV="1">
+              <a:off x="6040374" y="3601683"/>
+              <a:ext cx="107098" cy="466589"/>
+            </a:xfrm>
+            <a:prstGeom prst="ellipse">
+              <a:avLst/>
+            </a:prstGeom>
+            <a:solidFill>
+              <a:schemeClr val="bg2">
+                <a:lumMod val="90000"/>
+                <a:lumOff val="10000"/>
+              </a:schemeClr>
+            </a:solidFill>
+            <a:ln>
+              <a:noFill/>
+            </a:ln>
+            <a:effectLst>
+              <a:innerShdw blurRad="63500" dist="2540000">
+                <a:schemeClr val="accent1">
+                  <a:lumMod val="60000"/>
+                  <a:lumOff val="40000"/>
+                  <a:alpha val="0"/>
+                </a:schemeClr>
+              </a:innerShdw>
+            </a:effectLst>
+          </p:spPr>
+          <p:style>
+            <a:lnRef idx="2">
+              <a:schemeClr val="accent1">
+                <a:shade val="50000"/>
+              </a:schemeClr>
+            </a:lnRef>
+            <a:fillRef idx="1">
+              <a:schemeClr val="accent1"/>
+            </a:fillRef>
+            <a:effectRef idx="0">
+              <a:schemeClr val="accent1"/>
+            </a:effectRef>
+            <a:fontRef idx="minor">
+              <a:schemeClr val="lt1"/>
+            </a:fontRef>
+          </p:style>
+          <p:txBody>
+            <a:bodyPr rot="0" spcFirstLastPara="0" vertOverflow="overflow" horzOverflow="overflow" vert="horz" wrap="square" lIns="91440" tIns="45720" rIns="91440" bIns="45720" numCol="1" spcCol="0" rtlCol="0" fromWordArt="0" anchor="ctr" anchorCtr="0" forceAA="0" compatLnSpc="1">
+              <a:prstTxWarp prst="textNoShape">
+                <a:avLst/>
+              </a:prstTxWarp>
+              <a:noAutofit/>
+            </a:bodyPr>
+            <a:lstStyle/>
+            <a:p>
+              <a:pPr algn="ctr"/>
+              <a:endParaRPr lang="en-US"/>
+            </a:p>
+          </p:txBody>
+        </p:sp>
+        <p:sp>
+          <p:nvSpPr>
+            <p:cNvPr id="20" name="Oval 19">
+              <a:extLst>
+                <a:ext uri="{FF2B5EF4-FFF2-40B4-BE49-F238E27FC236}">
+                  <a16:creationId xmlns:a16="http://schemas.microsoft.com/office/drawing/2014/main" id="{434B90C8-5B4D-456E-AD99-80EF748FDD72}"/>
+                </a:ext>
+                <a:ext uri="{C183D7F6-B498-43B3-948B-1728B52AA6E4}">
+                  <adec:decorative xmlns:adec="http://schemas.microsoft.com/office/drawing/2017/decorative" val="1"/>
+                </a:ext>
+              </a:extLst>
+            </p:cNvPr>
+            <p:cNvSpPr/>
+            <p:nvPr>
+              <p:extLst>
+                <p:ext uri="{386F3935-93C4-4BCD-93E2-E3B085C9AB24}">
+                  <p16:designElem xmlns:p16="http://schemas.microsoft.com/office/powerpoint/2015/main" val="1"/>
+                </p:ext>
+              </p:extLst>
+            </p:nvPr>
+          </p:nvSpPr>
+          <p:spPr>
+            <a:xfrm rot="13500000" flipV="1">
+              <a:off x="5059348" y="4582709"/>
+              <a:ext cx="107098" cy="466589"/>
+            </a:xfrm>
+            <a:prstGeom prst="ellipse">
+              <a:avLst/>
+            </a:prstGeom>
+            <a:solidFill>
+              <a:schemeClr val="bg2">
+                <a:lumMod val="90000"/>
+                <a:lumOff val="10000"/>
+              </a:schemeClr>
+            </a:solidFill>
+            <a:ln>
+              <a:noFill/>
+            </a:ln>
+            <a:effectLst>
+              <a:innerShdw blurRad="63500" dist="2540000">
+                <a:schemeClr val="accent1">
+                  <a:lumMod val="60000"/>
+                  <a:lumOff val="40000"/>
+                  <a:alpha val="0"/>
+                </a:schemeClr>
+              </a:innerShdw>
+            </a:effectLst>
+          </p:spPr>
+          <p:style>
+            <a:lnRef idx="2">
+              <a:schemeClr val="accent1">
+                <a:shade val="50000"/>
+              </a:schemeClr>
+            </a:lnRef>
+            <a:fillRef idx="1">
+              <a:schemeClr val="accent1"/>
+            </a:fillRef>
+            <a:effectRef idx="0">
+              <a:schemeClr val="accent1"/>
+            </a:effectRef>
+            <a:fontRef idx="minor">
+              <a:schemeClr val="lt1"/>
+            </a:fontRef>
+          </p:style>
+          <p:txBody>
+            <a:bodyPr rot="0" spcFirstLastPara="0" vertOverflow="overflow" horzOverflow="overflow" vert="horz" wrap="square" lIns="91440" tIns="45720" rIns="91440" bIns="45720" numCol="1" spcCol="0" rtlCol="0" fromWordArt="0" anchor="ctr" anchorCtr="0" forceAA="0" compatLnSpc="1">
+              <a:prstTxWarp prst="textNoShape">
+                <a:avLst/>
+              </a:prstTxWarp>
+              <a:noAutofit/>
+            </a:bodyPr>
+            <a:lstStyle/>
+            <a:p>
+              <a:pPr algn="ctr"/>
+              <a:endParaRPr lang="en-US"/>
+            </a:p>
+          </p:txBody>
+        </p:sp>
+      </p:grpSp>
+      <p:sp useBgFill="1">
+        <p:nvSpPr>
+          <p:cNvPr id="22" name="Rectangle 21">
+            <a:extLst>
+              <a:ext uri="{FF2B5EF4-FFF2-40B4-BE49-F238E27FC236}">
+                <a16:creationId xmlns:a16="http://schemas.microsoft.com/office/drawing/2014/main" id="{1DB043B4-68C6-45B9-82AC-A5800EADB8DB}"/>
+              </a:ext>
+              <a:ext uri="{C183D7F6-B498-43B3-948B-1728B52AA6E4}">
+                <adec:decorative xmlns:adec="http://schemas.microsoft.com/office/drawing/2017/decorative" val="1"/>
+              </a:ext>
+            </a:extLst>
+          </p:cNvPr>
+          <p:cNvSpPr>
+            <a:spLocks noGrp="1" noRot="1" noChangeAspect="1" noMove="1" noResize="1" noEditPoints="1" noAdjustHandles="1" noChangeArrowheads="1" noChangeShapeType="1" noTextEdit="1"/>
+          </p:cNvSpPr>
+          <p:nvPr>
+            <p:extLst>
+              <p:ext uri="{386F3935-93C4-4BCD-93E2-E3B085C9AB24}">
+                <p16:designElem xmlns:p16="http://schemas.microsoft.com/office/powerpoint/2015/main" val="1"/>
+              </p:ext>
+            </p:extLst>
+          </p:nvPr>
+        </p:nvSpPr>
+        <p:spPr>
+          <a:xfrm>
+            <a:off x="0" y="0"/>
+            <a:ext cx="12192000" cy="6858000"/>
+          </a:xfrm>
+          <a:prstGeom prst="rect">
+            <a:avLst/>
+          </a:prstGeom>
+          <a:ln w="12700" cap="flat" cmpd="sng" algn="ctr">
+            <a:noFill/>
+            <a:prstDash val="solid"/>
+            <a:miter lim="800000"/>
+          </a:ln>
+          <a:effectLst/>
+          <a:extLst>
+            <a:ext uri="{91240B29-F687-4F45-9708-019B960494DF}">
+              <a14:hiddenLine xmlns:a14="http://schemas.microsoft.com/office/drawing/2010/main" w="12700" cap="flat" cmpd="sng" algn="ctr">
+                <a:solidFill>
+                  <a:schemeClr val="accent1">
+                    <a:shade val="50000"/>
+                  </a:schemeClr>
+                </a:solidFill>
+                <a:prstDash val="solid"/>
+                <a:miter lim="800000"/>
+              </a14:hiddenLine>
+            </a:ext>
+          </a:extLst>
+        </p:spPr>
+        <p:style>
+          <a:lnRef idx="2">
+            <a:schemeClr val="accent1">
+              <a:shade val="50000"/>
+            </a:schemeClr>
+          </a:lnRef>
+          <a:fillRef idx="1">
+            <a:schemeClr val="accent1"/>
+          </a:fillRef>
+          <a:effectRef idx="0">
+            <a:schemeClr val="accent1"/>
+          </a:effectRef>
+          <a:fontRef idx="minor">
+            <a:schemeClr val="lt1"/>
+          </a:fontRef>
+        </p:style>
+        <p:txBody>
+          <a:bodyPr rtlCol="0" anchor="ctr"/>
+          <a:lstStyle/>
+          <a:p>
+            <a:pPr algn="ctr"/>
+            <a:endParaRPr lang="en-US"/>
+          </a:p>
+        </p:txBody>
+      </p:sp>
+      <p:sp>
+        <p:nvSpPr>
+          <p:cNvPr id="24" name="Oval 23">
+            <a:extLst>
+              <a:ext uri="{FF2B5EF4-FFF2-40B4-BE49-F238E27FC236}">
+                <a16:creationId xmlns:a16="http://schemas.microsoft.com/office/drawing/2014/main" id="{28A00A08-E4E6-4184-B484-E0E034072AE0}"/>
+              </a:ext>
+              <a:ext uri="{C183D7F6-B498-43B3-948B-1728B52AA6E4}">
+                <adec:decorative xmlns:adec="http://schemas.microsoft.com/office/drawing/2017/decorative" val="1"/>
+              </a:ext>
+            </a:extLst>
+          </p:cNvPr>
+          <p:cNvSpPr>
+            <a:spLocks noGrp="1" noRot="1" noChangeAspect="1" noMove="1" noResize="1" noEditPoints="1" noAdjustHandles="1" noChangeArrowheads="1" noChangeShapeType="1" noTextEdit="1"/>
+          </p:cNvSpPr>
+          <p:nvPr>
+            <p:extLst>
+              <p:ext uri="{386F3935-93C4-4BCD-93E2-E3B085C9AB24}">
+                <p16:designElem xmlns:p16="http://schemas.microsoft.com/office/powerpoint/2015/main" val="1"/>
+              </p:ext>
+            </p:extLst>
+          </p:nvPr>
+        </p:nvSpPr>
+        <p:spPr>
+          <a:xfrm>
+            <a:off x="281171" y="1388266"/>
+            <a:ext cx="360000" cy="360000"/>
+          </a:xfrm>
+          <a:prstGeom prst="ellipse">
+            <a:avLst/>
+          </a:prstGeom>
+          <a:gradFill flip="none" rotWithShape="1">
+            <a:gsLst>
+              <a:gs pos="100000">
+                <a:schemeClr val="bg2">
+                  <a:lumMod val="50000"/>
+                  <a:lumOff val="50000"/>
+                </a:schemeClr>
+              </a:gs>
+              <a:gs pos="60000">
+                <a:schemeClr val="bg2"/>
+              </a:gs>
+            </a:gsLst>
+            <a:path path="circle">
+              <a:fillToRect l="100000" b="100000"/>
+            </a:path>
+            <a:tileRect t="-100000" r="-100000"/>
+          </a:gradFill>
+          <a:ln>
+            <a:noFill/>
+          </a:ln>
+          <a:effectLst>
+            <a:innerShdw blurRad="127000" dist="63500" dir="2700000">
+              <a:schemeClr val="accent1">
+                <a:lumMod val="60000"/>
+                <a:lumOff val="40000"/>
+                <a:alpha val="20000"/>
+              </a:schemeClr>
+            </a:innerShdw>
+            <a:softEdge rad="0"/>
+          </a:effectLst>
+        </p:spPr>
+        <p:style>
+          <a:lnRef idx="2">
+            <a:schemeClr val="accent1">
+              <a:shade val="50000"/>
+            </a:schemeClr>
+          </a:lnRef>
+          <a:fillRef idx="1">
+            <a:schemeClr val="accent1"/>
+          </a:fillRef>
+          <a:effectRef idx="0">
+            <a:schemeClr val="accent1"/>
+          </a:effectRef>
+          <a:fontRef idx="minor">
+            <a:schemeClr val="lt1"/>
+          </a:fontRef>
+        </p:style>
+        <p:txBody>
+          <a:bodyPr rot="0" spcFirstLastPara="0" vertOverflow="overflow" horzOverflow="overflow" vert="horz" wrap="square" lIns="91440" tIns="45720" rIns="91440" bIns="45720" numCol="1" spcCol="0" rtlCol="0" fromWordArt="0" anchor="ctr" anchorCtr="0" forceAA="0" compatLnSpc="1">
+            <a:prstTxWarp prst="textNoShape">
+              <a:avLst/>
+            </a:prstTxWarp>
+            <a:noAutofit/>
+          </a:bodyPr>
+          <a:lstStyle/>
+          <a:p>
+            <a:pPr algn="ctr"/>
+            <a:endParaRPr lang="en-US"/>
+          </a:p>
+        </p:txBody>
+      </p:sp>
+      <p:grpSp>
+        <p:nvGrpSpPr>
+          <p:cNvPr id="26" name="Group 25">
+            <a:extLst>
+              <a:ext uri="{FF2B5EF4-FFF2-40B4-BE49-F238E27FC236}">
+                <a16:creationId xmlns:a16="http://schemas.microsoft.com/office/drawing/2014/main" id="{0780E404-3121-4F33-AF2D-65F659A97798}"/>
+              </a:ext>
+              <a:ext uri="{C183D7F6-B498-43B3-948B-1728B52AA6E4}">
+                <adec:decorative xmlns:adec="http://schemas.microsoft.com/office/drawing/2017/decorative" val="1"/>
+              </a:ext>
+            </a:extLst>
+          </p:cNvPr>
+          <p:cNvGrpSpPr>
+            <a:grpSpLocks noGrp="1" noUngrp="1" noRot="1" noChangeAspect="1" noMove="1" noResize="1"/>
+          </p:cNvGrpSpPr>
+          <p:nvPr>
+            <p:extLst>
+              <p:ext uri="{386F3935-93C4-4BCD-93E2-E3B085C9AB24}">
+                <p16:designElem xmlns:p16="http://schemas.microsoft.com/office/powerpoint/2015/main" val="1"/>
+              </p:ext>
+            </p:extLst>
+          </p:nvPr>
+        </p:nvGrpSpPr>
+        <p:grpSpPr>
+          <a:xfrm>
+            <a:off x="2727675" y="288981"/>
+            <a:ext cx="1262947" cy="1335600"/>
+            <a:chOff x="2678417" y="2427951"/>
+            <a:chExt cx="1262947" cy="1335600"/>
+          </a:xfrm>
+        </p:grpSpPr>
+        <p:sp>
+          <p:nvSpPr>
+            <p:cNvPr id="27" name="Freeform: Shape 26">
+              <a:extLst>
+                <a:ext uri="{FF2B5EF4-FFF2-40B4-BE49-F238E27FC236}">
+                  <a16:creationId xmlns:a16="http://schemas.microsoft.com/office/drawing/2014/main" id="{2339341D-8322-49F1-91DA-6D115CCAE7AB}"/>
+                </a:ext>
+                <a:ext uri="{C183D7F6-B498-43B3-948B-1728B52AA6E4}">
+                  <adec:decorative xmlns:adec="http://schemas.microsoft.com/office/drawing/2017/decorative" val="1"/>
+                </a:ext>
+              </a:extLst>
+            </p:cNvPr>
+            <p:cNvSpPr>
+              <a:spLocks noChangeAspect="1"/>
+            </p:cNvSpPr>
+            <p:nvPr>
+              <p:extLst>
+                <p:ext uri="{386F3935-93C4-4BCD-93E2-E3B085C9AB24}">
+                  <p16:designElem xmlns:p16="http://schemas.microsoft.com/office/powerpoint/2015/main" val="1"/>
+                </p:ext>
+              </p:extLst>
+            </p:nvPr>
+          </p:nvSpPr>
+          <p:spPr>
+            <a:xfrm rot="2700000">
+              <a:off x="2769891" y="2336477"/>
+              <a:ext cx="1080000" cy="1262947"/>
+            </a:xfrm>
+            <a:custGeom>
+              <a:avLst/>
+              <a:gdLst>
+                <a:gd name="connsiteX0" fmla="*/ 540000 w 1080000"/>
+                <a:gd name="connsiteY0" fmla="*/ 0 h 1262947"/>
+                <a:gd name="connsiteX1" fmla="*/ 1080000 w 1080000"/>
+                <a:gd name="connsiteY1" fmla="*/ 931034 h 1262947"/>
+                <a:gd name="connsiteX2" fmla="*/ 1064374 w 1080000"/>
+                <a:gd name="connsiteY2" fmla="*/ 931034 h 1262947"/>
+                <a:gd name="connsiteX3" fmla="*/ 1069029 w 1080000"/>
+                <a:gd name="connsiteY3" fmla="*/ 938533 h 1262947"/>
+                <a:gd name="connsiteX4" fmla="*/ 1080000 w 1080000"/>
+                <a:gd name="connsiteY4" fmla="*/ 992947 h 1262947"/>
+                <a:gd name="connsiteX5" fmla="*/ 540000 w 1080000"/>
+                <a:gd name="connsiteY5" fmla="*/ 1262947 h 1262947"/>
+                <a:gd name="connsiteX6" fmla="*/ 0 w 1080000"/>
+                <a:gd name="connsiteY6" fmla="*/ 992947 h 1262947"/>
+                <a:gd name="connsiteX7" fmla="*/ 10971 w 1080000"/>
+                <a:gd name="connsiteY7" fmla="*/ 938533 h 1262947"/>
+                <a:gd name="connsiteX8" fmla="*/ 15626 w 1080000"/>
+                <a:gd name="connsiteY8" fmla="*/ 931034 h 1262947"/>
+                <a:gd name="connsiteX9" fmla="*/ 0 w 1080000"/>
+                <a:gd name="connsiteY9" fmla="*/ 931034 h 1262947"/>
+                <a:gd name="connsiteX0" fmla="*/ 540000 w 1080000"/>
+                <a:gd name="connsiteY0" fmla="*/ 0 h 1262947"/>
+                <a:gd name="connsiteX1" fmla="*/ 1080000 w 1080000"/>
+                <a:gd name="connsiteY1" fmla="*/ 931034 h 1262947"/>
+                <a:gd name="connsiteX2" fmla="*/ 1064374 w 1080000"/>
+                <a:gd name="connsiteY2" fmla="*/ 931034 h 1262947"/>
+                <a:gd name="connsiteX3" fmla="*/ 1069029 w 1080000"/>
+                <a:gd name="connsiteY3" fmla="*/ 938533 h 1262947"/>
+                <a:gd name="connsiteX4" fmla="*/ 1080000 w 1080000"/>
+                <a:gd name="connsiteY4" fmla="*/ 992947 h 1262947"/>
+                <a:gd name="connsiteX5" fmla="*/ 540000 w 1080000"/>
+                <a:gd name="connsiteY5" fmla="*/ 1262947 h 1262947"/>
+                <a:gd name="connsiteX6" fmla="*/ 0 w 1080000"/>
+                <a:gd name="connsiteY6" fmla="*/ 992947 h 1262947"/>
+                <a:gd name="connsiteX7" fmla="*/ 10971 w 1080000"/>
+                <a:gd name="connsiteY7" fmla="*/ 938533 h 1262947"/>
+                <a:gd name="connsiteX8" fmla="*/ 15626 w 1080000"/>
+                <a:gd name="connsiteY8" fmla="*/ 931034 h 1262947"/>
+                <a:gd name="connsiteX9" fmla="*/ 540000 w 1080000"/>
+                <a:gd name="connsiteY9" fmla="*/ 0 h 1262947"/>
+                <a:gd name="connsiteX0" fmla="*/ 540000 w 1080000"/>
+                <a:gd name="connsiteY0" fmla="*/ 0 h 1262947"/>
+                <a:gd name="connsiteX1" fmla="*/ 1064374 w 1080000"/>
+                <a:gd name="connsiteY1" fmla="*/ 931034 h 1262947"/>
+                <a:gd name="connsiteX2" fmla="*/ 1069029 w 1080000"/>
+                <a:gd name="connsiteY2" fmla="*/ 938533 h 1262947"/>
+                <a:gd name="connsiteX3" fmla="*/ 1080000 w 1080000"/>
+                <a:gd name="connsiteY3" fmla="*/ 992947 h 1262947"/>
+                <a:gd name="connsiteX4" fmla="*/ 540000 w 1080000"/>
+                <a:gd name="connsiteY4" fmla="*/ 1262947 h 1262947"/>
+                <a:gd name="connsiteX5" fmla="*/ 0 w 1080000"/>
+                <a:gd name="connsiteY5" fmla="*/ 992947 h 1262947"/>
+                <a:gd name="connsiteX6" fmla="*/ 10971 w 1080000"/>
+                <a:gd name="connsiteY6" fmla="*/ 938533 h 1262947"/>
+                <a:gd name="connsiteX7" fmla="*/ 15626 w 1080000"/>
+                <a:gd name="connsiteY7" fmla="*/ 931034 h 1262947"/>
+                <a:gd name="connsiteX8" fmla="*/ 540000 w 1080000"/>
+                <a:gd name="connsiteY8" fmla="*/ 0 h 1262947"/>
+              </a:gdLst>
+              <a:ahLst/>
+              <a:cxnLst>
+                <a:cxn ang="0">
+                  <a:pos x="connsiteX0" y="connsiteY0"/>
+                </a:cxn>
+                <a:cxn ang="0">
+                  <a:pos x="connsiteX1" y="connsiteY1"/>
+                </a:cxn>
+                <a:cxn ang="0">
+                  <a:pos x="connsiteX2" y="connsiteY2"/>
+                </a:cxn>
+                <a:cxn ang="0">
+                  <a:pos x="connsiteX3" y="connsiteY3"/>
+                </a:cxn>
+                <a:cxn ang="0">
+                  <a:pos x="connsiteX4" y="connsiteY4"/>
+                </a:cxn>
+                <a:cxn ang="0">
+                  <a:pos x="connsiteX5" y="connsiteY5"/>
+                </a:cxn>
+                <a:cxn ang="0">
+                  <a:pos x="connsiteX6" y="connsiteY6"/>
+                </a:cxn>
+                <a:cxn ang="0">
+                  <a:pos x="connsiteX7" y="connsiteY7"/>
+                </a:cxn>
+                <a:cxn ang="0">
+                  <a:pos x="connsiteX8" y="connsiteY8"/>
+                </a:cxn>
+              </a:cxnLst>
+              <a:rect l="l" t="t" r="r" b="b"/>
+              <a:pathLst>
+                <a:path w="1080000" h="1262947">
+                  <a:moveTo>
+                    <a:pt x="540000" y="0"/>
+                  </a:moveTo>
+                  <a:lnTo>
+                    <a:pt x="1064374" y="931034"/>
+                  </a:lnTo>
+                  <a:lnTo>
+                    <a:pt x="1069029" y="938533"/>
+                  </a:lnTo>
+                  <a:cubicBezTo>
+                    <a:pt x="1076223" y="956109"/>
+                    <a:pt x="1080000" y="974307"/>
+                    <a:pt x="1080000" y="992947"/>
+                  </a:cubicBezTo>
+                  <a:cubicBezTo>
+                    <a:pt x="1080000" y="1142064"/>
+                    <a:pt x="838234" y="1262947"/>
+                    <a:pt x="540000" y="1262947"/>
+                  </a:cubicBezTo>
+                  <a:cubicBezTo>
+                    <a:pt x="241766" y="1262947"/>
+                    <a:pt x="0" y="1142064"/>
+                    <a:pt x="0" y="992947"/>
+                  </a:cubicBezTo>
+                  <a:cubicBezTo>
+                    <a:pt x="0" y="974307"/>
+                    <a:pt x="3778" y="956109"/>
+                    <a:pt x="10971" y="938533"/>
+                  </a:cubicBezTo>
+                  <a:lnTo>
+                    <a:pt x="15626" y="931034"/>
+                  </a:lnTo>
+                  <a:lnTo>
+                    <a:pt x="540000" y="0"/>
+                  </a:lnTo>
+                  <a:close/>
+                </a:path>
+              </a:pathLst>
+            </a:custGeom>
+            <a:gradFill>
+              <a:gsLst>
+                <a:gs pos="60000">
+                  <a:schemeClr val="bg2">
+                    <a:lumMod val="90000"/>
+                    <a:lumOff val="10000"/>
+                  </a:schemeClr>
+                </a:gs>
+                <a:gs pos="30000">
+                  <a:schemeClr val="bg2">
+                    <a:lumMod val="90000"/>
+                    <a:lumOff val="10000"/>
+                  </a:schemeClr>
+                </a:gs>
+                <a:gs pos="40000">
+                  <a:schemeClr val="bg2">
+                    <a:lumMod val="75000"/>
+                    <a:lumOff val="25000"/>
+                  </a:schemeClr>
+                </a:gs>
+                <a:gs pos="100000">
+                  <a:schemeClr val="bg2"/>
+                </a:gs>
+              </a:gsLst>
+              <a:lin ang="600000" scaled="0"/>
+            </a:gradFill>
+            <a:ln>
+              <a:noFill/>
+            </a:ln>
+            <a:effectLst>
+              <a:innerShdw blurRad="254000" dist="101600" dir="2700000">
+                <a:schemeClr val="accent1">
+                  <a:lumMod val="60000"/>
+                  <a:lumOff val="40000"/>
+                  <a:alpha val="40000"/>
+                </a:schemeClr>
+              </a:innerShdw>
+            </a:effectLst>
+          </p:spPr>
+          <p:style>
+            <a:lnRef idx="2">
+              <a:schemeClr val="accent1">
+                <a:shade val="50000"/>
+              </a:schemeClr>
+            </a:lnRef>
+            <a:fillRef idx="1">
+              <a:schemeClr val="accent1"/>
+            </a:fillRef>
+            <a:effectRef idx="0">
+              <a:schemeClr val="accent1"/>
+            </a:effectRef>
+            <a:fontRef idx="minor">
+              <a:schemeClr val="lt1"/>
+            </a:fontRef>
+          </p:style>
+          <p:txBody>
+            <a:bodyPr rot="0" spcFirstLastPara="0" vertOverflow="overflow" horzOverflow="overflow" vert="horz" wrap="square" lIns="91440" tIns="45720" rIns="91440" bIns="45720" numCol="1" spcCol="0" rtlCol="0" fromWordArt="0" anchor="ctr" anchorCtr="0" forceAA="0" compatLnSpc="1">
+              <a:prstTxWarp prst="textNoShape">
+                <a:avLst/>
+              </a:prstTxWarp>
+              <a:noAutofit/>
+            </a:bodyPr>
+            <a:lstStyle/>
+            <a:p>
+              <a:pPr algn="ctr"/>
+              <a:endParaRPr lang="en-US"/>
+            </a:p>
+          </p:txBody>
+        </p:sp>
+        <p:sp>
+          <p:nvSpPr>
+            <p:cNvPr id="28" name="Oval 27">
+              <a:extLst>
+                <a:ext uri="{FF2B5EF4-FFF2-40B4-BE49-F238E27FC236}">
+                  <a16:creationId xmlns:a16="http://schemas.microsoft.com/office/drawing/2014/main" id="{7EB9DB0E-3B0E-411A-9274-448D565CA491}"/>
+                </a:ext>
+                <a:ext uri="{C183D7F6-B498-43B3-948B-1728B52AA6E4}">
+                  <adec:decorative xmlns:adec="http://schemas.microsoft.com/office/drawing/2017/decorative" val="1"/>
+                </a:ext>
+              </a:extLst>
+            </p:cNvPr>
+            <p:cNvSpPr/>
+            <p:nvPr>
+              <p:extLst>
+                <p:ext uri="{386F3935-93C4-4BCD-93E2-E3B085C9AB24}">
+                  <p16:designElem xmlns:p16="http://schemas.microsoft.com/office/powerpoint/2015/main" val="1"/>
+                </p:ext>
+              </p:extLst>
+            </p:nvPr>
+          </p:nvSpPr>
+          <p:spPr>
+            <a:xfrm rot="8100000">
+              <a:off x="2784291" y="2683551"/>
+              <a:ext cx="540000" cy="1080000"/>
+            </a:xfrm>
+            <a:prstGeom prst="ellipse">
+              <a:avLst/>
+            </a:prstGeom>
+            <a:gradFill>
+              <a:gsLst>
+                <a:gs pos="100000">
+                  <a:schemeClr val="bg2">
+                    <a:lumMod val="90000"/>
+                    <a:lumOff val="10000"/>
+                  </a:schemeClr>
+                </a:gs>
+                <a:gs pos="50000">
+                  <a:schemeClr val="bg2">
+                    <a:lumMod val="95000"/>
+                    <a:lumOff val="5000"/>
+                  </a:schemeClr>
+                </a:gs>
+              </a:gsLst>
+              <a:lin ang="5400000" scaled="0"/>
+            </a:gradFill>
+            <a:ln>
+              <a:noFill/>
+            </a:ln>
+            <a:effectLst>
+              <a:innerShdw blurRad="1270000" dist="2540000">
+                <a:schemeClr val="accent1">
+                  <a:lumMod val="60000"/>
+                  <a:lumOff val="40000"/>
+                  <a:alpha val="0"/>
+                </a:schemeClr>
+              </a:innerShdw>
+            </a:effectLst>
+          </p:spPr>
+          <p:style>
+            <a:lnRef idx="2">
+              <a:schemeClr val="accent1">
+                <a:shade val="50000"/>
+              </a:schemeClr>
+            </a:lnRef>
+            <a:fillRef idx="1">
+              <a:schemeClr val="accent1"/>
+            </a:fillRef>
+            <a:effectRef idx="0">
+              <a:schemeClr val="accent1"/>
+            </a:effectRef>
+            <a:fontRef idx="minor">
+              <a:schemeClr val="lt1"/>
+            </a:fontRef>
+          </p:style>
+          <p:txBody>
+            <a:bodyPr rot="0" spcFirstLastPara="0" vertOverflow="overflow" horzOverflow="overflow" vert="horz" wrap="square" lIns="91440" tIns="45720" rIns="91440" bIns="45720" numCol="1" spcCol="0" rtlCol="0" fromWordArt="0" anchor="ctr" anchorCtr="0" forceAA="0" compatLnSpc="1">
+              <a:prstTxWarp prst="textNoShape">
+                <a:avLst/>
+              </a:prstTxWarp>
+              <a:noAutofit/>
+            </a:bodyPr>
+            <a:lstStyle/>
+            <a:p>
+              <a:pPr algn="ctr"/>
+              <a:endParaRPr lang="en-US"/>
+            </a:p>
+          </p:txBody>
+        </p:sp>
+      </p:grpSp>
+      <p:sp>
+        <p:nvSpPr>
+          <p:cNvPr id="2" name="Rubrik 1">
+            <a:extLst>
+              <a:ext uri="{FF2B5EF4-FFF2-40B4-BE49-F238E27FC236}">
+                <a16:creationId xmlns:a16="http://schemas.microsoft.com/office/drawing/2014/main" id="{96E4A8F1-FE44-7540-A6F5-C49CC9D538CD}"/>
+              </a:ext>
+            </a:extLst>
+          </p:cNvPr>
+          <p:cNvSpPr>
+            <a:spLocks noGrp="1"/>
+          </p:cNvSpPr>
+          <p:nvPr>
+            <p:ph type="title"/>
+          </p:nvPr>
+        </p:nvSpPr>
+        <p:spPr>
+          <a:xfrm>
+            <a:off x="550864" y="549275"/>
+            <a:ext cx="3565524" cy="3034657"/>
+          </a:xfrm>
+        </p:spPr>
+        <p:txBody>
+          <a:bodyPr vert="horz" wrap="square" lIns="0" tIns="0" rIns="0" bIns="0" rtlCol="0" anchor="b" anchorCtr="0">
+            <a:normAutofit/>
+          </a:bodyPr>
+          <a:lstStyle/>
+          <a:p>
+            <a:r>
+              <a:rPr lang="en-US"/>
+              <a:t>Poster</a:t>
+            </a:r>
+          </a:p>
+        </p:txBody>
+      </p:sp>
+      <p:grpSp>
+        <p:nvGrpSpPr>
+          <p:cNvPr id="30" name="Group 29">
+            <a:extLst>
+              <a:ext uri="{FF2B5EF4-FFF2-40B4-BE49-F238E27FC236}">
+                <a16:creationId xmlns:a16="http://schemas.microsoft.com/office/drawing/2014/main" id="{4B158E9A-DBF4-4AA7-B6B7-8C8EB2FBDD68}"/>
+              </a:ext>
+              <a:ext uri="{C183D7F6-B498-43B3-948B-1728B52AA6E4}">
+                <adec:decorative xmlns:adec="http://schemas.microsoft.com/office/drawing/2017/decorative" val="1"/>
+              </a:ext>
+            </a:extLst>
+          </p:cNvPr>
+          <p:cNvGrpSpPr>
+            <a:grpSpLocks noGrp="1" noUngrp="1" noRot="1" noChangeAspect="1" noMove="1" noResize="1"/>
+          </p:cNvGrpSpPr>
+          <p:nvPr>
+            <p:extLst>
+              <p:ext uri="{386F3935-93C4-4BCD-93E2-E3B085C9AB24}">
+                <p16:designElem xmlns:p16="http://schemas.microsoft.com/office/powerpoint/2015/main" val="1"/>
+              </p:ext>
+            </p:extLst>
+          </p:nvPr>
+        </p:nvGrpSpPr>
+        <p:grpSpPr>
+          <a:xfrm>
+            <a:off x="2125249" y="5435090"/>
+            <a:ext cx="762805" cy="734873"/>
+            <a:chOff x="7950336" y="1300590"/>
+            <a:chExt cx="762805" cy="734873"/>
+          </a:xfrm>
+        </p:grpSpPr>
+        <p:sp>
+          <p:nvSpPr>
+            <p:cNvPr id="31" name="Freeform 5">
+              <a:extLst>
+                <a:ext uri="{FF2B5EF4-FFF2-40B4-BE49-F238E27FC236}">
+                  <a16:creationId xmlns:a16="http://schemas.microsoft.com/office/drawing/2014/main" id="{6150ACFD-AEC6-42A3-A5A7-E7AD6B13E03E}"/>
+                </a:ext>
+                <a:ext uri="{C183D7F6-B498-43B3-948B-1728B52AA6E4}">
+                  <adec:decorative xmlns:adec="http://schemas.microsoft.com/office/drawing/2017/decorative" val="1"/>
+                </a:ext>
+              </a:extLst>
+            </p:cNvPr>
+            <p:cNvSpPr>
+              <a:spLocks/>
+            </p:cNvSpPr>
+            <p:nvPr>
+              <p:extLst>
+                <p:ext uri="{386F3935-93C4-4BCD-93E2-E3B085C9AB24}">
+                  <p16:designElem xmlns:p16="http://schemas.microsoft.com/office/powerpoint/2015/main" val="1"/>
+                </p:ext>
+              </p:extLst>
+            </p:nvPr>
+          </p:nvSpPr>
+          <p:spPr bwMode="auto">
+            <a:xfrm rot="3600000">
+              <a:off x="8220298" y="1428832"/>
+              <a:ext cx="621086" cy="364601"/>
+            </a:xfrm>
+            <a:custGeom>
+              <a:avLst/>
+              <a:gdLst>
+                <a:gd name="T0" fmla="*/ 266 w 540"/>
+                <a:gd name="T1" fmla="*/ 0 h 317"/>
+                <a:gd name="T2" fmla="*/ 0 w 540"/>
+                <a:gd name="T3" fmla="*/ 158 h 317"/>
+                <a:gd name="T4" fmla="*/ 266 w 540"/>
+                <a:gd name="T5" fmla="*/ 317 h 317"/>
+                <a:gd name="T6" fmla="*/ 540 w 540"/>
+                <a:gd name="T7" fmla="*/ 158 h 317"/>
+                <a:gd name="T8" fmla="*/ 266 w 540"/>
+                <a:gd name="T9" fmla="*/ 0 h 317"/>
+              </a:gdLst>
+              <a:ahLst/>
+              <a:cxnLst>
+                <a:cxn ang="0">
+                  <a:pos x="T0" y="T1"/>
+                </a:cxn>
+                <a:cxn ang="0">
+                  <a:pos x="T2" y="T3"/>
+                </a:cxn>
+                <a:cxn ang="0">
+                  <a:pos x="T4" y="T5"/>
+                </a:cxn>
+                <a:cxn ang="0">
+                  <a:pos x="T6" y="T7"/>
+                </a:cxn>
+                <a:cxn ang="0">
+                  <a:pos x="T8" y="T9"/>
+                </a:cxn>
+              </a:cxnLst>
+              <a:rect l="0" t="0" r="r" b="b"/>
+              <a:pathLst>
+                <a:path w="540" h="317">
+                  <a:moveTo>
+                    <a:pt x="266" y="0"/>
+                  </a:moveTo>
+                  <a:lnTo>
+                    <a:pt x="0" y="158"/>
+                  </a:lnTo>
+                  <a:lnTo>
+                    <a:pt x="266" y="317"/>
+                  </a:lnTo>
+                  <a:lnTo>
+                    <a:pt x="540" y="158"/>
+                  </a:lnTo>
+                  <a:lnTo>
+                    <a:pt x="266" y="0"/>
+                  </a:lnTo>
+                  <a:close/>
+                </a:path>
+              </a:pathLst>
+            </a:custGeom>
+            <a:gradFill flip="none" rotWithShape="1">
+              <a:gsLst>
+                <a:gs pos="20000">
+                  <a:schemeClr val="bg2">
+                    <a:lumMod val="90000"/>
+                    <a:lumOff val="10000"/>
+                    <a:alpha val="60000"/>
+                  </a:schemeClr>
+                </a:gs>
+                <a:gs pos="100000">
+                  <a:schemeClr val="accent1">
+                    <a:lumMod val="60000"/>
+                    <a:lumOff val="40000"/>
+                    <a:alpha val="60000"/>
+                  </a:schemeClr>
+                </a:gs>
+              </a:gsLst>
+              <a:lin ang="0" scaled="0"/>
+              <a:tileRect/>
+            </a:gradFill>
+            <a:ln>
+              <a:noFill/>
+            </a:ln>
+            <a:effectLst>
+              <a:innerShdw blurRad="254000">
+                <a:schemeClr val="bg2"/>
+              </a:innerShdw>
+            </a:effectLst>
+          </p:spPr>
+          <p:style>
+            <a:lnRef idx="2">
+              <a:schemeClr val="accent1">
+                <a:shade val="50000"/>
+              </a:schemeClr>
+            </a:lnRef>
+            <a:fillRef idx="1">
+              <a:schemeClr val="accent1"/>
+            </a:fillRef>
+            <a:effectRef idx="0">
+              <a:schemeClr val="accent1"/>
+            </a:effectRef>
+            <a:fontRef idx="minor">
+              <a:schemeClr val="lt1"/>
+            </a:fontRef>
+          </p:style>
+          <p:txBody>
+            <a:bodyPr rot="0" spcFirstLastPara="0" vertOverflow="overflow" horzOverflow="overflow" vert="horz" wrap="square" lIns="91440" tIns="45720" rIns="91440" bIns="45720" numCol="1" spcCol="0" rtlCol="0" fromWordArt="0" anchor="ctr" anchorCtr="0" forceAA="0" compatLnSpc="1">
+              <a:prstTxWarp prst="textNoShape">
+                <a:avLst/>
+              </a:prstTxWarp>
+              <a:noAutofit/>
+            </a:bodyPr>
+            <a:lstStyle/>
+            <a:p>
+              <a:pPr algn="ctr"/>
+              <a:endParaRPr lang="en-US"/>
+            </a:p>
+          </p:txBody>
+        </p:sp>
+        <p:sp>
+          <p:nvSpPr>
+            <p:cNvPr id="32" name="Freeform 6">
+              <a:extLst>
+                <a:ext uri="{FF2B5EF4-FFF2-40B4-BE49-F238E27FC236}">
+                  <a16:creationId xmlns:a16="http://schemas.microsoft.com/office/drawing/2014/main" id="{DB4D1217-FEB1-4D2A-80F4-C227B66D72C6}"/>
+                </a:ext>
+                <a:ext uri="{C183D7F6-B498-43B3-948B-1728B52AA6E4}">
+                  <adec:decorative xmlns:adec="http://schemas.microsoft.com/office/drawing/2017/decorative" val="1"/>
+                </a:ext>
+              </a:extLst>
+            </p:cNvPr>
+            <p:cNvSpPr>
+              <a:spLocks/>
+            </p:cNvSpPr>
+            <p:nvPr>
+              <p:extLst>
+                <p:ext uri="{386F3935-93C4-4BCD-93E2-E3B085C9AB24}">
+                  <p16:designElem xmlns:p16="http://schemas.microsoft.com/office/powerpoint/2015/main" val="1"/>
+                </p:ext>
+              </p:extLst>
+            </p:nvPr>
+          </p:nvSpPr>
+          <p:spPr bwMode="auto">
+            <a:xfrm rot="3600000">
+              <a:off x="8066503" y="1339815"/>
+              <a:ext cx="305942" cy="538275"/>
+            </a:xfrm>
+            <a:custGeom>
+              <a:avLst/>
+              <a:gdLst>
+                <a:gd name="T0" fmla="*/ 266 w 266"/>
+                <a:gd name="T1" fmla="*/ 468 h 468"/>
+                <a:gd name="T2" fmla="*/ 0 w 266"/>
+                <a:gd name="T3" fmla="*/ 310 h 468"/>
+                <a:gd name="T4" fmla="*/ 0 w 266"/>
+                <a:gd name="T5" fmla="*/ 310 h 468"/>
+                <a:gd name="T6" fmla="*/ 0 w 266"/>
+                <a:gd name="T7" fmla="*/ 0 h 468"/>
+                <a:gd name="T8" fmla="*/ 0 w 266"/>
+                <a:gd name="T9" fmla="*/ 0 h 468"/>
+                <a:gd name="T10" fmla="*/ 266 w 266"/>
+                <a:gd name="T11" fmla="*/ 159 h 468"/>
+                <a:gd name="T12" fmla="*/ 266 w 266"/>
+                <a:gd name="T13" fmla="*/ 468 h 468"/>
+              </a:gdLst>
+              <a:ahLst/>
+              <a:cxnLst>
+                <a:cxn ang="0">
+                  <a:pos x="T0" y="T1"/>
+                </a:cxn>
+                <a:cxn ang="0">
+                  <a:pos x="T2" y="T3"/>
+                </a:cxn>
+                <a:cxn ang="0">
+                  <a:pos x="T4" y="T5"/>
+                </a:cxn>
+                <a:cxn ang="0">
+                  <a:pos x="T6" y="T7"/>
+                </a:cxn>
+                <a:cxn ang="0">
+                  <a:pos x="T8" y="T9"/>
+                </a:cxn>
+                <a:cxn ang="0">
+                  <a:pos x="T10" y="T11"/>
+                </a:cxn>
+                <a:cxn ang="0">
+                  <a:pos x="T12" y="T13"/>
+                </a:cxn>
+              </a:cxnLst>
+              <a:rect l="0" t="0" r="r" b="b"/>
+              <a:pathLst>
+                <a:path w="266" h="468">
+                  <a:moveTo>
+                    <a:pt x="266" y="468"/>
+                  </a:moveTo>
+                  <a:lnTo>
+                    <a:pt x="0" y="310"/>
+                  </a:lnTo>
+                  <a:lnTo>
+                    <a:pt x="0" y="310"/>
+                  </a:lnTo>
+                  <a:lnTo>
+                    <a:pt x="0" y="0"/>
+                  </a:lnTo>
+                  <a:lnTo>
+                    <a:pt x="0" y="0"/>
+                  </a:lnTo>
+                  <a:lnTo>
+                    <a:pt x="266" y="159"/>
+                  </a:lnTo>
+                  <a:lnTo>
+                    <a:pt x="266" y="468"/>
+                  </a:lnTo>
+                  <a:close/>
+                </a:path>
+              </a:pathLst>
+            </a:custGeom>
+            <a:gradFill flip="none" rotWithShape="1">
+              <a:gsLst>
+                <a:gs pos="20000">
+                  <a:schemeClr val="bg2">
+                    <a:lumMod val="90000"/>
+                    <a:lumOff val="10000"/>
+                    <a:alpha val="60000"/>
+                  </a:schemeClr>
+                </a:gs>
+                <a:gs pos="100000">
+                  <a:schemeClr val="accent1">
+                    <a:lumMod val="60000"/>
+                    <a:lumOff val="40000"/>
+                  </a:schemeClr>
+                </a:gs>
+              </a:gsLst>
+              <a:lin ang="18000000" scaled="0"/>
+              <a:tileRect/>
+            </a:gradFill>
+            <a:ln>
+              <a:noFill/>
+            </a:ln>
+            <a:effectLst>
+              <a:innerShdw blurRad="254000">
+                <a:schemeClr val="bg2">
+                  <a:lumMod val="90000"/>
+                  <a:lumOff val="10000"/>
+                </a:schemeClr>
+              </a:innerShdw>
+            </a:effectLst>
+          </p:spPr>
+          <p:style>
+            <a:lnRef idx="2">
+              <a:schemeClr val="accent1">
+                <a:shade val="50000"/>
+              </a:schemeClr>
+            </a:lnRef>
+            <a:fillRef idx="1">
+              <a:schemeClr val="accent1"/>
+            </a:fillRef>
+            <a:effectRef idx="0">
+              <a:schemeClr val="accent1"/>
+            </a:effectRef>
+            <a:fontRef idx="minor">
+              <a:schemeClr val="lt1"/>
+            </a:fontRef>
+          </p:style>
+          <p:txBody>
+            <a:bodyPr rot="0" spcFirstLastPara="0" vertOverflow="overflow" horzOverflow="overflow" vert="horz" wrap="square" lIns="91440" tIns="45720" rIns="91440" bIns="45720" numCol="1" spcCol="0" rtlCol="0" fromWordArt="0" anchor="ctr" anchorCtr="0" forceAA="0" compatLnSpc="1">
+              <a:prstTxWarp prst="textNoShape">
+                <a:avLst/>
+              </a:prstTxWarp>
+              <a:noAutofit/>
+            </a:bodyPr>
+            <a:lstStyle/>
+            <a:p>
+              <a:pPr algn="ctr"/>
+              <a:endParaRPr lang="en-US"/>
+            </a:p>
+          </p:txBody>
+        </p:sp>
+        <p:sp>
+          <p:nvSpPr>
+            <p:cNvPr id="33" name="Freeform 8">
+              <a:extLst>
+                <a:ext uri="{FF2B5EF4-FFF2-40B4-BE49-F238E27FC236}">
+                  <a16:creationId xmlns:a16="http://schemas.microsoft.com/office/drawing/2014/main" id="{0BCA7138-22BA-4785-8B3D-9D45213E85C9}"/>
+                </a:ext>
+                <a:ext uri="{C183D7F6-B498-43B3-948B-1728B52AA6E4}">
+                  <adec:decorative xmlns:adec="http://schemas.microsoft.com/office/drawing/2017/decorative" val="1"/>
+                </a:ext>
+              </a:extLst>
+            </p:cNvPr>
+            <p:cNvSpPr>
+              <a:spLocks/>
+            </p:cNvSpPr>
+            <p:nvPr>
+              <p:extLst>
+                <p:ext uri="{386F3935-93C4-4BCD-93E2-E3B085C9AB24}">
+                  <p16:designElem xmlns:p16="http://schemas.microsoft.com/office/powerpoint/2015/main" val="1"/>
+                </p:ext>
+              </p:extLst>
+            </p:nvPr>
+          </p:nvSpPr>
+          <p:spPr bwMode="auto">
+            <a:xfrm rot="3600000">
+              <a:off x="8217173" y="1608753"/>
+              <a:ext cx="315144" cy="538275"/>
+            </a:xfrm>
+            <a:custGeom>
+              <a:avLst/>
+              <a:gdLst>
+                <a:gd name="T0" fmla="*/ 274 w 274"/>
+                <a:gd name="T1" fmla="*/ 0 h 468"/>
+                <a:gd name="T2" fmla="*/ 274 w 274"/>
+                <a:gd name="T3" fmla="*/ 310 h 468"/>
+                <a:gd name="T4" fmla="*/ 274 w 274"/>
+                <a:gd name="T5" fmla="*/ 310 h 468"/>
+                <a:gd name="T6" fmla="*/ 0 w 274"/>
+                <a:gd name="T7" fmla="*/ 468 h 468"/>
+                <a:gd name="T8" fmla="*/ 0 w 274"/>
+                <a:gd name="T9" fmla="*/ 159 h 468"/>
+                <a:gd name="T10" fmla="*/ 274 w 274"/>
+                <a:gd name="T11" fmla="*/ 0 h 468"/>
+                <a:gd name="T12" fmla="*/ 274 w 274"/>
+                <a:gd name="T13" fmla="*/ 0 h 468"/>
+              </a:gdLst>
+              <a:ahLst/>
+              <a:cxnLst>
+                <a:cxn ang="0">
+                  <a:pos x="T0" y="T1"/>
+                </a:cxn>
+                <a:cxn ang="0">
+                  <a:pos x="T2" y="T3"/>
+                </a:cxn>
+                <a:cxn ang="0">
+                  <a:pos x="T4" y="T5"/>
+                </a:cxn>
+                <a:cxn ang="0">
+                  <a:pos x="T6" y="T7"/>
+                </a:cxn>
+                <a:cxn ang="0">
+                  <a:pos x="T8" y="T9"/>
+                </a:cxn>
+                <a:cxn ang="0">
+                  <a:pos x="T10" y="T11"/>
+                </a:cxn>
+                <a:cxn ang="0">
+                  <a:pos x="T12" y="T13"/>
+                </a:cxn>
+              </a:cxnLst>
+              <a:rect l="0" t="0" r="r" b="b"/>
+              <a:pathLst>
+                <a:path w="274" h="468">
+                  <a:moveTo>
+                    <a:pt x="274" y="0"/>
+                  </a:moveTo>
+                  <a:lnTo>
+                    <a:pt x="274" y="310"/>
+                  </a:lnTo>
+                  <a:lnTo>
+                    <a:pt x="274" y="310"/>
+                  </a:lnTo>
+                  <a:lnTo>
+                    <a:pt x="0" y="468"/>
+                  </a:lnTo>
+                  <a:lnTo>
+                    <a:pt x="0" y="159"/>
+                  </a:lnTo>
+                  <a:lnTo>
+                    <a:pt x="274" y="0"/>
+                  </a:lnTo>
+                  <a:lnTo>
+                    <a:pt x="274" y="0"/>
+                  </a:lnTo>
+                  <a:close/>
+                </a:path>
+              </a:pathLst>
+            </a:custGeom>
+            <a:gradFill flip="none" rotWithShape="1">
+              <a:gsLst>
+                <a:gs pos="20000">
+                  <a:schemeClr val="bg2">
+                    <a:lumMod val="90000"/>
+                    <a:lumOff val="10000"/>
+                    <a:alpha val="60000"/>
+                  </a:schemeClr>
+                </a:gs>
+                <a:gs pos="100000">
+                  <a:schemeClr val="accent1">
+                    <a:lumMod val="60000"/>
+                    <a:lumOff val="40000"/>
+                    <a:alpha val="60000"/>
+                  </a:schemeClr>
+                </a:gs>
+              </a:gsLst>
+              <a:lin ang="18000000" scaled="0"/>
+              <a:tileRect/>
+            </a:gradFill>
+            <a:ln>
+              <a:noFill/>
+            </a:ln>
+            <a:effectLst>
+              <a:innerShdw blurRad="508000">
+                <a:schemeClr val="bg2"/>
+              </a:innerShdw>
+            </a:effectLst>
+          </p:spPr>
+          <p:style>
+            <a:lnRef idx="2">
+              <a:schemeClr val="accent1">
+                <a:shade val="50000"/>
+              </a:schemeClr>
+            </a:lnRef>
+            <a:fillRef idx="1">
+              <a:schemeClr val="accent1"/>
+            </a:fillRef>
+            <a:effectRef idx="0">
+              <a:schemeClr val="accent1"/>
+            </a:effectRef>
+            <a:fontRef idx="minor">
+              <a:schemeClr val="lt1"/>
+            </a:fontRef>
+          </p:style>
+          <p:txBody>
+            <a:bodyPr rot="0" spcFirstLastPara="0" vertOverflow="overflow" horzOverflow="overflow" vert="horz" wrap="square" lIns="91440" tIns="45720" rIns="91440" bIns="45720" numCol="1" spcCol="0" rtlCol="0" fromWordArt="0" anchor="ctr" anchorCtr="0" forceAA="0" compatLnSpc="1">
+              <a:prstTxWarp prst="textNoShape">
+                <a:avLst/>
+              </a:prstTxWarp>
+              <a:noAutofit/>
+            </a:bodyPr>
+            <a:lstStyle/>
+            <a:p>
+              <a:pPr algn="ctr"/>
+              <a:endParaRPr lang="en-US"/>
+            </a:p>
+          </p:txBody>
+        </p:sp>
+      </p:grpSp>
+      <p:pic>
+        <p:nvPicPr>
+          <p:cNvPr id="5" name="Bildobjekt 4" descr="En bild som visar text&#10;&#10;Automatiskt genererad beskrivning">
+            <a:extLst>
+              <a:ext uri="{FF2B5EF4-FFF2-40B4-BE49-F238E27FC236}">
+                <a16:creationId xmlns:a16="http://schemas.microsoft.com/office/drawing/2014/main" id="{EC735EF0-83B3-C843-B0AA-F6F0BEFB7667}"/>
+              </a:ext>
+            </a:extLst>
+          </p:cNvPr>
+          <p:cNvPicPr>
+            <a:picLocks noChangeAspect="1"/>
+          </p:cNvPicPr>
+          <p:nvPr/>
+        </p:nvPicPr>
+        <p:blipFill>
+          <a:blip r:embed="rId2">
+            <a:extLst>
+              <a:ext uri="{28A0092B-C50C-407E-A947-70E740481C1C}">
+                <a14:useLocalDpi xmlns:a14="http://schemas.microsoft.com/office/drawing/2010/main" val="0"/>
+              </a:ext>
+            </a:extLst>
+          </a:blip>
+          <a:stretch>
+            <a:fillRect/>
+          </a:stretch>
+        </p:blipFill>
+        <p:spPr>
+          <a:xfrm>
+            <a:off x="4295776" y="831372"/>
+            <a:ext cx="7345363" cy="5196842"/>
+          </a:xfrm>
+          <a:custGeom>
+            <a:avLst/>
+            <a:gdLst/>
+            <a:ahLst/>
+            <a:cxnLst/>
+            <a:rect l="l" t="t" r="r" b="b"/>
+            <a:pathLst>
+              <a:path w="7345363" h="5761037">
+                <a:moveTo>
+                  <a:pt x="0" y="0"/>
+                </a:moveTo>
+                <a:lnTo>
+                  <a:pt x="7345363" y="0"/>
+                </a:lnTo>
+                <a:lnTo>
+                  <a:pt x="7345363" y="5761037"/>
+                </a:lnTo>
+                <a:lnTo>
+                  <a:pt x="0" y="5761037"/>
+                </a:lnTo>
+                <a:close/>
+              </a:path>
+            </a:pathLst>
+          </a:custGeom>
+        </p:spPr>
+      </p:pic>
+    </p:spTree>
+    <p:extLst>
+      <p:ext uri="{BB962C8B-B14F-4D97-AF65-F5344CB8AC3E}">
+        <p14:creationId xmlns:p14="http://schemas.microsoft.com/office/powerpoint/2010/main" val="3911615302"/>
+      </p:ext>
+    </p:extLst>
+  </p:cSld>
+  <p:clrMapOvr>
+    <a:masterClrMapping/>
+  </p:clrMapOvr>
+</p:sld>
+</file>
+
+<file path=ppt/slides/slide6.xml><?xml version="1.0" encoding="utf-8"?>
+<p:sld xmlns:a="http://schemas.openxmlformats.org/drawingml/2006/main" xmlns:r="http://schemas.openxmlformats.org/officeDocument/2006/relationships" xmlns:p="http://schemas.openxmlformats.org/presentationml/2006/main">
+  <p:cSld>
+    <p:bg>
+      <p:bgPr>
+        <a:solidFill>
+          <a:schemeClr val="bg2"/>
+        </a:solidFill>
+        <a:effectLst/>
+      </p:bgPr>
+    </p:bg>
+    <p:spTree>
+      <p:nvGrpSpPr>
+        <p:cNvPr id="1" name=""/>
+        <p:cNvGrpSpPr/>
+        <p:nvPr/>
+      </p:nvGrpSpPr>
+      <p:grpSpPr>
+        <a:xfrm>
+          <a:off x="0" y="0"/>
+          <a:ext cx="0" cy="0"/>
+          <a:chOff x="0" y="0"/>
+          <a:chExt cx="0" cy="0"/>
+        </a:xfrm>
+      </p:grpSpPr>
+      <p:sp>
+        <p:nvSpPr>
+          <p:cNvPr id="52" name="Freeform: Shape 51">
+            <a:extLst>
+              <a:ext uri="{FF2B5EF4-FFF2-40B4-BE49-F238E27FC236}">
+                <a16:creationId xmlns:a16="http://schemas.microsoft.com/office/drawing/2014/main" id="{82184FF4-7029-4ED7-813A-192E60608764}"/>
+              </a:ext>
+              <a:ext uri="{C183D7F6-B498-43B3-948B-1728B52AA6E4}">
+                <adec:decorative xmlns:adec="http://schemas.microsoft.com/office/drawing/2017/decorative" val="1"/>
+              </a:ext>
+            </a:extLst>
+          </p:cNvPr>
+          <p:cNvSpPr>
+            <a:spLocks noGrp="1" noRot="1" noChangeAspect="1" noMove="1" noResize="1" noEditPoints="1" noAdjustHandles="1" noChangeArrowheads="1" noChangeShapeType="1" noTextEdit="1"/>
+          </p:cNvSpPr>
+          <p:nvPr>
+            <p:extLst>
+              <p:ext uri="{386F3935-93C4-4BCD-93E2-E3B085C9AB24}">
+                <p16:designElem xmlns:p16="http://schemas.microsoft.com/office/powerpoint/2015/main" val="1"/>
+              </p:ext>
+            </p:extLst>
+          </p:nvPr>
+        </p:nvSpPr>
+        <p:spPr>
+          <a:xfrm rot="2700000">
+            <a:off x="612445" y="481888"/>
+            <a:ext cx="1080000" cy="1262947"/>
+          </a:xfrm>
+          <a:custGeom>
+            <a:avLst/>
+            <a:gdLst/>
+            <a:ahLst/>
+            <a:cxnLst/>
+            <a:rect l="l" t="t" r="r" b="b"/>
+            <a:pathLst>
+              <a:path w="1080000" h="1262947">
+                <a:moveTo>
+                  <a:pt x="540000" y="0"/>
+                </a:moveTo>
+                <a:lnTo>
+                  <a:pt x="1064374" y="931034"/>
+                </a:lnTo>
+                <a:lnTo>
+                  <a:pt x="1069029" y="938533"/>
+                </a:lnTo>
+                <a:cubicBezTo>
+                  <a:pt x="1076223" y="956109"/>
+                  <a:pt x="1080000" y="974307"/>
+                  <a:pt x="1080000" y="992947"/>
+                </a:cubicBezTo>
+                <a:cubicBezTo>
+                  <a:pt x="1080000" y="1142064"/>
+                  <a:pt x="838234" y="1262947"/>
+                  <a:pt x="540000" y="1262947"/>
+                </a:cubicBezTo>
+                <a:cubicBezTo>
+                  <a:pt x="241766" y="1262947"/>
+                  <a:pt x="0" y="1142064"/>
+                  <a:pt x="0" y="992947"/>
+                </a:cubicBezTo>
+                <a:cubicBezTo>
+                  <a:pt x="0" y="974307"/>
+                  <a:pt x="3778" y="956109"/>
+                  <a:pt x="10971" y="938533"/>
+                </a:cubicBezTo>
+                <a:lnTo>
+                  <a:pt x="15626" y="931034"/>
+                </a:lnTo>
+                <a:lnTo>
+                  <a:pt x="540000" y="0"/>
+                </a:lnTo>
+                <a:close/>
+              </a:path>
+            </a:pathLst>
+          </a:custGeom>
+          <a:gradFill>
+            <a:gsLst>
+              <a:gs pos="60000">
+                <a:schemeClr val="bg2">
+                  <a:lumMod val="90000"/>
+                  <a:lumOff val="10000"/>
+                </a:schemeClr>
+              </a:gs>
+              <a:gs pos="30000">
+                <a:schemeClr val="bg2">
+                  <a:lumMod val="90000"/>
+                  <a:lumOff val="10000"/>
+                </a:schemeClr>
+              </a:gs>
+              <a:gs pos="40000">
+                <a:schemeClr val="bg2">
+                  <a:lumMod val="75000"/>
+                  <a:lumOff val="25000"/>
+                </a:schemeClr>
+              </a:gs>
+              <a:gs pos="100000">
+                <a:schemeClr val="bg2"/>
+              </a:gs>
+            </a:gsLst>
+            <a:lin ang="600000" scaled="0"/>
+          </a:gradFill>
+          <a:ln>
+            <a:noFill/>
+          </a:ln>
+          <a:effectLst>
+            <a:innerShdw blurRad="254000" dist="101600" dir="2700000">
+              <a:schemeClr val="accent1">
+                <a:lumMod val="60000"/>
+                <a:lumOff val="40000"/>
+                <a:alpha val="40000"/>
+              </a:schemeClr>
+            </a:innerShdw>
+          </a:effectLst>
+        </p:spPr>
+        <p:style>
+          <a:lnRef idx="2">
+            <a:schemeClr val="accent1">
+              <a:shade val="50000"/>
+            </a:schemeClr>
+          </a:lnRef>
+          <a:fillRef idx="1">
+            <a:schemeClr val="accent1"/>
+          </a:fillRef>
+          <a:effectRef idx="0">
+            <a:schemeClr val="accent1"/>
+          </a:effectRef>
+          <a:fontRef idx="minor">
+            <a:schemeClr val="lt1"/>
+          </a:fontRef>
+        </p:style>
+        <p:txBody>
+          <a:bodyPr rot="0" spcFirstLastPara="0" vertOverflow="overflow" horzOverflow="overflow" vert="horz" wrap="square" lIns="91440" tIns="45720" rIns="91440" bIns="45720" numCol="1" spcCol="0" rtlCol="0" fromWordArt="0" anchor="ctr" anchorCtr="0" forceAA="0" compatLnSpc="1">
+            <a:prstTxWarp prst="textNoShape">
+              <a:avLst/>
+            </a:prstTxWarp>
+            <a:noAutofit/>
+          </a:bodyPr>
+          <a:lstStyle/>
+          <a:p>
+            <a:pPr algn="ctr"/>
+            <a:endParaRPr lang="en-US"/>
+          </a:p>
+        </p:txBody>
+      </p:sp>
+      <p:sp>
+        <p:nvSpPr>
+          <p:cNvPr id="54" name="Oval 53">
+            <a:extLst>
+              <a:ext uri="{FF2B5EF4-FFF2-40B4-BE49-F238E27FC236}">
+                <a16:creationId xmlns:a16="http://schemas.microsoft.com/office/drawing/2014/main" id="{AAA7AB09-557C-41AD-9113-FF9F68FA1035}"/>
+              </a:ext>
+              <a:ext uri="{C183D7F6-B498-43B3-948B-1728B52AA6E4}">
+                <adec:decorative xmlns:adec="http://schemas.microsoft.com/office/drawing/2017/decorative" val="1"/>
+              </a:ext>
+            </a:extLst>
+          </p:cNvPr>
+          <p:cNvSpPr>
+            <a:spLocks noGrp="1" noRot="1" noChangeAspect="1" noMove="1" noResize="1" noEditPoints="1" noAdjustHandles="1" noChangeArrowheads="1" noChangeShapeType="1" noTextEdit="1"/>
+          </p:cNvSpPr>
+          <p:nvPr>
+            <p:extLst>
+              <p:ext uri="{386F3935-93C4-4BCD-93E2-E3B085C9AB24}">
+                <p16:designElem xmlns:p16="http://schemas.microsoft.com/office/powerpoint/2015/main" val="1"/>
+              </p:ext>
+            </p:extLst>
+          </p:nvPr>
+        </p:nvSpPr>
+        <p:spPr>
+          <a:xfrm rot="8100000">
+            <a:off x="626845" y="828962"/>
+            <a:ext cx="540000" cy="1080000"/>
+          </a:xfrm>
+          <a:prstGeom prst="ellipse">
+            <a:avLst/>
+          </a:prstGeom>
+          <a:gradFill>
+            <a:gsLst>
+              <a:gs pos="100000">
+                <a:schemeClr val="bg2">
+                  <a:lumMod val="90000"/>
+                  <a:lumOff val="10000"/>
+                </a:schemeClr>
+              </a:gs>
+              <a:gs pos="50000">
+                <a:schemeClr val="bg2">
+                  <a:lumMod val="95000"/>
+                  <a:lumOff val="5000"/>
+                </a:schemeClr>
+              </a:gs>
+            </a:gsLst>
+            <a:lin ang="5400000" scaled="0"/>
+          </a:gradFill>
+          <a:ln>
+            <a:noFill/>
+          </a:ln>
+          <a:effectLst>
+            <a:innerShdw blurRad="1270000" dist="2540000">
+              <a:schemeClr val="accent1">
+                <a:lumMod val="60000"/>
+                <a:lumOff val="40000"/>
+                <a:alpha val="0"/>
+              </a:schemeClr>
+            </a:innerShdw>
+          </a:effectLst>
+        </p:spPr>
+        <p:style>
+          <a:lnRef idx="2">
+            <a:schemeClr val="accent1">
+              <a:shade val="50000"/>
+            </a:schemeClr>
+          </a:lnRef>
+          <a:fillRef idx="1">
+            <a:schemeClr val="accent1"/>
+          </a:fillRef>
+          <a:effectRef idx="0">
+            <a:schemeClr val="accent1"/>
+          </a:effectRef>
+          <a:fontRef idx="minor">
+            <a:schemeClr val="lt1"/>
+          </a:fontRef>
+        </p:style>
+        <p:txBody>
+          <a:bodyPr rot="0" spcFirstLastPara="0" vertOverflow="overflow" horzOverflow="overflow" vert="horz" wrap="square" lIns="91440" tIns="45720" rIns="91440" bIns="45720" numCol="1" spcCol="0" rtlCol="0" fromWordArt="0" anchor="ctr" anchorCtr="0" forceAA="0" compatLnSpc="1">
+            <a:prstTxWarp prst="textNoShape">
+              <a:avLst/>
+            </a:prstTxWarp>
+            <a:noAutofit/>
+          </a:bodyPr>
+          <a:lstStyle/>
+          <a:p>
+            <a:pPr algn="ctr"/>
+            <a:endParaRPr lang="en-US"/>
+          </a:p>
+        </p:txBody>
+      </p:sp>
+      <p:sp>
+        <p:nvSpPr>
+          <p:cNvPr id="56" name="Oval 55">
+            <a:extLst>
+              <a:ext uri="{FF2B5EF4-FFF2-40B4-BE49-F238E27FC236}">
+                <a16:creationId xmlns:a16="http://schemas.microsoft.com/office/drawing/2014/main" id="{EF99ECAA-1F11-4937-BBA6-51935AB44C9D}"/>
+              </a:ext>
+              <a:ext uri="{C183D7F6-B498-43B3-948B-1728B52AA6E4}">
+                <adec:decorative xmlns:adec="http://schemas.microsoft.com/office/drawing/2017/decorative" val="1"/>
+              </a:ext>
+            </a:extLst>
+          </p:cNvPr>
+          <p:cNvSpPr>
+            <a:spLocks noGrp="1" noRot="1" noChangeAspect="1" noMove="1" noResize="1" noEditPoints="1" noAdjustHandles="1" noChangeArrowheads="1" noChangeShapeType="1" noTextEdit="1"/>
+          </p:cNvSpPr>
+          <p:nvPr>
+            <p:extLst>
+              <p:ext uri="{386F3935-93C4-4BCD-93E2-E3B085C9AB24}">
+                <p16:designElem xmlns:p16="http://schemas.microsoft.com/office/powerpoint/2015/main" val="1"/>
+              </p:ext>
+            </p:extLst>
+          </p:nvPr>
+        </p:nvSpPr>
+        <p:spPr>
+          <a:xfrm>
+            <a:off x="1800802" y="2472855"/>
+            <a:ext cx="360000" cy="360000"/>
+          </a:xfrm>
+          <a:prstGeom prst="ellipse">
+            <a:avLst/>
+          </a:prstGeom>
+          <a:gradFill flip="none" rotWithShape="1">
+            <a:gsLst>
+              <a:gs pos="100000">
+                <a:schemeClr val="bg2">
+                  <a:lumMod val="50000"/>
+                  <a:lumOff val="50000"/>
+                </a:schemeClr>
+              </a:gs>
+              <a:gs pos="60000">
+                <a:schemeClr val="bg2"/>
+              </a:gs>
+            </a:gsLst>
+            <a:path path="circle">
+              <a:fillToRect l="100000" b="100000"/>
+            </a:path>
+            <a:tileRect t="-100000" r="-100000"/>
+          </a:gradFill>
+          <a:ln>
+            <a:noFill/>
+          </a:ln>
+          <a:effectLst>
+            <a:innerShdw blurRad="127000" dist="63500" dir="2700000">
+              <a:schemeClr val="accent1">
+                <a:lumMod val="60000"/>
+                <a:lumOff val="40000"/>
+                <a:alpha val="20000"/>
+              </a:schemeClr>
+            </a:innerShdw>
+            <a:softEdge rad="0"/>
+          </a:effectLst>
+        </p:spPr>
+        <p:style>
+          <a:lnRef idx="2">
+            <a:schemeClr val="accent1">
+              <a:shade val="50000"/>
+            </a:schemeClr>
+          </a:lnRef>
+          <a:fillRef idx="1">
+            <a:schemeClr val="accent1"/>
+          </a:fillRef>
+          <a:effectRef idx="0">
+            <a:schemeClr val="accent1"/>
+          </a:effectRef>
+          <a:fontRef idx="minor">
+            <a:schemeClr val="lt1"/>
+          </a:fontRef>
+        </p:style>
+        <p:txBody>
+          <a:bodyPr rot="0" spcFirstLastPara="0" vertOverflow="overflow" horzOverflow="overflow" vert="horz" wrap="square" lIns="91440" tIns="45720" rIns="91440" bIns="45720" numCol="1" spcCol="0" rtlCol="0" fromWordArt="0" anchor="ctr" anchorCtr="0" forceAA="0" compatLnSpc="1">
+            <a:prstTxWarp prst="textNoShape">
+              <a:avLst/>
+            </a:prstTxWarp>
+            <a:noAutofit/>
+          </a:bodyPr>
+          <a:lstStyle/>
+          <a:p>
+            <a:pPr algn="ctr"/>
+            <a:endParaRPr lang="en-US"/>
+          </a:p>
+        </p:txBody>
+      </p:sp>
+      <p:grpSp>
+        <p:nvGrpSpPr>
+          <p:cNvPr id="58" name="Group 57">
+            <a:extLst>
+              <a:ext uri="{FF2B5EF4-FFF2-40B4-BE49-F238E27FC236}">
+                <a16:creationId xmlns:a16="http://schemas.microsoft.com/office/drawing/2014/main" id="{79DE9FAB-6BBA-4CFE-B67D-77B47F01ECA4}"/>
+              </a:ext>
+              <a:ext uri="{C183D7F6-B498-43B3-948B-1728B52AA6E4}">
+                <adec:decorative xmlns:adec="http://schemas.microsoft.com/office/drawing/2017/decorative" val="1"/>
+              </a:ext>
+            </a:extLst>
+          </p:cNvPr>
+          <p:cNvGrpSpPr>
+            <a:grpSpLocks noGrp="1" noUngrp="1" noRot="1" noChangeAspect="1" noMove="1" noResize="1"/>
+          </p:cNvGrpSpPr>
+          <p:nvPr>
+            <p:extLst>
+              <p:ext uri="{386F3935-93C4-4BCD-93E2-E3B085C9AB24}">
+                <p16:designElem xmlns:p16="http://schemas.microsoft.com/office/powerpoint/2015/main" val="1"/>
+              </p:ext>
+            </p:extLst>
+          </p:nvPr>
+        </p:nvGrpSpPr>
+        <p:grpSpPr>
+          <a:xfrm>
+            <a:off x="1329952" y="4524379"/>
+            <a:ext cx="1980001" cy="1363916"/>
+            <a:chOff x="4879602" y="3781429"/>
+            <a:chExt cx="1980001" cy="1363916"/>
+          </a:xfrm>
+        </p:grpSpPr>
+        <p:sp>
+          <p:nvSpPr>
+            <p:cNvPr id="59" name="Freeform: Shape 58">
+              <a:extLst>
+                <a:ext uri="{FF2B5EF4-FFF2-40B4-BE49-F238E27FC236}">
+                  <a16:creationId xmlns:a16="http://schemas.microsoft.com/office/drawing/2014/main" id="{79FAC916-D9BB-4794-81B4-7C47C67E850D}"/>
+                </a:ext>
+                <a:ext uri="{C183D7F6-B498-43B3-948B-1728B52AA6E4}">
+                  <adec:decorative xmlns:adec="http://schemas.microsoft.com/office/drawing/2017/decorative" val="1"/>
+                </a:ext>
+              </a:extLst>
+            </p:cNvPr>
+            <p:cNvSpPr>
+              <a:spLocks noChangeAspect="1"/>
+            </p:cNvSpPr>
+            <p:nvPr>
+              <p:extLst>
+                <p:ext uri="{386F3935-93C4-4BCD-93E2-E3B085C9AB24}">
+                  <p16:designElem xmlns:p16="http://schemas.microsoft.com/office/powerpoint/2015/main" val="1"/>
+                </p:ext>
+              </p:extLst>
+            </p:nvPr>
+          </p:nvSpPr>
+          <p:spPr>
+            <a:xfrm rot="18900000" flipV="1">
+              <a:off x="5005634" y="4191206"/>
+              <a:ext cx="1853969" cy="926985"/>
+            </a:xfrm>
+            <a:custGeom>
+              <a:avLst/>
+              <a:gdLst>
+                <a:gd name="connsiteX0" fmla="*/ 1329373 w 2658746"/>
+                <a:gd name="connsiteY0" fmla="*/ 0 h 1329373"/>
+                <a:gd name="connsiteX1" fmla="*/ 2658746 w 2658746"/>
+                <a:gd name="connsiteY1" fmla="*/ 1329373 h 1329373"/>
+                <a:gd name="connsiteX2" fmla="*/ 1994059 w 2658746"/>
+                <a:gd name="connsiteY2" fmla="*/ 1329373 h 1329373"/>
+                <a:gd name="connsiteX3" fmla="*/ 1329373 w 2658746"/>
+                <a:gd name="connsiteY3" fmla="*/ 664687 h 1329373"/>
+                <a:gd name="connsiteX4" fmla="*/ 664687 w 2658746"/>
+                <a:gd name="connsiteY4" fmla="*/ 1329373 h 1329373"/>
+                <a:gd name="connsiteX5" fmla="*/ 0 w 2658746"/>
+                <a:gd name="connsiteY5" fmla="*/ 1329373 h 1329373"/>
+                <a:gd name="connsiteX6" fmla="*/ 1329373 w 2658746"/>
+                <a:gd name="connsiteY6" fmla="*/ 0 h 1329373"/>
+              </a:gdLst>
+              <a:ahLst/>
+              <a:cxnLst>
+                <a:cxn ang="0">
+                  <a:pos x="connsiteX0" y="connsiteY0"/>
+                </a:cxn>
+                <a:cxn ang="0">
+                  <a:pos x="connsiteX1" y="connsiteY1"/>
+                </a:cxn>
+                <a:cxn ang="0">
+                  <a:pos x="connsiteX2" y="connsiteY2"/>
+                </a:cxn>
+                <a:cxn ang="0">
+                  <a:pos x="connsiteX3" y="connsiteY3"/>
+                </a:cxn>
+                <a:cxn ang="0">
+                  <a:pos x="connsiteX4" y="connsiteY4"/>
+                </a:cxn>
+                <a:cxn ang="0">
+                  <a:pos x="connsiteX5" y="connsiteY5"/>
+                </a:cxn>
+                <a:cxn ang="0">
+                  <a:pos x="connsiteX6" y="connsiteY6"/>
+                </a:cxn>
+              </a:cxnLst>
+              <a:rect l="l" t="t" r="r" b="b"/>
+              <a:pathLst>
+                <a:path w="2658746" h="1329373">
+                  <a:moveTo>
+                    <a:pt x="1329373" y="0"/>
+                  </a:moveTo>
+                  <a:cubicBezTo>
+                    <a:pt x="2063565" y="0"/>
+                    <a:pt x="2658746" y="595181"/>
+                    <a:pt x="2658746" y="1329373"/>
+                  </a:cubicBezTo>
+                  <a:lnTo>
+                    <a:pt x="1994059" y="1329373"/>
+                  </a:lnTo>
+                  <a:cubicBezTo>
+                    <a:pt x="1994059" y="962277"/>
+                    <a:pt x="1696469" y="664687"/>
+                    <a:pt x="1329373" y="664687"/>
+                  </a:cubicBezTo>
+                  <a:cubicBezTo>
+                    <a:pt x="962277" y="664687"/>
+                    <a:pt x="664687" y="962277"/>
+                    <a:pt x="664687" y="1329373"/>
+                  </a:cubicBezTo>
+                  <a:lnTo>
+                    <a:pt x="0" y="1329373"/>
+                  </a:lnTo>
+                  <a:cubicBezTo>
+                    <a:pt x="0" y="595181"/>
+                    <a:pt x="595181" y="0"/>
+                    <a:pt x="1329373" y="0"/>
+                  </a:cubicBezTo>
+                  <a:close/>
+                </a:path>
+              </a:pathLst>
+            </a:custGeom>
+            <a:solidFill>
+              <a:schemeClr val="bg2"/>
+            </a:solidFill>
+            <a:ln>
+              <a:noFill/>
+            </a:ln>
+            <a:effectLst>
+              <a:innerShdw blurRad="254000" dist="50800" dir="16200000">
+                <a:schemeClr val="accent1">
+                  <a:lumMod val="40000"/>
+                  <a:lumOff val="60000"/>
+                  <a:alpha val="40000"/>
+                </a:schemeClr>
+              </a:innerShdw>
+            </a:effectLst>
+          </p:spPr>
+          <p:style>
+            <a:lnRef idx="2">
+              <a:schemeClr val="accent1">
+                <a:shade val="50000"/>
+              </a:schemeClr>
+            </a:lnRef>
+            <a:fillRef idx="1">
+              <a:schemeClr val="accent1"/>
+            </a:fillRef>
+            <a:effectRef idx="0">
+              <a:schemeClr val="accent1"/>
+            </a:effectRef>
+            <a:fontRef idx="minor">
+              <a:schemeClr val="lt1"/>
+            </a:fontRef>
+          </p:style>
+          <p:txBody>
+            <a:bodyPr rtlCol="0" anchor="ctr"/>
+            <a:lstStyle/>
+            <a:p>
+              <a:pPr algn="ctr"/>
+              <a:endParaRPr lang="en-US"/>
+            </a:p>
+          </p:txBody>
+        </p:sp>
+        <p:sp>
+          <p:nvSpPr>
+            <p:cNvPr id="60" name="Freeform: Shape 59">
+              <a:extLst>
+                <a:ext uri="{FF2B5EF4-FFF2-40B4-BE49-F238E27FC236}">
+                  <a16:creationId xmlns:a16="http://schemas.microsoft.com/office/drawing/2014/main" id="{B5CA2231-7A65-4D16-8400-A210CC41DB73}"/>
+                </a:ext>
+                <a:ext uri="{C183D7F6-B498-43B3-948B-1728B52AA6E4}">
+                  <adec:decorative xmlns:adec="http://schemas.microsoft.com/office/drawing/2017/decorative" val="1"/>
+                </a:ext>
+              </a:extLst>
+            </p:cNvPr>
+            <p:cNvSpPr>
+              <a:spLocks noChangeAspect="1"/>
+            </p:cNvSpPr>
+            <p:nvPr>
+              <p:extLst>
+                <p:ext uri="{386F3935-93C4-4BCD-93E2-E3B085C9AB24}">
+                  <p16:designElem xmlns:p16="http://schemas.microsoft.com/office/powerpoint/2015/main" val="1"/>
+                </p:ext>
+              </p:extLst>
+            </p:nvPr>
+          </p:nvSpPr>
+          <p:spPr>
+            <a:xfrm rot="18900000" flipV="1">
+              <a:off x="4957101" y="4052255"/>
+              <a:ext cx="1853969" cy="1093090"/>
+            </a:xfrm>
+            <a:custGeom>
+              <a:avLst/>
+              <a:gdLst>
+                <a:gd name="connsiteX0" fmla="*/ 1329373 w 2658746"/>
+                <a:gd name="connsiteY0" fmla="*/ 0 h 1329373"/>
+                <a:gd name="connsiteX1" fmla="*/ 2658746 w 2658746"/>
+                <a:gd name="connsiteY1" fmla="*/ 1329373 h 1329373"/>
+                <a:gd name="connsiteX2" fmla="*/ 1994059 w 2658746"/>
+                <a:gd name="connsiteY2" fmla="*/ 1329373 h 1329373"/>
+                <a:gd name="connsiteX3" fmla="*/ 1329373 w 2658746"/>
+                <a:gd name="connsiteY3" fmla="*/ 664687 h 1329373"/>
+                <a:gd name="connsiteX4" fmla="*/ 664687 w 2658746"/>
+                <a:gd name="connsiteY4" fmla="*/ 1329373 h 1329373"/>
+                <a:gd name="connsiteX5" fmla="*/ 0 w 2658746"/>
+                <a:gd name="connsiteY5" fmla="*/ 1329373 h 1329373"/>
+                <a:gd name="connsiteX6" fmla="*/ 1329373 w 2658746"/>
+                <a:gd name="connsiteY6" fmla="*/ 0 h 1329373"/>
+              </a:gdLst>
+              <a:ahLst/>
+              <a:cxnLst>
+                <a:cxn ang="0">
+                  <a:pos x="connsiteX0" y="connsiteY0"/>
+                </a:cxn>
+                <a:cxn ang="0">
+                  <a:pos x="connsiteX1" y="connsiteY1"/>
+                </a:cxn>
+                <a:cxn ang="0">
+                  <a:pos x="connsiteX2" y="connsiteY2"/>
+                </a:cxn>
+                <a:cxn ang="0">
+                  <a:pos x="connsiteX3" y="connsiteY3"/>
+                </a:cxn>
+                <a:cxn ang="0">
+                  <a:pos x="connsiteX4" y="connsiteY4"/>
+                </a:cxn>
+                <a:cxn ang="0">
+                  <a:pos x="connsiteX5" y="connsiteY5"/>
+                </a:cxn>
+                <a:cxn ang="0">
+                  <a:pos x="connsiteX6" y="connsiteY6"/>
+                </a:cxn>
+              </a:cxnLst>
+              <a:rect l="l" t="t" r="r" b="b"/>
+              <a:pathLst>
+                <a:path w="2658746" h="1329373">
+                  <a:moveTo>
+                    <a:pt x="1329373" y="0"/>
+                  </a:moveTo>
+                  <a:cubicBezTo>
+                    <a:pt x="2063565" y="0"/>
+                    <a:pt x="2658746" y="595181"/>
+                    <a:pt x="2658746" y="1329373"/>
+                  </a:cubicBezTo>
+                  <a:lnTo>
+                    <a:pt x="1994059" y="1329373"/>
+                  </a:lnTo>
+                  <a:cubicBezTo>
+                    <a:pt x="1994059" y="962277"/>
+                    <a:pt x="1696469" y="664687"/>
+                    <a:pt x="1329373" y="664687"/>
+                  </a:cubicBezTo>
+                  <a:cubicBezTo>
+                    <a:pt x="962277" y="664687"/>
+                    <a:pt x="664687" y="962277"/>
+                    <a:pt x="664687" y="1329373"/>
+                  </a:cubicBezTo>
+                  <a:lnTo>
+                    <a:pt x="0" y="1329373"/>
+                  </a:lnTo>
+                  <a:cubicBezTo>
+                    <a:pt x="0" y="595181"/>
+                    <a:pt x="595181" y="0"/>
+                    <a:pt x="1329373" y="0"/>
+                  </a:cubicBezTo>
+                  <a:close/>
+                </a:path>
+              </a:pathLst>
+            </a:custGeom>
+            <a:solidFill>
+              <a:schemeClr val="bg2">
+                <a:lumMod val="50000"/>
+                <a:lumOff val="50000"/>
+                <a:alpha val="40000"/>
+              </a:schemeClr>
+            </a:solidFill>
+            <a:ln>
+              <a:noFill/>
+            </a:ln>
+            <a:effectLst>
+              <a:softEdge rad="190500"/>
+            </a:effectLst>
+          </p:spPr>
+          <p:style>
+            <a:lnRef idx="2">
+              <a:schemeClr val="accent1">
+                <a:shade val="50000"/>
+              </a:schemeClr>
+            </a:lnRef>
+            <a:fillRef idx="1">
+              <a:schemeClr val="accent1"/>
+            </a:fillRef>
+            <a:effectRef idx="0">
+              <a:schemeClr val="accent1"/>
+            </a:effectRef>
+            <a:fontRef idx="minor">
+              <a:schemeClr val="lt1"/>
+            </a:fontRef>
+          </p:style>
+          <p:txBody>
+            <a:bodyPr rtlCol="0" anchor="ctr"/>
+            <a:lstStyle/>
+            <a:p>
+              <a:pPr algn="ctr"/>
+              <a:endParaRPr lang="en-US">
+                <a:solidFill>
+                  <a:schemeClr val="tx1"/>
+                </a:solidFill>
+              </a:endParaRPr>
+            </a:p>
+          </p:txBody>
+        </p:sp>
+        <p:sp>
+          <p:nvSpPr>
+            <p:cNvPr id="61" name="Oval 60">
+              <a:extLst>
+                <a:ext uri="{FF2B5EF4-FFF2-40B4-BE49-F238E27FC236}">
+                  <a16:creationId xmlns:a16="http://schemas.microsoft.com/office/drawing/2014/main" id="{4B089C8C-B82B-4704-88E2-E857A5E21529}"/>
+                </a:ext>
+                <a:ext uri="{C183D7F6-B498-43B3-948B-1728B52AA6E4}">
+                  <adec:decorative xmlns:adec="http://schemas.microsoft.com/office/drawing/2017/decorative" val="1"/>
+                </a:ext>
+              </a:extLst>
+            </p:cNvPr>
+            <p:cNvSpPr/>
+            <p:nvPr>
+              <p:extLst>
+                <p:ext uri="{386F3935-93C4-4BCD-93E2-E3B085C9AB24}">
+                  <p16:designElem xmlns:p16="http://schemas.microsoft.com/office/powerpoint/2015/main" val="1"/>
+                </p:ext>
+              </p:extLst>
+            </p:nvPr>
+          </p:nvSpPr>
+          <p:spPr>
+            <a:xfrm rot="13500000" flipV="1">
+              <a:off x="6040374" y="3601683"/>
+              <a:ext cx="107098" cy="466589"/>
+            </a:xfrm>
+            <a:prstGeom prst="ellipse">
+              <a:avLst/>
+            </a:prstGeom>
+            <a:solidFill>
+              <a:schemeClr val="bg2">
+                <a:lumMod val="90000"/>
+                <a:lumOff val="10000"/>
+              </a:schemeClr>
+            </a:solidFill>
+            <a:ln>
+              <a:noFill/>
+            </a:ln>
+            <a:effectLst>
+              <a:innerShdw blurRad="63500" dist="2540000">
+                <a:schemeClr val="accent1">
+                  <a:lumMod val="60000"/>
+                  <a:lumOff val="40000"/>
+                  <a:alpha val="0"/>
+                </a:schemeClr>
+              </a:innerShdw>
+            </a:effectLst>
+          </p:spPr>
+          <p:style>
+            <a:lnRef idx="2">
+              <a:schemeClr val="accent1">
+                <a:shade val="50000"/>
+              </a:schemeClr>
+            </a:lnRef>
+            <a:fillRef idx="1">
+              <a:schemeClr val="accent1"/>
+            </a:fillRef>
+            <a:effectRef idx="0">
+              <a:schemeClr val="accent1"/>
+            </a:effectRef>
+            <a:fontRef idx="minor">
+              <a:schemeClr val="lt1"/>
+            </a:fontRef>
+          </p:style>
+          <p:txBody>
+            <a:bodyPr rot="0" spcFirstLastPara="0" vertOverflow="overflow" horzOverflow="overflow" vert="horz" wrap="square" lIns="91440" tIns="45720" rIns="91440" bIns="45720" numCol="1" spcCol="0" rtlCol="0" fromWordArt="0" anchor="ctr" anchorCtr="0" forceAA="0" compatLnSpc="1">
+              <a:prstTxWarp prst="textNoShape">
+                <a:avLst/>
+              </a:prstTxWarp>
+              <a:noAutofit/>
+            </a:bodyPr>
+            <a:lstStyle/>
+            <a:p>
+              <a:pPr algn="ctr"/>
+              <a:endParaRPr lang="en-US"/>
+            </a:p>
+          </p:txBody>
+        </p:sp>
+        <p:sp>
+          <p:nvSpPr>
+            <p:cNvPr id="62" name="Oval 61">
+              <a:extLst>
+                <a:ext uri="{FF2B5EF4-FFF2-40B4-BE49-F238E27FC236}">
+                  <a16:creationId xmlns:a16="http://schemas.microsoft.com/office/drawing/2014/main" id="{434B90C8-5B4D-456E-AD99-80EF748FDD72}"/>
+                </a:ext>
+                <a:ext uri="{C183D7F6-B498-43B3-948B-1728B52AA6E4}">
+                  <adec:decorative xmlns:adec="http://schemas.microsoft.com/office/drawing/2017/decorative" val="1"/>
+                </a:ext>
+              </a:extLst>
+            </p:cNvPr>
+            <p:cNvSpPr/>
+            <p:nvPr>
+              <p:extLst>
+                <p:ext uri="{386F3935-93C4-4BCD-93E2-E3B085C9AB24}">
+                  <p16:designElem xmlns:p16="http://schemas.microsoft.com/office/powerpoint/2015/main" val="1"/>
+                </p:ext>
+              </p:extLst>
+            </p:nvPr>
+          </p:nvSpPr>
+          <p:spPr>
+            <a:xfrm rot="13500000" flipV="1">
+              <a:off x="5059348" y="4582709"/>
+              <a:ext cx="107098" cy="466589"/>
+            </a:xfrm>
+            <a:prstGeom prst="ellipse">
+              <a:avLst/>
+            </a:prstGeom>
+            <a:solidFill>
+              <a:schemeClr val="bg2">
+                <a:lumMod val="90000"/>
+                <a:lumOff val="10000"/>
+              </a:schemeClr>
+            </a:solidFill>
+            <a:ln>
+              <a:noFill/>
+            </a:ln>
+            <a:effectLst>
+              <a:innerShdw blurRad="63500" dist="2540000">
+                <a:schemeClr val="accent1">
+                  <a:lumMod val="60000"/>
+                  <a:lumOff val="40000"/>
+                  <a:alpha val="0"/>
+                </a:schemeClr>
+              </a:innerShdw>
+            </a:effectLst>
+          </p:spPr>
+          <p:style>
+            <a:lnRef idx="2">
+              <a:schemeClr val="accent1">
+                <a:shade val="50000"/>
+              </a:schemeClr>
+            </a:lnRef>
+            <a:fillRef idx="1">
+              <a:schemeClr val="accent1"/>
+            </a:fillRef>
+            <a:effectRef idx="0">
+              <a:schemeClr val="accent1"/>
+            </a:effectRef>
+            <a:fontRef idx="minor">
+              <a:schemeClr val="lt1"/>
+            </a:fontRef>
+          </p:style>
+          <p:txBody>
+            <a:bodyPr rot="0" spcFirstLastPara="0" vertOverflow="overflow" horzOverflow="overflow" vert="horz" wrap="square" lIns="91440" tIns="45720" rIns="91440" bIns="45720" numCol="1" spcCol="0" rtlCol="0" fromWordArt="0" anchor="ctr" anchorCtr="0" forceAA="0" compatLnSpc="1">
+              <a:prstTxWarp prst="textNoShape">
+                <a:avLst/>
+              </a:prstTxWarp>
+              <a:noAutofit/>
+            </a:bodyPr>
+            <a:lstStyle/>
+            <a:p>
+              <a:pPr algn="ctr"/>
+              <a:endParaRPr lang="en-US"/>
+            </a:p>
+          </p:txBody>
+        </p:sp>
+      </p:grpSp>
+      <p:sp useBgFill="1">
+        <p:nvSpPr>
+          <p:cNvPr id="64" name="Rectangle 63">
+            <a:extLst>
+              <a:ext uri="{FF2B5EF4-FFF2-40B4-BE49-F238E27FC236}">
+                <a16:creationId xmlns:a16="http://schemas.microsoft.com/office/drawing/2014/main" id="{1DB043B4-68C6-45B9-82AC-A5800EADB8DB}"/>
+              </a:ext>
+              <a:ext uri="{C183D7F6-B498-43B3-948B-1728B52AA6E4}">
+                <adec:decorative xmlns:adec="http://schemas.microsoft.com/office/drawing/2017/decorative" val="1"/>
+              </a:ext>
+            </a:extLst>
+          </p:cNvPr>
+          <p:cNvSpPr>
+            <a:spLocks noGrp="1" noRot="1" noChangeAspect="1" noMove="1" noResize="1" noEditPoints="1" noAdjustHandles="1" noChangeArrowheads="1" noChangeShapeType="1" noTextEdit="1"/>
+          </p:cNvSpPr>
+          <p:nvPr>
+            <p:extLst>
+              <p:ext uri="{386F3935-93C4-4BCD-93E2-E3B085C9AB24}">
+                <p16:designElem xmlns:p16="http://schemas.microsoft.com/office/powerpoint/2015/main" val="1"/>
+              </p:ext>
+            </p:extLst>
+          </p:nvPr>
+        </p:nvSpPr>
+        <p:spPr>
+          <a:xfrm>
+            <a:off x="0" y="0"/>
+            <a:ext cx="12192000" cy="6858000"/>
+          </a:xfrm>
+          <a:prstGeom prst="rect">
+            <a:avLst/>
+          </a:prstGeom>
+          <a:ln w="12700" cap="flat" cmpd="sng" algn="ctr">
+            <a:noFill/>
+            <a:prstDash val="solid"/>
+            <a:miter lim="800000"/>
+          </a:ln>
+          <a:effectLst/>
+          <a:extLst>
+            <a:ext uri="{91240B29-F687-4F45-9708-019B960494DF}">
+              <a14:hiddenLine xmlns:a14="http://schemas.microsoft.com/office/drawing/2010/main" w="12700" cap="flat" cmpd="sng" algn="ctr">
+                <a:solidFill>
+                  <a:schemeClr val="accent1">
+                    <a:shade val="50000"/>
+                  </a:schemeClr>
+                </a:solidFill>
+                <a:prstDash val="solid"/>
+                <a:miter lim="800000"/>
+              </a14:hiddenLine>
+            </a:ext>
+          </a:extLst>
+        </p:spPr>
+        <p:style>
+          <a:lnRef idx="2">
+            <a:schemeClr val="accent1">
+              <a:shade val="50000"/>
+            </a:schemeClr>
+          </a:lnRef>
+          <a:fillRef idx="1">
+            <a:schemeClr val="accent1"/>
+          </a:fillRef>
+          <a:effectRef idx="0">
+            <a:schemeClr val="accent1"/>
+          </a:effectRef>
+          <a:fontRef idx="minor">
+            <a:schemeClr val="lt1"/>
+          </a:fontRef>
+        </p:style>
+        <p:txBody>
+          <a:bodyPr rtlCol="0" anchor="ctr"/>
+          <a:lstStyle/>
+          <a:p>
+            <a:pPr algn="ctr"/>
+            <a:endParaRPr lang="en-US"/>
+          </a:p>
+        </p:txBody>
+      </p:sp>
+      <p:pic>
+        <p:nvPicPr>
+          <p:cNvPr id="27" name="Picture 26" descr="Technologischer Hintergrund">
+            <a:extLst>
+              <a:ext uri="{FF2B5EF4-FFF2-40B4-BE49-F238E27FC236}">
+                <a16:creationId xmlns:a16="http://schemas.microsoft.com/office/drawing/2014/main" id="{0298DD01-28BC-40C3-A4DF-13314D474CB9}"/>
+              </a:ext>
+            </a:extLst>
+          </p:cNvPr>
+          <p:cNvPicPr>
+            <a:picLocks noChangeAspect="1"/>
+          </p:cNvPicPr>
+          <p:nvPr/>
+        </p:nvPicPr>
+        <p:blipFill rotWithShape="1">
+          <a:blip r:embed="rId2"/>
+          <a:srcRect t="5643" b="10088"/>
+          <a:stretch/>
+        </p:blipFill>
+        <p:spPr>
+          <a:xfrm>
+            <a:off x="20" y="1"/>
+            <a:ext cx="12191980" cy="6858000"/>
+          </a:xfrm>
+          <a:custGeom>
+            <a:avLst/>
+            <a:gdLst/>
+            <a:ahLst/>
+            <a:cxnLst/>
+            <a:rect l="l" t="t" r="r" b="b"/>
+            <a:pathLst>
+              <a:path w="12192000" h="6858000">
+                <a:moveTo>
+                  <a:pt x="0" y="0"/>
+                </a:moveTo>
+                <a:lnTo>
+                  <a:pt x="12192000" y="0"/>
+                </a:lnTo>
+                <a:lnTo>
+                  <a:pt x="12192000" y="6858000"/>
+                </a:lnTo>
+                <a:lnTo>
+                  <a:pt x="0" y="6858000"/>
+                </a:lnTo>
+                <a:close/>
+              </a:path>
+            </a:pathLst>
+          </a:custGeom>
+        </p:spPr>
+      </p:pic>
+      <p:sp>
+        <p:nvSpPr>
+          <p:cNvPr id="66" name="Rectangle 65">
+            <a:extLst>
+              <a:ext uri="{FF2B5EF4-FFF2-40B4-BE49-F238E27FC236}">
+                <a16:creationId xmlns:a16="http://schemas.microsoft.com/office/drawing/2014/main" id="{3C64A91D-E535-4C24-A0E3-96A3810E3FDC}"/>
+              </a:ext>
+              <a:ext uri="{C183D7F6-B498-43B3-948B-1728B52AA6E4}">
+                <adec:decorative xmlns:adec="http://schemas.microsoft.com/office/drawing/2017/decorative" val="1"/>
+              </a:ext>
+            </a:extLst>
+          </p:cNvPr>
+          <p:cNvSpPr>
+            <a:spLocks noGrp="1" noRot="1" noChangeAspect="1" noMove="1" noResize="1" noEditPoints="1" noAdjustHandles="1" noChangeArrowheads="1" noChangeShapeType="1" noTextEdit="1"/>
+          </p:cNvSpPr>
+          <p:nvPr>
+            <p:extLst>
+              <p:ext uri="{386F3935-93C4-4BCD-93E2-E3B085C9AB24}">
+                <p16:designElem xmlns:p16="http://schemas.microsoft.com/office/powerpoint/2015/main" val="1"/>
+              </p:ext>
+            </p:extLst>
+          </p:nvPr>
+        </p:nvSpPr>
+        <p:spPr>
+          <a:xfrm>
+            <a:off x="0" y="5773729"/>
+            <a:ext cx="12192000" cy="1084271"/>
+          </a:xfrm>
+          <a:prstGeom prst="rect">
+            <a:avLst/>
+          </a:prstGeom>
+          <a:gradFill flip="none" rotWithShape="1">
+            <a:gsLst>
+              <a:gs pos="90000">
+                <a:schemeClr val="bg2">
+                  <a:alpha val="60000"/>
+                </a:schemeClr>
+              </a:gs>
+              <a:gs pos="28000">
+                <a:schemeClr val="bg2">
+                  <a:alpha val="0"/>
+                </a:schemeClr>
+              </a:gs>
+            </a:gsLst>
+            <a:lin ang="5400000" scaled="0"/>
+            <a:tileRect/>
+          </a:gradFill>
+          <a:ln>
+            <a:noFill/>
+          </a:ln>
+        </p:spPr>
+        <p:style>
+          <a:lnRef idx="2">
+            <a:schemeClr val="accent1">
+              <a:shade val="50000"/>
+            </a:schemeClr>
+          </a:lnRef>
+          <a:fillRef idx="1">
+            <a:schemeClr val="accent1"/>
+          </a:fillRef>
+          <a:effectRef idx="0">
+            <a:schemeClr val="accent1"/>
+          </a:effectRef>
+          <a:fontRef idx="minor">
+            <a:schemeClr val="lt1"/>
+          </a:fontRef>
+        </p:style>
+        <p:txBody>
+          <a:bodyPr rtlCol="0" anchor="ctr"/>
+          <a:lstStyle/>
+          <a:p>
+            <a:pPr algn="ctr"/>
+            <a:endParaRPr lang="en-US"/>
+          </a:p>
+        </p:txBody>
+      </p:sp>
+      <p:sp>
+        <p:nvSpPr>
+          <p:cNvPr id="68" name="Rectangle 67">
+            <a:extLst>
+              <a:ext uri="{FF2B5EF4-FFF2-40B4-BE49-F238E27FC236}">
+                <a16:creationId xmlns:a16="http://schemas.microsoft.com/office/drawing/2014/main" id="{26FC4867-BA3E-4F8E-AB23-684F34DF3D31}"/>
+              </a:ext>
+              <a:ext uri="{C183D7F6-B498-43B3-948B-1728B52AA6E4}">
+                <adec:decorative xmlns:adec="http://schemas.microsoft.com/office/drawing/2017/decorative" val="1"/>
+              </a:ext>
+            </a:extLst>
+          </p:cNvPr>
+          <p:cNvSpPr>
+            <a:spLocks noGrp="1" noRot="1" noChangeAspect="1" noMove="1" noResize="1" noEditPoints="1" noAdjustHandles="1" noChangeArrowheads="1" noChangeShapeType="1" noTextEdit="1"/>
+          </p:cNvSpPr>
+          <p:nvPr>
+            <p:extLst>
+              <p:ext uri="{386F3935-93C4-4BCD-93E2-E3B085C9AB24}">
+                <p16:designElem xmlns:p16="http://schemas.microsoft.com/office/powerpoint/2015/main" val="1"/>
+              </p:ext>
+            </p:extLst>
+          </p:nvPr>
+        </p:nvSpPr>
+        <p:spPr>
+          <a:xfrm rot="10800000">
+            <a:off x="0" y="-3"/>
+            <a:ext cx="9000000" cy="6857998"/>
+          </a:xfrm>
+          <a:prstGeom prst="rect">
+            <a:avLst/>
+          </a:prstGeom>
+          <a:gradFill flip="none" rotWithShape="1">
+            <a:gsLst>
+              <a:gs pos="50000">
+                <a:schemeClr val="bg2">
+                  <a:alpha val="60000"/>
+                </a:schemeClr>
+              </a:gs>
+              <a:gs pos="0">
+                <a:schemeClr val="bg2">
+                  <a:alpha val="0"/>
+                </a:schemeClr>
+              </a:gs>
+            </a:gsLst>
+            <a:lin ang="0" scaled="0"/>
+            <a:tileRect/>
+          </a:gradFill>
+          <a:ln>
+            <a:noFill/>
+          </a:ln>
+        </p:spPr>
+        <p:style>
+          <a:lnRef idx="2">
+            <a:schemeClr val="accent1">
+              <a:shade val="50000"/>
+            </a:schemeClr>
+          </a:lnRef>
+          <a:fillRef idx="1">
+            <a:schemeClr val="accent1"/>
+          </a:fillRef>
+          <a:effectRef idx="0">
+            <a:schemeClr val="accent1"/>
+          </a:effectRef>
+          <a:fontRef idx="minor">
+            <a:schemeClr val="lt1"/>
+          </a:fontRef>
+        </p:style>
+        <p:txBody>
+          <a:bodyPr rtlCol="0" anchor="ctr"/>
+          <a:lstStyle/>
+          <a:p>
+            <a:pPr algn="ctr"/>
+            <a:endParaRPr lang="en-US"/>
+          </a:p>
+        </p:txBody>
+      </p:sp>
+      <p:sp>
+        <p:nvSpPr>
+          <p:cNvPr id="2" name="Rubrik 1">
+            <a:extLst>
+              <a:ext uri="{FF2B5EF4-FFF2-40B4-BE49-F238E27FC236}">
+                <a16:creationId xmlns:a16="http://schemas.microsoft.com/office/drawing/2014/main" id="{575E834E-DFEC-F84E-A412-F6A3D912DCB2}"/>
+              </a:ext>
+            </a:extLst>
+          </p:cNvPr>
+          <p:cNvSpPr>
+            <a:spLocks noGrp="1"/>
+          </p:cNvSpPr>
+          <p:nvPr>
+            <p:ph type="title"/>
+          </p:nvPr>
+        </p:nvSpPr>
+        <p:spPr>
+          <a:xfrm>
+            <a:off x="550863" y="549275"/>
+            <a:ext cx="5437187" cy="2986234"/>
+          </a:xfrm>
+        </p:spPr>
+        <p:txBody>
+          <a:bodyPr vert="horz" wrap="square" lIns="0" tIns="0" rIns="0" bIns="0" rtlCol="0" anchor="b" anchorCtr="0">
+            <a:normAutofit/>
+          </a:bodyPr>
+          <a:lstStyle/>
+          <a:p>
+            <a:r>
+              <a:rPr lang="en-US" sz="6400" kern="1200">
+                <a:solidFill>
+                  <a:schemeClr val="tx1"/>
+                </a:solidFill>
+                <a:latin typeface="+mj-lt"/>
+                <a:ea typeface="+mj-ea"/>
+                <a:cs typeface="+mj-cs"/>
+              </a:rPr>
+              <a:t>Applikationen</a:t>
+            </a:r>
+          </a:p>
+        </p:txBody>
+      </p:sp>
+    </p:spTree>
+    <p:extLst>
+      <p:ext uri="{BB962C8B-B14F-4D97-AF65-F5344CB8AC3E}">
+        <p14:creationId xmlns:p14="http://schemas.microsoft.com/office/powerpoint/2010/main" val="3574791418"/>
+      </p:ext>
+    </p:extLst>
+  </p:cSld>
+  <p:clrMapOvr>
+    <a:masterClrMapping/>
+  </p:clrMapOvr>
+  <p:timing>
+    <p:tnLst>
+      <p:par>
+        <p:cTn id="1" dur="indefinite" restart="never" nodeType="tmRoot">
+          <p:childTnLst>
+            <p:seq concurrent="1" nextAc="seek">
+              <p:cTn id="2" dur="indefinite" nodeType="mainSeq">
+                <p:childTnLst>
+                  <p:par>
+                    <p:cTn id="3" fill="hold">
+                      <p:stCondLst>
+                        <p:cond delay="indefinite"/>
+                        <p:cond evt="onBegin" delay="0">
+                          <p:tn val="2"/>
+                        </p:cond>
+                      </p:stCondLst>
+                      <p:childTnLst>
+                        <p:par>
+                          <p:cTn id="4" fill="hold">
+                            <p:stCondLst>
+                              <p:cond delay="0"/>
+                            </p:stCondLst>
+                            <p:childTnLst>
+                              <p:par>
+                                <p:cTn id="5" presetID="10" presetClass="entr" presetSubtype="0" fill="hold" grpId="0" nodeType="withEffect">
+                                  <p:stCondLst>
+                                    <p:cond delay="1000"/>
+                                  </p:stCondLst>
+                                  <p:iterate type="lt">
+                                    <p:tmPct val="10000"/>
+                                  </p:iterate>
+                                  <p:childTnLst>
+                                    <p:set>
+                                      <p:cBhvr>
+                                        <p:cTn id="6" dur="1" fill="hold">
+                                          <p:stCondLst>
+                                            <p:cond delay="0"/>
+                                          </p:stCondLst>
+                                        </p:cTn>
+                                        <p:tgtEl>
+                                          <p:spTgt spid="2"/>
+                                        </p:tgtEl>
+                                        <p:attrNameLst>
+                                          <p:attrName>style.visibility</p:attrName>
+                                        </p:attrNameLst>
+                                      </p:cBhvr>
+                                      <p:to>
+                                        <p:strVal val="visible"/>
+                                      </p:to>
+                                    </p:set>
+                                    <p:animEffect transition="in" filter="fade">
+                                      <p:cBhvr>
+                                        <p:cTn id="7" dur="400"/>
+                                        <p:tgtEl>
+                                          <p:spTgt spid="2"/>
+                                        </p:tgtEl>
+                                      </p:cBhvr>
+                                    </p:animEffect>
+                                  </p:childTnLst>
+                                </p:cTn>
+                              </p:par>
+                            </p:childTnLst>
+                          </p:cTn>
+                        </p:par>
+                      </p:childTnLst>
+                    </p:cTn>
+                  </p:par>
+                </p:childTnLst>
+              </p:cTn>
+              <p:prevCondLst>
+                <p:cond evt="onPrev" delay="0">
+                  <p:tgtEl>
+                    <p:sldTgt/>
+                  </p:tgtEl>
+                </p:cond>
+              </p:prevCondLst>
+              <p:nextCondLst>
+                <p:cond evt="onNext" delay="0">
+                  <p:tgtEl>
+                    <p:sldTgt/>
+                  </p:tgtEl>
+                </p:cond>
+              </p:nextCondLst>
+            </p:seq>
+          </p:childTnLst>
+        </p:cTn>
+      </p:par>
+    </p:tnLst>
+    <p:bldLst>
+      <p:bldP spid="2" grpId="0"/>
+    </p:bldLst>
+  </p:timing>
+</p:sld>
+</file>
+
 <file path=ppt/theme/theme1.xml><?xml version="1.0" encoding="utf-8"?>
 <a:theme xmlns:a="http://schemas.openxmlformats.org/drawingml/2006/main" name="3DFloatVTI">
   <a:themeElements>
